--- a/UNIDAD00/01_Entorno_de_Desarrollo/01_Entorno_de_Desarrollo.pptx
+++ b/UNIDAD00/01_Entorno_de_Desarrollo/01_Entorno_de_Desarrollo.pptx
@@ -6,25 +6,43 @@
     <p:sldMasterId id="2147483661" r:id="rId3"/>
     <p:sldMasterId id="2147483674" r:id="rId4"/>
     <p:sldMasterId id="2147483687" r:id="rId5"/>
+    <p:sldMasterId id="2147483700" r:id="rId6"/>
+    <p:sldMasterId id="2147483713" r:id="rId7"/>
   </p:sldMasterIdLst>
   <p:sldIdLst>
-    <p:sldId id="256" r:id="rId6"/>
-    <p:sldId id="257" r:id="rId7"/>
-    <p:sldId id="258" r:id="rId8"/>
-    <p:sldId id="259" r:id="rId9"/>
-    <p:sldId id="260" r:id="rId10"/>
-    <p:sldId id="261" r:id="rId11"/>
-    <p:sldId id="262" r:id="rId12"/>
-    <p:sldId id="263" r:id="rId13"/>
-    <p:sldId id="264" r:id="rId14"/>
-    <p:sldId id="265" r:id="rId15"/>
-    <p:sldId id="266" r:id="rId16"/>
-    <p:sldId id="267" r:id="rId17"/>
-    <p:sldId id="268" r:id="rId18"/>
-    <p:sldId id="269" r:id="rId19"/>
-    <p:sldId id="270" r:id="rId20"/>
-    <p:sldId id="271" r:id="rId21"/>
-    <p:sldId id="272" r:id="rId22"/>
+    <p:sldId id="256" r:id="rId8"/>
+    <p:sldId id="257" r:id="rId9"/>
+    <p:sldId id="258" r:id="rId10"/>
+    <p:sldId id="259" r:id="rId11"/>
+    <p:sldId id="260" r:id="rId12"/>
+    <p:sldId id="261" r:id="rId13"/>
+    <p:sldId id="262" r:id="rId14"/>
+    <p:sldId id="263" r:id="rId15"/>
+    <p:sldId id="264" r:id="rId16"/>
+    <p:sldId id="265" r:id="rId17"/>
+    <p:sldId id="266" r:id="rId18"/>
+    <p:sldId id="267" r:id="rId19"/>
+    <p:sldId id="268" r:id="rId20"/>
+    <p:sldId id="269" r:id="rId21"/>
+    <p:sldId id="270" r:id="rId22"/>
+    <p:sldId id="271" r:id="rId23"/>
+    <p:sldId id="272" r:id="rId24"/>
+    <p:sldId id="273" r:id="rId25"/>
+    <p:sldId id="274" r:id="rId26"/>
+    <p:sldId id="275" r:id="rId27"/>
+    <p:sldId id="276" r:id="rId28"/>
+    <p:sldId id="277" r:id="rId29"/>
+    <p:sldId id="278" r:id="rId30"/>
+    <p:sldId id="279" r:id="rId31"/>
+    <p:sldId id="280" r:id="rId32"/>
+    <p:sldId id="281" r:id="rId33"/>
+    <p:sldId id="282" r:id="rId34"/>
+    <p:sldId id="283" r:id="rId35"/>
+    <p:sldId id="284" r:id="rId36"/>
+    <p:sldId id="285" r:id="rId37"/>
+    <p:sldId id="286" r:id="rId38"/>
+    <p:sldId id="287" r:id="rId39"/>
+    <p:sldId id="288" r:id="rId40"/>
   </p:sldIdLst>
   <p:sldSz cx="10080625" cy="5670550"/>
   <p:notesSz cx="7772400" cy="10058400"/>
@@ -4920,6 +4938,28 @@
 </p:sldLayout>
 </file>
 
+<file path=ppt/slideLayouts/slideLayout49.xml><?xml version="1.0" encoding="utf-8"?>
+<p:sldLayout xmlns:a="http://schemas.openxmlformats.org/drawingml/2006/main" xmlns:p="http://schemas.openxmlformats.org/presentationml/2006/main" xmlns:r="http://schemas.openxmlformats.org/officeDocument/2006/relationships" xmlns:p14="http://schemas.microsoft.com/office/powerpoint/2010/main" xmlns:p15="http://schemas.microsoft.com/office/powerpoint/2012/main" xmlns:mc="http://schemas.openxmlformats.org/markup-compatibility/2006" type="blank" preserve="1">
+  <p:cSld name="Blank Slide">
+    <p:spTree>
+      <p:nvGrpSpPr>
+        <p:cNvPr id="1" name=""/>
+        <p:cNvGrpSpPr/>
+        <p:nvPr/>
+      </p:nvGrpSpPr>
+      <p:grpSpPr>
+        <a:xfrm>
+          <a:off x="0" y="0"/>
+          <a:ext cx="0" cy="0"/>
+          <a:chOff x="0" y="0"/>
+          <a:chExt cx="0" cy="0"/>
+        </a:xfrm>
+      </p:grpSpPr>
+    </p:spTree>
+  </p:cSld>
+</p:sldLayout>
+</file>
+
 <file path=ppt/slideLayouts/slideLayout5.xml><?xml version="1.0" encoding="utf-8"?>
 <p:sldLayout xmlns:a="http://schemas.openxmlformats.org/drawingml/2006/main" xmlns:p="http://schemas.openxmlformats.org/presentationml/2006/main" xmlns:r="http://schemas.openxmlformats.org/officeDocument/2006/relationships" xmlns:p14="http://schemas.microsoft.com/office/powerpoint/2010/main" xmlns:p15="http://schemas.microsoft.com/office/powerpoint/2012/main" xmlns:mc="http://schemas.openxmlformats.org/markup-compatibility/2006" type="titleOnly" preserve="1">
   <p:cSld name="Title Only">
@@ -4963,6 +5003,1107 @@
           <a:p>
             <a:pPr algn="ctr"/>
             <a:endParaRPr b="0" lang="es-MX" sz="4400" spc="-1" strike="noStrike">
+              <a:latin typeface="Arial"/>
+            </a:endParaRPr>
+          </a:p>
+        </p:txBody>
+      </p:sp>
+    </p:spTree>
+  </p:cSld>
+</p:sldLayout>
+</file>
+
+<file path=ppt/slideLayouts/slideLayout50.xml><?xml version="1.0" encoding="utf-8"?>
+<p:sldLayout xmlns:a="http://schemas.openxmlformats.org/drawingml/2006/main" xmlns:p="http://schemas.openxmlformats.org/presentationml/2006/main" xmlns:r="http://schemas.openxmlformats.org/officeDocument/2006/relationships" xmlns:p14="http://schemas.microsoft.com/office/powerpoint/2010/main" xmlns:p15="http://schemas.microsoft.com/office/powerpoint/2012/main" xmlns:mc="http://schemas.openxmlformats.org/markup-compatibility/2006" type="tx" preserve="1">
+  <p:cSld name="Title Slide">
+    <p:spTree>
+      <p:nvGrpSpPr>
+        <p:cNvPr id="1" name=""/>
+        <p:cNvGrpSpPr/>
+        <p:nvPr/>
+      </p:nvGrpSpPr>
+      <p:grpSpPr>
+        <a:xfrm>
+          <a:off x="0" y="0"/>
+          <a:ext cx="0" cy="0"/>
+          <a:chOff x="0" y="0"/>
+          <a:chExt cx="0" cy="0"/>
+        </a:xfrm>
+      </p:grpSpPr>
+      <p:sp>
+        <p:nvSpPr>
+          <p:cNvPr id="160" name="PlaceHolder 1"/>
+          <p:cNvSpPr>
+            <a:spLocks noGrp="1"/>
+          </p:cNvSpPr>
+          <p:nvPr>
+            <p:ph type="title"/>
+          </p:nvPr>
+        </p:nvSpPr>
+        <p:spPr>
+          <a:xfrm>
+            <a:off x="504000" y="226080"/>
+            <a:ext cx="9072000" cy="946440"/>
+          </a:xfrm>
+          <a:prstGeom prst="rect">
+            <a:avLst/>
+          </a:prstGeom>
+        </p:spPr>
+        <p:txBody>
+          <a:bodyPr lIns="0" rIns="0" tIns="0" bIns="0" anchor="ctr">
+            <a:noAutofit/>
+          </a:bodyPr>
+          <a:p>
+            <a:pPr algn="ctr"/>
+            <a:endParaRPr b="0" lang="es-MX" sz="4400" spc="-1" strike="noStrike">
+              <a:latin typeface="Arial"/>
+            </a:endParaRPr>
+          </a:p>
+        </p:txBody>
+      </p:sp>
+      <p:sp>
+        <p:nvSpPr>
+          <p:cNvPr id="161" name="PlaceHolder 2"/>
+          <p:cNvSpPr>
+            <a:spLocks noGrp="1"/>
+          </p:cNvSpPr>
+          <p:nvPr>
+            <p:ph type="subTitle"/>
+          </p:nvPr>
+        </p:nvSpPr>
+        <p:spPr>
+          <a:xfrm>
+            <a:off x="504000" y="1326600"/>
+            <a:ext cx="9072000" cy="3288600"/>
+          </a:xfrm>
+          <a:prstGeom prst="rect">
+            <a:avLst/>
+          </a:prstGeom>
+        </p:spPr>
+        <p:txBody>
+          <a:bodyPr lIns="0" rIns="0" tIns="0" bIns="0" anchor="ctr">
+            <a:noAutofit/>
+          </a:bodyPr>
+          <a:p>
+            <a:pPr algn="ctr"/>
+            <a:endParaRPr b="0" lang="es-MX" sz="3200" spc="-1" strike="noStrike">
+              <a:latin typeface="Arial"/>
+            </a:endParaRPr>
+          </a:p>
+        </p:txBody>
+      </p:sp>
+    </p:spTree>
+  </p:cSld>
+</p:sldLayout>
+</file>
+
+<file path=ppt/slideLayouts/slideLayout51.xml><?xml version="1.0" encoding="utf-8"?>
+<p:sldLayout xmlns:a="http://schemas.openxmlformats.org/drawingml/2006/main" xmlns:p="http://schemas.openxmlformats.org/presentationml/2006/main" xmlns:r="http://schemas.openxmlformats.org/officeDocument/2006/relationships" xmlns:p14="http://schemas.microsoft.com/office/powerpoint/2010/main" xmlns:p15="http://schemas.microsoft.com/office/powerpoint/2012/main" xmlns:mc="http://schemas.openxmlformats.org/markup-compatibility/2006" type="obj" preserve="1">
+  <p:cSld name="Title, Content">
+    <p:spTree>
+      <p:nvGrpSpPr>
+        <p:cNvPr id="1" name=""/>
+        <p:cNvGrpSpPr/>
+        <p:nvPr/>
+      </p:nvGrpSpPr>
+      <p:grpSpPr>
+        <a:xfrm>
+          <a:off x="0" y="0"/>
+          <a:ext cx="0" cy="0"/>
+          <a:chOff x="0" y="0"/>
+          <a:chExt cx="0" cy="0"/>
+        </a:xfrm>
+      </p:grpSpPr>
+      <p:sp>
+        <p:nvSpPr>
+          <p:cNvPr id="162" name="PlaceHolder 1"/>
+          <p:cNvSpPr>
+            <a:spLocks noGrp="1"/>
+          </p:cNvSpPr>
+          <p:nvPr>
+            <p:ph type="title"/>
+          </p:nvPr>
+        </p:nvSpPr>
+        <p:spPr>
+          <a:xfrm>
+            <a:off x="504000" y="226080"/>
+            <a:ext cx="9072000" cy="946440"/>
+          </a:xfrm>
+          <a:prstGeom prst="rect">
+            <a:avLst/>
+          </a:prstGeom>
+        </p:spPr>
+        <p:txBody>
+          <a:bodyPr lIns="0" rIns="0" tIns="0" bIns="0" anchor="ctr">
+            <a:noAutofit/>
+          </a:bodyPr>
+          <a:p>
+            <a:pPr algn="ctr"/>
+            <a:endParaRPr b="0" lang="es-MX" sz="4400" spc="-1" strike="noStrike">
+              <a:latin typeface="Arial"/>
+            </a:endParaRPr>
+          </a:p>
+        </p:txBody>
+      </p:sp>
+      <p:sp>
+        <p:nvSpPr>
+          <p:cNvPr id="163" name="PlaceHolder 2"/>
+          <p:cNvSpPr>
+            <a:spLocks noGrp="1"/>
+          </p:cNvSpPr>
+          <p:nvPr>
+            <p:ph type="body"/>
+          </p:nvPr>
+        </p:nvSpPr>
+        <p:spPr>
+          <a:xfrm>
+            <a:off x="504000" y="1326600"/>
+            <a:ext cx="9072000" cy="3288600"/>
+          </a:xfrm>
+          <a:prstGeom prst="rect">
+            <a:avLst/>
+          </a:prstGeom>
+        </p:spPr>
+        <p:txBody>
+          <a:bodyPr lIns="0" rIns="0" tIns="0" bIns="0">
+            <a:normAutofit/>
+          </a:bodyPr>
+          <a:p>
+            <a:endParaRPr b="0" lang="es-MX" sz="3200" spc="-1" strike="noStrike">
+              <a:latin typeface="Arial"/>
+            </a:endParaRPr>
+          </a:p>
+        </p:txBody>
+      </p:sp>
+    </p:spTree>
+  </p:cSld>
+</p:sldLayout>
+</file>
+
+<file path=ppt/slideLayouts/slideLayout52.xml><?xml version="1.0" encoding="utf-8"?>
+<p:sldLayout xmlns:a="http://schemas.openxmlformats.org/drawingml/2006/main" xmlns:p="http://schemas.openxmlformats.org/presentationml/2006/main" xmlns:r="http://schemas.openxmlformats.org/officeDocument/2006/relationships" xmlns:p14="http://schemas.microsoft.com/office/powerpoint/2010/main" xmlns:p15="http://schemas.microsoft.com/office/powerpoint/2012/main" xmlns:mc="http://schemas.openxmlformats.org/markup-compatibility/2006" type="twoObj" preserve="1">
+  <p:cSld name="Title, 2 Content">
+    <p:spTree>
+      <p:nvGrpSpPr>
+        <p:cNvPr id="1" name=""/>
+        <p:cNvGrpSpPr/>
+        <p:nvPr/>
+      </p:nvGrpSpPr>
+      <p:grpSpPr>
+        <a:xfrm>
+          <a:off x="0" y="0"/>
+          <a:ext cx="0" cy="0"/>
+          <a:chOff x="0" y="0"/>
+          <a:chExt cx="0" cy="0"/>
+        </a:xfrm>
+      </p:grpSpPr>
+      <p:sp>
+        <p:nvSpPr>
+          <p:cNvPr id="164" name="PlaceHolder 1"/>
+          <p:cNvSpPr>
+            <a:spLocks noGrp="1"/>
+          </p:cNvSpPr>
+          <p:nvPr>
+            <p:ph type="title"/>
+          </p:nvPr>
+        </p:nvSpPr>
+        <p:spPr>
+          <a:xfrm>
+            <a:off x="504000" y="226080"/>
+            <a:ext cx="9072000" cy="946440"/>
+          </a:xfrm>
+          <a:prstGeom prst="rect">
+            <a:avLst/>
+          </a:prstGeom>
+        </p:spPr>
+        <p:txBody>
+          <a:bodyPr lIns="0" rIns="0" tIns="0" bIns="0" anchor="ctr">
+            <a:noAutofit/>
+          </a:bodyPr>
+          <a:p>
+            <a:pPr algn="ctr"/>
+            <a:endParaRPr b="0" lang="es-MX" sz="4400" spc="-1" strike="noStrike">
+              <a:latin typeface="Arial"/>
+            </a:endParaRPr>
+          </a:p>
+        </p:txBody>
+      </p:sp>
+      <p:sp>
+        <p:nvSpPr>
+          <p:cNvPr id="165" name="PlaceHolder 2"/>
+          <p:cNvSpPr>
+            <a:spLocks noGrp="1"/>
+          </p:cNvSpPr>
+          <p:nvPr>
+            <p:ph type="body"/>
+          </p:nvPr>
+        </p:nvSpPr>
+        <p:spPr>
+          <a:xfrm>
+            <a:off x="504000" y="1326600"/>
+            <a:ext cx="4426920" cy="3288600"/>
+          </a:xfrm>
+          <a:prstGeom prst="rect">
+            <a:avLst/>
+          </a:prstGeom>
+        </p:spPr>
+        <p:txBody>
+          <a:bodyPr lIns="0" rIns="0" tIns="0" bIns="0">
+            <a:normAutofit/>
+          </a:bodyPr>
+          <a:p>
+            <a:endParaRPr b="0" lang="es-MX" sz="3200" spc="-1" strike="noStrike">
+              <a:latin typeface="Arial"/>
+            </a:endParaRPr>
+          </a:p>
+        </p:txBody>
+      </p:sp>
+      <p:sp>
+        <p:nvSpPr>
+          <p:cNvPr id="166" name="PlaceHolder 3"/>
+          <p:cNvSpPr>
+            <a:spLocks noGrp="1"/>
+          </p:cNvSpPr>
+          <p:nvPr>
+            <p:ph type="body"/>
+          </p:nvPr>
+        </p:nvSpPr>
+        <p:spPr>
+          <a:xfrm>
+            <a:off x="5152680" y="1326600"/>
+            <a:ext cx="4426920" cy="3288600"/>
+          </a:xfrm>
+          <a:prstGeom prst="rect">
+            <a:avLst/>
+          </a:prstGeom>
+        </p:spPr>
+        <p:txBody>
+          <a:bodyPr lIns="0" rIns="0" tIns="0" bIns="0">
+            <a:normAutofit/>
+          </a:bodyPr>
+          <a:p>
+            <a:endParaRPr b="0" lang="es-MX" sz="3200" spc="-1" strike="noStrike">
+              <a:latin typeface="Arial"/>
+            </a:endParaRPr>
+          </a:p>
+        </p:txBody>
+      </p:sp>
+    </p:spTree>
+  </p:cSld>
+</p:sldLayout>
+</file>
+
+<file path=ppt/slideLayouts/slideLayout53.xml><?xml version="1.0" encoding="utf-8"?>
+<p:sldLayout xmlns:a="http://schemas.openxmlformats.org/drawingml/2006/main" xmlns:p="http://schemas.openxmlformats.org/presentationml/2006/main" xmlns:r="http://schemas.openxmlformats.org/officeDocument/2006/relationships" xmlns:p14="http://schemas.microsoft.com/office/powerpoint/2010/main" xmlns:p15="http://schemas.microsoft.com/office/powerpoint/2012/main" xmlns:mc="http://schemas.openxmlformats.org/markup-compatibility/2006" type="titleOnly" preserve="1">
+  <p:cSld name="Title Only">
+    <p:spTree>
+      <p:nvGrpSpPr>
+        <p:cNvPr id="1" name=""/>
+        <p:cNvGrpSpPr/>
+        <p:nvPr/>
+      </p:nvGrpSpPr>
+      <p:grpSpPr>
+        <a:xfrm>
+          <a:off x="0" y="0"/>
+          <a:ext cx="0" cy="0"/>
+          <a:chOff x="0" y="0"/>
+          <a:chExt cx="0" cy="0"/>
+        </a:xfrm>
+      </p:grpSpPr>
+      <p:sp>
+        <p:nvSpPr>
+          <p:cNvPr id="167" name="PlaceHolder 1"/>
+          <p:cNvSpPr>
+            <a:spLocks noGrp="1"/>
+          </p:cNvSpPr>
+          <p:nvPr>
+            <p:ph type="title"/>
+          </p:nvPr>
+        </p:nvSpPr>
+        <p:spPr>
+          <a:xfrm>
+            <a:off x="504000" y="226080"/>
+            <a:ext cx="9072000" cy="946440"/>
+          </a:xfrm>
+          <a:prstGeom prst="rect">
+            <a:avLst/>
+          </a:prstGeom>
+        </p:spPr>
+        <p:txBody>
+          <a:bodyPr lIns="0" rIns="0" tIns="0" bIns="0" anchor="ctr">
+            <a:noAutofit/>
+          </a:bodyPr>
+          <a:p>
+            <a:pPr algn="ctr"/>
+            <a:endParaRPr b="0" lang="es-MX" sz="4400" spc="-1" strike="noStrike">
+              <a:latin typeface="Arial"/>
+            </a:endParaRPr>
+          </a:p>
+        </p:txBody>
+      </p:sp>
+    </p:spTree>
+  </p:cSld>
+</p:sldLayout>
+</file>
+
+<file path=ppt/slideLayouts/slideLayout54.xml><?xml version="1.0" encoding="utf-8"?>
+<p:sldLayout xmlns:a="http://schemas.openxmlformats.org/drawingml/2006/main" xmlns:p="http://schemas.openxmlformats.org/presentationml/2006/main" xmlns:r="http://schemas.openxmlformats.org/officeDocument/2006/relationships" xmlns:p14="http://schemas.microsoft.com/office/powerpoint/2010/main" xmlns:p15="http://schemas.microsoft.com/office/powerpoint/2012/main" xmlns:mc="http://schemas.openxmlformats.org/markup-compatibility/2006" type="objOnly" preserve="1">
+  <p:cSld name="Centered Text">
+    <p:spTree>
+      <p:nvGrpSpPr>
+        <p:cNvPr id="1" name=""/>
+        <p:cNvGrpSpPr/>
+        <p:nvPr/>
+      </p:nvGrpSpPr>
+      <p:grpSpPr>
+        <a:xfrm>
+          <a:off x="0" y="0"/>
+          <a:ext cx="0" cy="0"/>
+          <a:chOff x="0" y="0"/>
+          <a:chExt cx="0" cy="0"/>
+        </a:xfrm>
+      </p:grpSpPr>
+      <p:sp>
+        <p:nvSpPr>
+          <p:cNvPr id="168" name="PlaceHolder 1"/>
+          <p:cNvSpPr>
+            <a:spLocks noGrp="1"/>
+          </p:cNvSpPr>
+          <p:nvPr>
+            <p:ph type="subTitle"/>
+          </p:nvPr>
+        </p:nvSpPr>
+        <p:spPr>
+          <a:xfrm>
+            <a:off x="504000" y="226080"/>
+            <a:ext cx="9072000" cy="4388400"/>
+          </a:xfrm>
+          <a:prstGeom prst="rect">
+            <a:avLst/>
+          </a:prstGeom>
+        </p:spPr>
+        <p:txBody>
+          <a:bodyPr lIns="0" rIns="0" tIns="0" bIns="0" anchor="ctr">
+            <a:noAutofit/>
+          </a:bodyPr>
+          <a:p>
+            <a:pPr algn="ctr"/>
+            <a:endParaRPr b="0" lang="es-MX" sz="3200" spc="-1" strike="noStrike">
+              <a:latin typeface="Arial"/>
+            </a:endParaRPr>
+          </a:p>
+        </p:txBody>
+      </p:sp>
+    </p:spTree>
+  </p:cSld>
+</p:sldLayout>
+</file>
+
+<file path=ppt/slideLayouts/slideLayout55.xml><?xml version="1.0" encoding="utf-8"?>
+<p:sldLayout xmlns:a="http://schemas.openxmlformats.org/drawingml/2006/main" xmlns:p="http://schemas.openxmlformats.org/presentationml/2006/main" xmlns:r="http://schemas.openxmlformats.org/officeDocument/2006/relationships" xmlns:p14="http://schemas.microsoft.com/office/powerpoint/2010/main" xmlns:p15="http://schemas.microsoft.com/office/powerpoint/2012/main" xmlns:mc="http://schemas.openxmlformats.org/markup-compatibility/2006" type="twoObjAndObj" preserve="1">
+  <p:cSld name="Title, 2 Content and Content">
+    <p:spTree>
+      <p:nvGrpSpPr>
+        <p:cNvPr id="1" name=""/>
+        <p:cNvGrpSpPr/>
+        <p:nvPr/>
+      </p:nvGrpSpPr>
+      <p:grpSpPr>
+        <a:xfrm>
+          <a:off x="0" y="0"/>
+          <a:ext cx="0" cy="0"/>
+          <a:chOff x="0" y="0"/>
+          <a:chExt cx="0" cy="0"/>
+        </a:xfrm>
+      </p:grpSpPr>
+      <p:sp>
+        <p:nvSpPr>
+          <p:cNvPr id="169" name="PlaceHolder 1"/>
+          <p:cNvSpPr>
+            <a:spLocks noGrp="1"/>
+          </p:cNvSpPr>
+          <p:nvPr>
+            <p:ph type="title"/>
+          </p:nvPr>
+        </p:nvSpPr>
+        <p:spPr>
+          <a:xfrm>
+            <a:off x="504000" y="226080"/>
+            <a:ext cx="9072000" cy="946440"/>
+          </a:xfrm>
+          <a:prstGeom prst="rect">
+            <a:avLst/>
+          </a:prstGeom>
+        </p:spPr>
+        <p:txBody>
+          <a:bodyPr lIns="0" rIns="0" tIns="0" bIns="0" anchor="ctr">
+            <a:noAutofit/>
+          </a:bodyPr>
+          <a:p>
+            <a:pPr algn="ctr"/>
+            <a:endParaRPr b="0" lang="es-MX" sz="4400" spc="-1" strike="noStrike">
+              <a:latin typeface="Arial"/>
+            </a:endParaRPr>
+          </a:p>
+        </p:txBody>
+      </p:sp>
+      <p:sp>
+        <p:nvSpPr>
+          <p:cNvPr id="170" name="PlaceHolder 2"/>
+          <p:cNvSpPr>
+            <a:spLocks noGrp="1"/>
+          </p:cNvSpPr>
+          <p:nvPr>
+            <p:ph type="body"/>
+          </p:nvPr>
+        </p:nvSpPr>
+        <p:spPr>
+          <a:xfrm>
+            <a:off x="504000" y="1326600"/>
+            <a:ext cx="4426920" cy="1568520"/>
+          </a:xfrm>
+          <a:prstGeom prst="rect">
+            <a:avLst/>
+          </a:prstGeom>
+        </p:spPr>
+        <p:txBody>
+          <a:bodyPr lIns="0" rIns="0" tIns="0" bIns="0">
+            <a:normAutofit/>
+          </a:bodyPr>
+          <a:p>
+            <a:endParaRPr b="0" lang="es-MX" sz="3200" spc="-1" strike="noStrike">
+              <a:latin typeface="Arial"/>
+            </a:endParaRPr>
+          </a:p>
+        </p:txBody>
+      </p:sp>
+      <p:sp>
+        <p:nvSpPr>
+          <p:cNvPr id="171" name="PlaceHolder 3"/>
+          <p:cNvSpPr>
+            <a:spLocks noGrp="1"/>
+          </p:cNvSpPr>
+          <p:nvPr>
+            <p:ph type="body"/>
+          </p:nvPr>
+        </p:nvSpPr>
+        <p:spPr>
+          <a:xfrm>
+            <a:off x="5152680" y="1326600"/>
+            <a:ext cx="4426920" cy="3288600"/>
+          </a:xfrm>
+          <a:prstGeom prst="rect">
+            <a:avLst/>
+          </a:prstGeom>
+        </p:spPr>
+        <p:txBody>
+          <a:bodyPr lIns="0" rIns="0" tIns="0" bIns="0">
+            <a:normAutofit/>
+          </a:bodyPr>
+          <a:p>
+            <a:endParaRPr b="0" lang="es-MX" sz="3200" spc="-1" strike="noStrike">
+              <a:latin typeface="Arial"/>
+            </a:endParaRPr>
+          </a:p>
+        </p:txBody>
+      </p:sp>
+      <p:sp>
+        <p:nvSpPr>
+          <p:cNvPr id="172" name="PlaceHolder 4"/>
+          <p:cNvSpPr>
+            <a:spLocks noGrp="1"/>
+          </p:cNvSpPr>
+          <p:nvPr>
+            <p:ph type="body"/>
+          </p:nvPr>
+        </p:nvSpPr>
+        <p:spPr>
+          <a:xfrm>
+            <a:off x="504000" y="3044520"/>
+            <a:ext cx="4426920" cy="1568520"/>
+          </a:xfrm>
+          <a:prstGeom prst="rect">
+            <a:avLst/>
+          </a:prstGeom>
+        </p:spPr>
+        <p:txBody>
+          <a:bodyPr lIns="0" rIns="0" tIns="0" bIns="0">
+            <a:normAutofit/>
+          </a:bodyPr>
+          <a:p>
+            <a:endParaRPr b="0" lang="es-MX" sz="3200" spc="-1" strike="noStrike">
+              <a:latin typeface="Arial"/>
+            </a:endParaRPr>
+          </a:p>
+        </p:txBody>
+      </p:sp>
+    </p:spTree>
+  </p:cSld>
+</p:sldLayout>
+</file>
+
+<file path=ppt/slideLayouts/slideLayout56.xml><?xml version="1.0" encoding="utf-8"?>
+<p:sldLayout xmlns:a="http://schemas.openxmlformats.org/drawingml/2006/main" xmlns:p="http://schemas.openxmlformats.org/presentationml/2006/main" xmlns:r="http://schemas.openxmlformats.org/officeDocument/2006/relationships" xmlns:p14="http://schemas.microsoft.com/office/powerpoint/2010/main" xmlns:p15="http://schemas.microsoft.com/office/powerpoint/2012/main" xmlns:mc="http://schemas.openxmlformats.org/markup-compatibility/2006" type="objAndTwoObj" preserve="1">
+  <p:cSld name="Title Content and 2 Content">
+    <p:spTree>
+      <p:nvGrpSpPr>
+        <p:cNvPr id="1" name=""/>
+        <p:cNvGrpSpPr/>
+        <p:nvPr/>
+      </p:nvGrpSpPr>
+      <p:grpSpPr>
+        <a:xfrm>
+          <a:off x="0" y="0"/>
+          <a:ext cx="0" cy="0"/>
+          <a:chOff x="0" y="0"/>
+          <a:chExt cx="0" cy="0"/>
+        </a:xfrm>
+      </p:grpSpPr>
+      <p:sp>
+        <p:nvSpPr>
+          <p:cNvPr id="173" name="PlaceHolder 1"/>
+          <p:cNvSpPr>
+            <a:spLocks noGrp="1"/>
+          </p:cNvSpPr>
+          <p:nvPr>
+            <p:ph type="title"/>
+          </p:nvPr>
+        </p:nvSpPr>
+        <p:spPr>
+          <a:xfrm>
+            <a:off x="504000" y="226080"/>
+            <a:ext cx="9072000" cy="946440"/>
+          </a:xfrm>
+          <a:prstGeom prst="rect">
+            <a:avLst/>
+          </a:prstGeom>
+        </p:spPr>
+        <p:txBody>
+          <a:bodyPr lIns="0" rIns="0" tIns="0" bIns="0" anchor="ctr">
+            <a:noAutofit/>
+          </a:bodyPr>
+          <a:p>
+            <a:pPr algn="ctr"/>
+            <a:endParaRPr b="0" lang="es-MX" sz="4400" spc="-1" strike="noStrike">
+              <a:latin typeface="Arial"/>
+            </a:endParaRPr>
+          </a:p>
+        </p:txBody>
+      </p:sp>
+      <p:sp>
+        <p:nvSpPr>
+          <p:cNvPr id="174" name="PlaceHolder 2"/>
+          <p:cNvSpPr>
+            <a:spLocks noGrp="1"/>
+          </p:cNvSpPr>
+          <p:nvPr>
+            <p:ph type="body"/>
+          </p:nvPr>
+        </p:nvSpPr>
+        <p:spPr>
+          <a:xfrm>
+            <a:off x="504000" y="1326600"/>
+            <a:ext cx="4426920" cy="3288600"/>
+          </a:xfrm>
+          <a:prstGeom prst="rect">
+            <a:avLst/>
+          </a:prstGeom>
+        </p:spPr>
+        <p:txBody>
+          <a:bodyPr lIns="0" rIns="0" tIns="0" bIns="0">
+            <a:normAutofit/>
+          </a:bodyPr>
+          <a:p>
+            <a:endParaRPr b="0" lang="es-MX" sz="3200" spc="-1" strike="noStrike">
+              <a:latin typeface="Arial"/>
+            </a:endParaRPr>
+          </a:p>
+        </p:txBody>
+      </p:sp>
+      <p:sp>
+        <p:nvSpPr>
+          <p:cNvPr id="175" name="PlaceHolder 3"/>
+          <p:cNvSpPr>
+            <a:spLocks noGrp="1"/>
+          </p:cNvSpPr>
+          <p:nvPr>
+            <p:ph type="body"/>
+          </p:nvPr>
+        </p:nvSpPr>
+        <p:spPr>
+          <a:xfrm>
+            <a:off x="5152680" y="1326600"/>
+            <a:ext cx="4426920" cy="1568520"/>
+          </a:xfrm>
+          <a:prstGeom prst="rect">
+            <a:avLst/>
+          </a:prstGeom>
+        </p:spPr>
+        <p:txBody>
+          <a:bodyPr lIns="0" rIns="0" tIns="0" bIns="0">
+            <a:normAutofit/>
+          </a:bodyPr>
+          <a:p>
+            <a:endParaRPr b="0" lang="es-MX" sz="3200" spc="-1" strike="noStrike">
+              <a:latin typeface="Arial"/>
+            </a:endParaRPr>
+          </a:p>
+        </p:txBody>
+      </p:sp>
+      <p:sp>
+        <p:nvSpPr>
+          <p:cNvPr id="176" name="PlaceHolder 4"/>
+          <p:cNvSpPr>
+            <a:spLocks noGrp="1"/>
+          </p:cNvSpPr>
+          <p:nvPr>
+            <p:ph type="body"/>
+          </p:nvPr>
+        </p:nvSpPr>
+        <p:spPr>
+          <a:xfrm>
+            <a:off x="5152680" y="3044520"/>
+            <a:ext cx="4426920" cy="1568520"/>
+          </a:xfrm>
+          <a:prstGeom prst="rect">
+            <a:avLst/>
+          </a:prstGeom>
+        </p:spPr>
+        <p:txBody>
+          <a:bodyPr lIns="0" rIns="0" tIns="0" bIns="0">
+            <a:normAutofit/>
+          </a:bodyPr>
+          <a:p>
+            <a:endParaRPr b="0" lang="es-MX" sz="3200" spc="-1" strike="noStrike">
+              <a:latin typeface="Arial"/>
+            </a:endParaRPr>
+          </a:p>
+        </p:txBody>
+      </p:sp>
+    </p:spTree>
+  </p:cSld>
+</p:sldLayout>
+</file>
+
+<file path=ppt/slideLayouts/slideLayout57.xml><?xml version="1.0" encoding="utf-8"?>
+<p:sldLayout xmlns:a="http://schemas.openxmlformats.org/drawingml/2006/main" xmlns:p="http://schemas.openxmlformats.org/presentationml/2006/main" xmlns:r="http://schemas.openxmlformats.org/officeDocument/2006/relationships" xmlns:p14="http://schemas.microsoft.com/office/powerpoint/2010/main" xmlns:p15="http://schemas.microsoft.com/office/powerpoint/2012/main" xmlns:mc="http://schemas.openxmlformats.org/markup-compatibility/2006" type="twoObjOverTx" preserve="1">
+  <p:cSld name="Title, 2 Content over Content">
+    <p:spTree>
+      <p:nvGrpSpPr>
+        <p:cNvPr id="1" name=""/>
+        <p:cNvGrpSpPr/>
+        <p:nvPr/>
+      </p:nvGrpSpPr>
+      <p:grpSpPr>
+        <a:xfrm>
+          <a:off x="0" y="0"/>
+          <a:ext cx="0" cy="0"/>
+          <a:chOff x="0" y="0"/>
+          <a:chExt cx="0" cy="0"/>
+        </a:xfrm>
+      </p:grpSpPr>
+      <p:sp>
+        <p:nvSpPr>
+          <p:cNvPr id="177" name="PlaceHolder 1"/>
+          <p:cNvSpPr>
+            <a:spLocks noGrp="1"/>
+          </p:cNvSpPr>
+          <p:nvPr>
+            <p:ph type="title"/>
+          </p:nvPr>
+        </p:nvSpPr>
+        <p:spPr>
+          <a:xfrm>
+            <a:off x="504000" y="226080"/>
+            <a:ext cx="9072000" cy="946440"/>
+          </a:xfrm>
+          <a:prstGeom prst="rect">
+            <a:avLst/>
+          </a:prstGeom>
+        </p:spPr>
+        <p:txBody>
+          <a:bodyPr lIns="0" rIns="0" tIns="0" bIns="0" anchor="ctr">
+            <a:noAutofit/>
+          </a:bodyPr>
+          <a:p>
+            <a:pPr algn="ctr"/>
+            <a:endParaRPr b="0" lang="es-MX" sz="4400" spc="-1" strike="noStrike">
+              <a:latin typeface="Arial"/>
+            </a:endParaRPr>
+          </a:p>
+        </p:txBody>
+      </p:sp>
+      <p:sp>
+        <p:nvSpPr>
+          <p:cNvPr id="178" name="PlaceHolder 2"/>
+          <p:cNvSpPr>
+            <a:spLocks noGrp="1"/>
+          </p:cNvSpPr>
+          <p:nvPr>
+            <p:ph type="body"/>
+          </p:nvPr>
+        </p:nvSpPr>
+        <p:spPr>
+          <a:xfrm>
+            <a:off x="504000" y="1326600"/>
+            <a:ext cx="4426920" cy="1568520"/>
+          </a:xfrm>
+          <a:prstGeom prst="rect">
+            <a:avLst/>
+          </a:prstGeom>
+        </p:spPr>
+        <p:txBody>
+          <a:bodyPr lIns="0" rIns="0" tIns="0" bIns="0">
+            <a:normAutofit/>
+          </a:bodyPr>
+          <a:p>
+            <a:endParaRPr b="0" lang="es-MX" sz="3200" spc="-1" strike="noStrike">
+              <a:latin typeface="Arial"/>
+            </a:endParaRPr>
+          </a:p>
+        </p:txBody>
+      </p:sp>
+      <p:sp>
+        <p:nvSpPr>
+          <p:cNvPr id="179" name="PlaceHolder 3"/>
+          <p:cNvSpPr>
+            <a:spLocks noGrp="1"/>
+          </p:cNvSpPr>
+          <p:nvPr>
+            <p:ph type="body"/>
+          </p:nvPr>
+        </p:nvSpPr>
+        <p:spPr>
+          <a:xfrm>
+            <a:off x="5152680" y="1326600"/>
+            <a:ext cx="4426920" cy="1568520"/>
+          </a:xfrm>
+          <a:prstGeom prst="rect">
+            <a:avLst/>
+          </a:prstGeom>
+        </p:spPr>
+        <p:txBody>
+          <a:bodyPr lIns="0" rIns="0" tIns="0" bIns="0">
+            <a:normAutofit/>
+          </a:bodyPr>
+          <a:p>
+            <a:endParaRPr b="0" lang="es-MX" sz="3200" spc="-1" strike="noStrike">
+              <a:latin typeface="Arial"/>
+            </a:endParaRPr>
+          </a:p>
+        </p:txBody>
+      </p:sp>
+      <p:sp>
+        <p:nvSpPr>
+          <p:cNvPr id="180" name="PlaceHolder 4"/>
+          <p:cNvSpPr>
+            <a:spLocks noGrp="1"/>
+          </p:cNvSpPr>
+          <p:nvPr>
+            <p:ph type="body"/>
+          </p:nvPr>
+        </p:nvSpPr>
+        <p:spPr>
+          <a:xfrm>
+            <a:off x="504000" y="3044520"/>
+            <a:ext cx="9072000" cy="1568520"/>
+          </a:xfrm>
+          <a:prstGeom prst="rect">
+            <a:avLst/>
+          </a:prstGeom>
+        </p:spPr>
+        <p:txBody>
+          <a:bodyPr lIns="0" rIns="0" tIns="0" bIns="0">
+            <a:normAutofit/>
+          </a:bodyPr>
+          <a:p>
+            <a:endParaRPr b="0" lang="es-MX" sz="3200" spc="-1" strike="noStrike">
+              <a:latin typeface="Arial"/>
+            </a:endParaRPr>
+          </a:p>
+        </p:txBody>
+      </p:sp>
+    </p:spTree>
+  </p:cSld>
+</p:sldLayout>
+</file>
+
+<file path=ppt/slideLayouts/slideLayout58.xml><?xml version="1.0" encoding="utf-8"?>
+<p:sldLayout xmlns:a="http://schemas.openxmlformats.org/drawingml/2006/main" xmlns:p="http://schemas.openxmlformats.org/presentationml/2006/main" xmlns:r="http://schemas.openxmlformats.org/officeDocument/2006/relationships" xmlns:p14="http://schemas.microsoft.com/office/powerpoint/2010/main" xmlns:p15="http://schemas.microsoft.com/office/powerpoint/2012/main" xmlns:mc="http://schemas.openxmlformats.org/markup-compatibility/2006" type="objOverTx" preserve="1">
+  <p:cSld name="Title, Content over Content">
+    <p:spTree>
+      <p:nvGrpSpPr>
+        <p:cNvPr id="1" name=""/>
+        <p:cNvGrpSpPr/>
+        <p:nvPr/>
+      </p:nvGrpSpPr>
+      <p:grpSpPr>
+        <a:xfrm>
+          <a:off x="0" y="0"/>
+          <a:ext cx="0" cy="0"/>
+          <a:chOff x="0" y="0"/>
+          <a:chExt cx="0" cy="0"/>
+        </a:xfrm>
+      </p:grpSpPr>
+      <p:sp>
+        <p:nvSpPr>
+          <p:cNvPr id="181" name="PlaceHolder 1"/>
+          <p:cNvSpPr>
+            <a:spLocks noGrp="1"/>
+          </p:cNvSpPr>
+          <p:nvPr>
+            <p:ph type="title"/>
+          </p:nvPr>
+        </p:nvSpPr>
+        <p:spPr>
+          <a:xfrm>
+            <a:off x="504000" y="226080"/>
+            <a:ext cx="9072000" cy="946440"/>
+          </a:xfrm>
+          <a:prstGeom prst="rect">
+            <a:avLst/>
+          </a:prstGeom>
+        </p:spPr>
+        <p:txBody>
+          <a:bodyPr lIns="0" rIns="0" tIns="0" bIns="0" anchor="ctr">
+            <a:noAutofit/>
+          </a:bodyPr>
+          <a:p>
+            <a:pPr algn="ctr"/>
+            <a:endParaRPr b="0" lang="es-MX" sz="4400" spc="-1" strike="noStrike">
+              <a:latin typeface="Arial"/>
+            </a:endParaRPr>
+          </a:p>
+        </p:txBody>
+      </p:sp>
+      <p:sp>
+        <p:nvSpPr>
+          <p:cNvPr id="182" name="PlaceHolder 2"/>
+          <p:cNvSpPr>
+            <a:spLocks noGrp="1"/>
+          </p:cNvSpPr>
+          <p:nvPr>
+            <p:ph type="body"/>
+          </p:nvPr>
+        </p:nvSpPr>
+        <p:spPr>
+          <a:xfrm>
+            <a:off x="504000" y="1326600"/>
+            <a:ext cx="9072000" cy="1568520"/>
+          </a:xfrm>
+          <a:prstGeom prst="rect">
+            <a:avLst/>
+          </a:prstGeom>
+        </p:spPr>
+        <p:txBody>
+          <a:bodyPr lIns="0" rIns="0" tIns="0" bIns="0">
+            <a:normAutofit/>
+          </a:bodyPr>
+          <a:p>
+            <a:endParaRPr b="0" lang="es-MX" sz="3200" spc="-1" strike="noStrike">
+              <a:latin typeface="Arial"/>
+            </a:endParaRPr>
+          </a:p>
+        </p:txBody>
+      </p:sp>
+      <p:sp>
+        <p:nvSpPr>
+          <p:cNvPr id="183" name="PlaceHolder 3"/>
+          <p:cNvSpPr>
+            <a:spLocks noGrp="1"/>
+          </p:cNvSpPr>
+          <p:nvPr>
+            <p:ph type="body"/>
+          </p:nvPr>
+        </p:nvSpPr>
+        <p:spPr>
+          <a:xfrm>
+            <a:off x="504000" y="3044520"/>
+            <a:ext cx="9072000" cy="1568520"/>
+          </a:xfrm>
+          <a:prstGeom prst="rect">
+            <a:avLst/>
+          </a:prstGeom>
+        </p:spPr>
+        <p:txBody>
+          <a:bodyPr lIns="0" rIns="0" tIns="0" bIns="0">
+            <a:normAutofit/>
+          </a:bodyPr>
+          <a:p>
+            <a:endParaRPr b="0" lang="es-MX" sz="3200" spc="-1" strike="noStrike">
+              <a:latin typeface="Arial"/>
+            </a:endParaRPr>
+          </a:p>
+        </p:txBody>
+      </p:sp>
+    </p:spTree>
+  </p:cSld>
+</p:sldLayout>
+</file>
+
+<file path=ppt/slideLayouts/slideLayout59.xml><?xml version="1.0" encoding="utf-8"?>
+<p:sldLayout xmlns:a="http://schemas.openxmlformats.org/drawingml/2006/main" xmlns:p="http://schemas.openxmlformats.org/presentationml/2006/main" xmlns:r="http://schemas.openxmlformats.org/officeDocument/2006/relationships" xmlns:p14="http://schemas.microsoft.com/office/powerpoint/2010/main" xmlns:p15="http://schemas.microsoft.com/office/powerpoint/2012/main" xmlns:mc="http://schemas.openxmlformats.org/markup-compatibility/2006" type="fourObj" preserve="1">
+  <p:cSld name="Title, 4 Content">
+    <p:spTree>
+      <p:nvGrpSpPr>
+        <p:cNvPr id="1" name=""/>
+        <p:cNvGrpSpPr/>
+        <p:nvPr/>
+      </p:nvGrpSpPr>
+      <p:grpSpPr>
+        <a:xfrm>
+          <a:off x="0" y="0"/>
+          <a:ext cx="0" cy="0"/>
+          <a:chOff x="0" y="0"/>
+          <a:chExt cx="0" cy="0"/>
+        </a:xfrm>
+      </p:grpSpPr>
+      <p:sp>
+        <p:nvSpPr>
+          <p:cNvPr id="184" name="PlaceHolder 1"/>
+          <p:cNvSpPr>
+            <a:spLocks noGrp="1"/>
+          </p:cNvSpPr>
+          <p:nvPr>
+            <p:ph type="title"/>
+          </p:nvPr>
+        </p:nvSpPr>
+        <p:spPr>
+          <a:xfrm>
+            <a:off x="504000" y="226080"/>
+            <a:ext cx="9072000" cy="946440"/>
+          </a:xfrm>
+          <a:prstGeom prst="rect">
+            <a:avLst/>
+          </a:prstGeom>
+        </p:spPr>
+        <p:txBody>
+          <a:bodyPr lIns="0" rIns="0" tIns="0" bIns="0" anchor="ctr">
+            <a:noAutofit/>
+          </a:bodyPr>
+          <a:p>
+            <a:pPr algn="ctr"/>
+            <a:endParaRPr b="0" lang="es-MX" sz="4400" spc="-1" strike="noStrike">
+              <a:latin typeface="Arial"/>
+            </a:endParaRPr>
+          </a:p>
+        </p:txBody>
+      </p:sp>
+      <p:sp>
+        <p:nvSpPr>
+          <p:cNvPr id="185" name="PlaceHolder 2"/>
+          <p:cNvSpPr>
+            <a:spLocks noGrp="1"/>
+          </p:cNvSpPr>
+          <p:nvPr>
+            <p:ph type="body"/>
+          </p:nvPr>
+        </p:nvSpPr>
+        <p:spPr>
+          <a:xfrm>
+            <a:off x="504000" y="1326600"/>
+            <a:ext cx="4426920" cy="1568520"/>
+          </a:xfrm>
+          <a:prstGeom prst="rect">
+            <a:avLst/>
+          </a:prstGeom>
+        </p:spPr>
+        <p:txBody>
+          <a:bodyPr lIns="0" rIns="0" tIns="0" bIns="0">
+            <a:normAutofit/>
+          </a:bodyPr>
+          <a:p>
+            <a:endParaRPr b="0" lang="es-MX" sz="3200" spc="-1" strike="noStrike">
+              <a:latin typeface="Arial"/>
+            </a:endParaRPr>
+          </a:p>
+        </p:txBody>
+      </p:sp>
+      <p:sp>
+        <p:nvSpPr>
+          <p:cNvPr id="186" name="PlaceHolder 3"/>
+          <p:cNvSpPr>
+            <a:spLocks noGrp="1"/>
+          </p:cNvSpPr>
+          <p:nvPr>
+            <p:ph type="body"/>
+          </p:nvPr>
+        </p:nvSpPr>
+        <p:spPr>
+          <a:xfrm>
+            <a:off x="5152680" y="1326600"/>
+            <a:ext cx="4426920" cy="1568520"/>
+          </a:xfrm>
+          <a:prstGeom prst="rect">
+            <a:avLst/>
+          </a:prstGeom>
+        </p:spPr>
+        <p:txBody>
+          <a:bodyPr lIns="0" rIns="0" tIns="0" bIns="0">
+            <a:normAutofit/>
+          </a:bodyPr>
+          <a:p>
+            <a:endParaRPr b="0" lang="es-MX" sz="3200" spc="-1" strike="noStrike">
+              <a:latin typeface="Arial"/>
+            </a:endParaRPr>
+          </a:p>
+        </p:txBody>
+      </p:sp>
+      <p:sp>
+        <p:nvSpPr>
+          <p:cNvPr id="187" name="PlaceHolder 4"/>
+          <p:cNvSpPr>
+            <a:spLocks noGrp="1"/>
+          </p:cNvSpPr>
+          <p:nvPr>
+            <p:ph type="body"/>
+          </p:nvPr>
+        </p:nvSpPr>
+        <p:spPr>
+          <a:xfrm>
+            <a:off x="504000" y="3044520"/>
+            <a:ext cx="4426920" cy="1568520"/>
+          </a:xfrm>
+          <a:prstGeom prst="rect">
+            <a:avLst/>
+          </a:prstGeom>
+        </p:spPr>
+        <p:txBody>
+          <a:bodyPr lIns="0" rIns="0" tIns="0" bIns="0">
+            <a:normAutofit/>
+          </a:bodyPr>
+          <a:p>
+            <a:endParaRPr b="0" lang="es-MX" sz="3200" spc="-1" strike="noStrike">
+              <a:latin typeface="Arial"/>
+            </a:endParaRPr>
+          </a:p>
+        </p:txBody>
+      </p:sp>
+      <p:sp>
+        <p:nvSpPr>
+          <p:cNvPr id="188" name="PlaceHolder 5"/>
+          <p:cNvSpPr>
+            <a:spLocks noGrp="1"/>
+          </p:cNvSpPr>
+          <p:nvPr>
+            <p:ph type="body"/>
+          </p:nvPr>
+        </p:nvSpPr>
+        <p:spPr>
+          <a:xfrm>
+            <a:off x="5152680" y="3044520"/>
+            <a:ext cx="4426920" cy="1568520"/>
+          </a:xfrm>
+          <a:prstGeom prst="rect">
+            <a:avLst/>
+          </a:prstGeom>
+        </p:spPr>
+        <p:txBody>
+          <a:bodyPr lIns="0" rIns="0" tIns="0" bIns="0">
+            <a:normAutofit/>
+          </a:bodyPr>
+          <a:p>
+            <a:endParaRPr b="0" lang="es-MX" sz="3200" spc="-1" strike="noStrike">
               <a:latin typeface="Arial"/>
             </a:endParaRPr>
           </a:p>
@@ -5026,6 +6167,1076 @@
 </p:sldLayout>
 </file>
 
+<file path=ppt/slideLayouts/slideLayout60.xml><?xml version="1.0" encoding="utf-8"?>
+<p:sldLayout xmlns:a="http://schemas.openxmlformats.org/drawingml/2006/main" xmlns:p="http://schemas.openxmlformats.org/presentationml/2006/main" xmlns:r="http://schemas.openxmlformats.org/officeDocument/2006/relationships" xmlns:p14="http://schemas.microsoft.com/office/powerpoint/2010/main" xmlns:p15="http://schemas.microsoft.com/office/powerpoint/2012/main" xmlns:mc="http://schemas.openxmlformats.org/markup-compatibility/2006" type="blank" preserve="1">
+  <p:cSld name="Title, 6 Content">
+    <p:spTree>
+      <p:nvGrpSpPr>
+        <p:cNvPr id="1" name=""/>
+        <p:cNvGrpSpPr/>
+        <p:nvPr/>
+      </p:nvGrpSpPr>
+      <p:grpSpPr>
+        <a:xfrm>
+          <a:off x="0" y="0"/>
+          <a:ext cx="0" cy="0"/>
+          <a:chOff x="0" y="0"/>
+          <a:chExt cx="0" cy="0"/>
+        </a:xfrm>
+      </p:grpSpPr>
+      <p:sp>
+        <p:nvSpPr>
+          <p:cNvPr id="189" name="PlaceHolder 1"/>
+          <p:cNvSpPr>
+            <a:spLocks noGrp="1"/>
+          </p:cNvSpPr>
+          <p:nvPr>
+            <p:ph type="title"/>
+          </p:nvPr>
+        </p:nvSpPr>
+        <p:spPr>
+          <a:xfrm>
+            <a:off x="504000" y="226080"/>
+            <a:ext cx="9072000" cy="946440"/>
+          </a:xfrm>
+          <a:prstGeom prst="rect">
+            <a:avLst/>
+          </a:prstGeom>
+        </p:spPr>
+        <p:txBody>
+          <a:bodyPr lIns="0" rIns="0" tIns="0" bIns="0" anchor="ctr">
+            <a:noAutofit/>
+          </a:bodyPr>
+          <a:p>
+            <a:pPr algn="ctr"/>
+            <a:endParaRPr b="0" lang="es-MX" sz="4400" spc="-1" strike="noStrike">
+              <a:latin typeface="Arial"/>
+            </a:endParaRPr>
+          </a:p>
+        </p:txBody>
+      </p:sp>
+      <p:sp>
+        <p:nvSpPr>
+          <p:cNvPr id="190" name="PlaceHolder 2"/>
+          <p:cNvSpPr>
+            <a:spLocks noGrp="1"/>
+          </p:cNvSpPr>
+          <p:nvPr>
+            <p:ph type="body"/>
+          </p:nvPr>
+        </p:nvSpPr>
+        <p:spPr>
+          <a:xfrm>
+            <a:off x="504000" y="1326600"/>
+            <a:ext cx="2921040" cy="1568520"/>
+          </a:xfrm>
+          <a:prstGeom prst="rect">
+            <a:avLst/>
+          </a:prstGeom>
+        </p:spPr>
+        <p:txBody>
+          <a:bodyPr lIns="0" rIns="0" tIns="0" bIns="0">
+            <a:normAutofit/>
+          </a:bodyPr>
+          <a:p>
+            <a:endParaRPr b="0" lang="es-MX" sz="3200" spc="-1" strike="noStrike">
+              <a:latin typeface="Arial"/>
+            </a:endParaRPr>
+          </a:p>
+        </p:txBody>
+      </p:sp>
+      <p:sp>
+        <p:nvSpPr>
+          <p:cNvPr id="191" name="PlaceHolder 3"/>
+          <p:cNvSpPr>
+            <a:spLocks noGrp="1"/>
+          </p:cNvSpPr>
+          <p:nvPr>
+            <p:ph type="body"/>
+          </p:nvPr>
+        </p:nvSpPr>
+        <p:spPr>
+          <a:xfrm>
+            <a:off x="3571560" y="1326600"/>
+            <a:ext cx="2921040" cy="1568520"/>
+          </a:xfrm>
+          <a:prstGeom prst="rect">
+            <a:avLst/>
+          </a:prstGeom>
+        </p:spPr>
+        <p:txBody>
+          <a:bodyPr lIns="0" rIns="0" tIns="0" bIns="0">
+            <a:normAutofit/>
+          </a:bodyPr>
+          <a:p>
+            <a:endParaRPr b="0" lang="es-MX" sz="3200" spc="-1" strike="noStrike">
+              <a:latin typeface="Arial"/>
+            </a:endParaRPr>
+          </a:p>
+        </p:txBody>
+      </p:sp>
+      <p:sp>
+        <p:nvSpPr>
+          <p:cNvPr id="192" name="PlaceHolder 4"/>
+          <p:cNvSpPr>
+            <a:spLocks noGrp="1"/>
+          </p:cNvSpPr>
+          <p:nvPr>
+            <p:ph type="body"/>
+          </p:nvPr>
+        </p:nvSpPr>
+        <p:spPr>
+          <a:xfrm>
+            <a:off x="6639120" y="1326600"/>
+            <a:ext cx="2921040" cy="1568520"/>
+          </a:xfrm>
+          <a:prstGeom prst="rect">
+            <a:avLst/>
+          </a:prstGeom>
+        </p:spPr>
+        <p:txBody>
+          <a:bodyPr lIns="0" rIns="0" tIns="0" bIns="0">
+            <a:normAutofit/>
+          </a:bodyPr>
+          <a:p>
+            <a:endParaRPr b="0" lang="es-MX" sz="3200" spc="-1" strike="noStrike">
+              <a:latin typeface="Arial"/>
+            </a:endParaRPr>
+          </a:p>
+        </p:txBody>
+      </p:sp>
+      <p:sp>
+        <p:nvSpPr>
+          <p:cNvPr id="193" name="PlaceHolder 5"/>
+          <p:cNvSpPr>
+            <a:spLocks noGrp="1"/>
+          </p:cNvSpPr>
+          <p:nvPr>
+            <p:ph type="body"/>
+          </p:nvPr>
+        </p:nvSpPr>
+        <p:spPr>
+          <a:xfrm>
+            <a:off x="504000" y="3044520"/>
+            <a:ext cx="2921040" cy="1568520"/>
+          </a:xfrm>
+          <a:prstGeom prst="rect">
+            <a:avLst/>
+          </a:prstGeom>
+        </p:spPr>
+        <p:txBody>
+          <a:bodyPr lIns="0" rIns="0" tIns="0" bIns="0">
+            <a:normAutofit/>
+          </a:bodyPr>
+          <a:p>
+            <a:endParaRPr b="0" lang="es-MX" sz="3200" spc="-1" strike="noStrike">
+              <a:latin typeface="Arial"/>
+            </a:endParaRPr>
+          </a:p>
+        </p:txBody>
+      </p:sp>
+      <p:sp>
+        <p:nvSpPr>
+          <p:cNvPr id="194" name="PlaceHolder 6"/>
+          <p:cNvSpPr>
+            <a:spLocks noGrp="1"/>
+          </p:cNvSpPr>
+          <p:nvPr>
+            <p:ph type="body"/>
+          </p:nvPr>
+        </p:nvSpPr>
+        <p:spPr>
+          <a:xfrm>
+            <a:off x="3571560" y="3044520"/>
+            <a:ext cx="2921040" cy="1568520"/>
+          </a:xfrm>
+          <a:prstGeom prst="rect">
+            <a:avLst/>
+          </a:prstGeom>
+        </p:spPr>
+        <p:txBody>
+          <a:bodyPr lIns="0" rIns="0" tIns="0" bIns="0">
+            <a:normAutofit/>
+          </a:bodyPr>
+          <a:p>
+            <a:endParaRPr b="0" lang="es-MX" sz="3200" spc="-1" strike="noStrike">
+              <a:latin typeface="Arial"/>
+            </a:endParaRPr>
+          </a:p>
+        </p:txBody>
+      </p:sp>
+      <p:sp>
+        <p:nvSpPr>
+          <p:cNvPr id="195" name="PlaceHolder 7"/>
+          <p:cNvSpPr>
+            <a:spLocks noGrp="1"/>
+          </p:cNvSpPr>
+          <p:nvPr>
+            <p:ph type="body"/>
+          </p:nvPr>
+        </p:nvSpPr>
+        <p:spPr>
+          <a:xfrm>
+            <a:off x="6639120" y="3044520"/>
+            <a:ext cx="2921040" cy="1568520"/>
+          </a:xfrm>
+          <a:prstGeom prst="rect">
+            <a:avLst/>
+          </a:prstGeom>
+        </p:spPr>
+        <p:txBody>
+          <a:bodyPr lIns="0" rIns="0" tIns="0" bIns="0">
+            <a:normAutofit/>
+          </a:bodyPr>
+          <a:p>
+            <a:endParaRPr b="0" lang="es-MX" sz="3200" spc="-1" strike="noStrike">
+              <a:latin typeface="Arial"/>
+            </a:endParaRPr>
+          </a:p>
+        </p:txBody>
+      </p:sp>
+    </p:spTree>
+  </p:cSld>
+</p:sldLayout>
+</file>
+
+<file path=ppt/slideLayouts/slideLayout61.xml><?xml version="1.0" encoding="utf-8"?>
+<p:sldLayout xmlns:a="http://schemas.openxmlformats.org/drawingml/2006/main" xmlns:p="http://schemas.openxmlformats.org/presentationml/2006/main" xmlns:r="http://schemas.openxmlformats.org/officeDocument/2006/relationships" xmlns:p14="http://schemas.microsoft.com/office/powerpoint/2010/main" xmlns:p15="http://schemas.microsoft.com/office/powerpoint/2012/main" xmlns:mc="http://schemas.openxmlformats.org/markup-compatibility/2006" type="blank" preserve="1">
+  <p:cSld name="Blank Slide">
+    <p:spTree>
+      <p:nvGrpSpPr>
+        <p:cNvPr id="1" name=""/>
+        <p:cNvGrpSpPr/>
+        <p:nvPr/>
+      </p:nvGrpSpPr>
+      <p:grpSpPr>
+        <a:xfrm>
+          <a:off x="0" y="0"/>
+          <a:ext cx="0" cy="0"/>
+          <a:chOff x="0" y="0"/>
+          <a:chExt cx="0" cy="0"/>
+        </a:xfrm>
+      </p:grpSpPr>
+    </p:spTree>
+  </p:cSld>
+</p:sldLayout>
+</file>
+
+<file path=ppt/slideLayouts/slideLayout62.xml><?xml version="1.0" encoding="utf-8"?>
+<p:sldLayout xmlns:a="http://schemas.openxmlformats.org/drawingml/2006/main" xmlns:p="http://schemas.openxmlformats.org/presentationml/2006/main" xmlns:r="http://schemas.openxmlformats.org/officeDocument/2006/relationships" xmlns:p14="http://schemas.microsoft.com/office/powerpoint/2010/main" xmlns:p15="http://schemas.microsoft.com/office/powerpoint/2012/main" xmlns:mc="http://schemas.openxmlformats.org/markup-compatibility/2006" type="tx" preserve="1">
+  <p:cSld name="Title Slide">
+    <p:spTree>
+      <p:nvGrpSpPr>
+        <p:cNvPr id="1" name=""/>
+        <p:cNvGrpSpPr/>
+        <p:nvPr/>
+      </p:nvGrpSpPr>
+      <p:grpSpPr>
+        <a:xfrm>
+          <a:off x="0" y="0"/>
+          <a:ext cx="0" cy="0"/>
+          <a:chOff x="0" y="0"/>
+          <a:chExt cx="0" cy="0"/>
+        </a:xfrm>
+      </p:grpSpPr>
+      <p:sp>
+        <p:nvSpPr>
+          <p:cNvPr id="200" name="PlaceHolder 1"/>
+          <p:cNvSpPr>
+            <a:spLocks noGrp="1"/>
+          </p:cNvSpPr>
+          <p:nvPr>
+            <p:ph type="title"/>
+          </p:nvPr>
+        </p:nvSpPr>
+        <p:spPr>
+          <a:xfrm>
+            <a:off x="504000" y="226080"/>
+            <a:ext cx="9072000" cy="946440"/>
+          </a:xfrm>
+          <a:prstGeom prst="rect">
+            <a:avLst/>
+          </a:prstGeom>
+        </p:spPr>
+        <p:txBody>
+          <a:bodyPr lIns="0" rIns="0" tIns="0" bIns="0" anchor="ctr">
+            <a:noAutofit/>
+          </a:bodyPr>
+          <a:p>
+            <a:pPr algn="ctr"/>
+            <a:endParaRPr b="0" lang="es-MX" sz="4400" spc="-1" strike="noStrike">
+              <a:latin typeface="Arial"/>
+            </a:endParaRPr>
+          </a:p>
+        </p:txBody>
+      </p:sp>
+      <p:sp>
+        <p:nvSpPr>
+          <p:cNvPr id="201" name="PlaceHolder 2"/>
+          <p:cNvSpPr>
+            <a:spLocks noGrp="1"/>
+          </p:cNvSpPr>
+          <p:nvPr>
+            <p:ph type="subTitle"/>
+          </p:nvPr>
+        </p:nvSpPr>
+        <p:spPr>
+          <a:xfrm>
+            <a:off x="504000" y="1326600"/>
+            <a:ext cx="9072000" cy="3288600"/>
+          </a:xfrm>
+          <a:prstGeom prst="rect">
+            <a:avLst/>
+          </a:prstGeom>
+        </p:spPr>
+        <p:txBody>
+          <a:bodyPr lIns="0" rIns="0" tIns="0" bIns="0" anchor="ctr">
+            <a:noAutofit/>
+          </a:bodyPr>
+          <a:p>
+            <a:pPr algn="ctr"/>
+            <a:endParaRPr b="0" lang="es-MX" sz="3200" spc="-1" strike="noStrike">
+              <a:latin typeface="Arial"/>
+            </a:endParaRPr>
+          </a:p>
+        </p:txBody>
+      </p:sp>
+    </p:spTree>
+  </p:cSld>
+</p:sldLayout>
+</file>
+
+<file path=ppt/slideLayouts/slideLayout63.xml><?xml version="1.0" encoding="utf-8"?>
+<p:sldLayout xmlns:a="http://schemas.openxmlformats.org/drawingml/2006/main" xmlns:p="http://schemas.openxmlformats.org/presentationml/2006/main" xmlns:r="http://schemas.openxmlformats.org/officeDocument/2006/relationships" xmlns:p14="http://schemas.microsoft.com/office/powerpoint/2010/main" xmlns:p15="http://schemas.microsoft.com/office/powerpoint/2012/main" xmlns:mc="http://schemas.openxmlformats.org/markup-compatibility/2006" type="obj" preserve="1">
+  <p:cSld name="Title, Content">
+    <p:spTree>
+      <p:nvGrpSpPr>
+        <p:cNvPr id="1" name=""/>
+        <p:cNvGrpSpPr/>
+        <p:nvPr/>
+      </p:nvGrpSpPr>
+      <p:grpSpPr>
+        <a:xfrm>
+          <a:off x="0" y="0"/>
+          <a:ext cx="0" cy="0"/>
+          <a:chOff x="0" y="0"/>
+          <a:chExt cx="0" cy="0"/>
+        </a:xfrm>
+      </p:grpSpPr>
+      <p:sp>
+        <p:nvSpPr>
+          <p:cNvPr id="202" name="PlaceHolder 1"/>
+          <p:cNvSpPr>
+            <a:spLocks noGrp="1"/>
+          </p:cNvSpPr>
+          <p:nvPr>
+            <p:ph type="title"/>
+          </p:nvPr>
+        </p:nvSpPr>
+        <p:spPr>
+          <a:xfrm>
+            <a:off x="504000" y="226080"/>
+            <a:ext cx="9072000" cy="946440"/>
+          </a:xfrm>
+          <a:prstGeom prst="rect">
+            <a:avLst/>
+          </a:prstGeom>
+        </p:spPr>
+        <p:txBody>
+          <a:bodyPr lIns="0" rIns="0" tIns="0" bIns="0" anchor="ctr">
+            <a:noAutofit/>
+          </a:bodyPr>
+          <a:p>
+            <a:pPr algn="ctr"/>
+            <a:endParaRPr b="0" lang="es-MX" sz="4400" spc="-1" strike="noStrike">
+              <a:latin typeface="Arial"/>
+            </a:endParaRPr>
+          </a:p>
+        </p:txBody>
+      </p:sp>
+      <p:sp>
+        <p:nvSpPr>
+          <p:cNvPr id="203" name="PlaceHolder 2"/>
+          <p:cNvSpPr>
+            <a:spLocks noGrp="1"/>
+          </p:cNvSpPr>
+          <p:nvPr>
+            <p:ph type="body"/>
+          </p:nvPr>
+        </p:nvSpPr>
+        <p:spPr>
+          <a:xfrm>
+            <a:off x="504000" y="1326600"/>
+            <a:ext cx="9072000" cy="3288600"/>
+          </a:xfrm>
+          <a:prstGeom prst="rect">
+            <a:avLst/>
+          </a:prstGeom>
+        </p:spPr>
+        <p:txBody>
+          <a:bodyPr lIns="0" rIns="0" tIns="0" bIns="0">
+            <a:normAutofit/>
+          </a:bodyPr>
+          <a:p>
+            <a:endParaRPr b="0" lang="es-MX" sz="3200" spc="-1" strike="noStrike">
+              <a:latin typeface="Arial"/>
+            </a:endParaRPr>
+          </a:p>
+        </p:txBody>
+      </p:sp>
+    </p:spTree>
+  </p:cSld>
+</p:sldLayout>
+</file>
+
+<file path=ppt/slideLayouts/slideLayout64.xml><?xml version="1.0" encoding="utf-8"?>
+<p:sldLayout xmlns:a="http://schemas.openxmlformats.org/drawingml/2006/main" xmlns:p="http://schemas.openxmlformats.org/presentationml/2006/main" xmlns:r="http://schemas.openxmlformats.org/officeDocument/2006/relationships" xmlns:p14="http://schemas.microsoft.com/office/powerpoint/2010/main" xmlns:p15="http://schemas.microsoft.com/office/powerpoint/2012/main" xmlns:mc="http://schemas.openxmlformats.org/markup-compatibility/2006" type="twoObj" preserve="1">
+  <p:cSld name="Title, 2 Content">
+    <p:spTree>
+      <p:nvGrpSpPr>
+        <p:cNvPr id="1" name=""/>
+        <p:cNvGrpSpPr/>
+        <p:nvPr/>
+      </p:nvGrpSpPr>
+      <p:grpSpPr>
+        <a:xfrm>
+          <a:off x="0" y="0"/>
+          <a:ext cx="0" cy="0"/>
+          <a:chOff x="0" y="0"/>
+          <a:chExt cx="0" cy="0"/>
+        </a:xfrm>
+      </p:grpSpPr>
+      <p:sp>
+        <p:nvSpPr>
+          <p:cNvPr id="204" name="PlaceHolder 1"/>
+          <p:cNvSpPr>
+            <a:spLocks noGrp="1"/>
+          </p:cNvSpPr>
+          <p:nvPr>
+            <p:ph type="title"/>
+          </p:nvPr>
+        </p:nvSpPr>
+        <p:spPr>
+          <a:xfrm>
+            <a:off x="504000" y="226080"/>
+            <a:ext cx="9072000" cy="946440"/>
+          </a:xfrm>
+          <a:prstGeom prst="rect">
+            <a:avLst/>
+          </a:prstGeom>
+        </p:spPr>
+        <p:txBody>
+          <a:bodyPr lIns="0" rIns="0" tIns="0" bIns="0" anchor="ctr">
+            <a:noAutofit/>
+          </a:bodyPr>
+          <a:p>
+            <a:pPr algn="ctr"/>
+            <a:endParaRPr b="0" lang="es-MX" sz="4400" spc="-1" strike="noStrike">
+              <a:latin typeface="Arial"/>
+            </a:endParaRPr>
+          </a:p>
+        </p:txBody>
+      </p:sp>
+      <p:sp>
+        <p:nvSpPr>
+          <p:cNvPr id="205" name="PlaceHolder 2"/>
+          <p:cNvSpPr>
+            <a:spLocks noGrp="1"/>
+          </p:cNvSpPr>
+          <p:nvPr>
+            <p:ph type="body"/>
+          </p:nvPr>
+        </p:nvSpPr>
+        <p:spPr>
+          <a:xfrm>
+            <a:off x="504000" y="1326600"/>
+            <a:ext cx="4426920" cy="3288600"/>
+          </a:xfrm>
+          <a:prstGeom prst="rect">
+            <a:avLst/>
+          </a:prstGeom>
+        </p:spPr>
+        <p:txBody>
+          <a:bodyPr lIns="0" rIns="0" tIns="0" bIns="0">
+            <a:normAutofit/>
+          </a:bodyPr>
+          <a:p>
+            <a:endParaRPr b="0" lang="es-MX" sz="3200" spc="-1" strike="noStrike">
+              <a:latin typeface="Arial"/>
+            </a:endParaRPr>
+          </a:p>
+        </p:txBody>
+      </p:sp>
+      <p:sp>
+        <p:nvSpPr>
+          <p:cNvPr id="206" name="PlaceHolder 3"/>
+          <p:cNvSpPr>
+            <a:spLocks noGrp="1"/>
+          </p:cNvSpPr>
+          <p:nvPr>
+            <p:ph type="body"/>
+          </p:nvPr>
+        </p:nvSpPr>
+        <p:spPr>
+          <a:xfrm>
+            <a:off x="5152680" y="1326600"/>
+            <a:ext cx="4426920" cy="3288600"/>
+          </a:xfrm>
+          <a:prstGeom prst="rect">
+            <a:avLst/>
+          </a:prstGeom>
+        </p:spPr>
+        <p:txBody>
+          <a:bodyPr lIns="0" rIns="0" tIns="0" bIns="0">
+            <a:normAutofit/>
+          </a:bodyPr>
+          <a:p>
+            <a:endParaRPr b="0" lang="es-MX" sz="3200" spc="-1" strike="noStrike">
+              <a:latin typeface="Arial"/>
+            </a:endParaRPr>
+          </a:p>
+        </p:txBody>
+      </p:sp>
+    </p:spTree>
+  </p:cSld>
+</p:sldLayout>
+</file>
+
+<file path=ppt/slideLayouts/slideLayout65.xml><?xml version="1.0" encoding="utf-8"?>
+<p:sldLayout xmlns:a="http://schemas.openxmlformats.org/drawingml/2006/main" xmlns:p="http://schemas.openxmlformats.org/presentationml/2006/main" xmlns:r="http://schemas.openxmlformats.org/officeDocument/2006/relationships" xmlns:p14="http://schemas.microsoft.com/office/powerpoint/2010/main" xmlns:p15="http://schemas.microsoft.com/office/powerpoint/2012/main" xmlns:mc="http://schemas.openxmlformats.org/markup-compatibility/2006" type="titleOnly" preserve="1">
+  <p:cSld name="Title Only">
+    <p:spTree>
+      <p:nvGrpSpPr>
+        <p:cNvPr id="1" name=""/>
+        <p:cNvGrpSpPr/>
+        <p:nvPr/>
+      </p:nvGrpSpPr>
+      <p:grpSpPr>
+        <a:xfrm>
+          <a:off x="0" y="0"/>
+          <a:ext cx="0" cy="0"/>
+          <a:chOff x="0" y="0"/>
+          <a:chExt cx="0" cy="0"/>
+        </a:xfrm>
+      </p:grpSpPr>
+      <p:sp>
+        <p:nvSpPr>
+          <p:cNvPr id="207" name="PlaceHolder 1"/>
+          <p:cNvSpPr>
+            <a:spLocks noGrp="1"/>
+          </p:cNvSpPr>
+          <p:nvPr>
+            <p:ph type="title"/>
+          </p:nvPr>
+        </p:nvSpPr>
+        <p:spPr>
+          <a:xfrm>
+            <a:off x="504000" y="226080"/>
+            <a:ext cx="9072000" cy="946440"/>
+          </a:xfrm>
+          <a:prstGeom prst="rect">
+            <a:avLst/>
+          </a:prstGeom>
+        </p:spPr>
+        <p:txBody>
+          <a:bodyPr lIns="0" rIns="0" tIns="0" bIns="0" anchor="ctr">
+            <a:noAutofit/>
+          </a:bodyPr>
+          <a:p>
+            <a:pPr algn="ctr"/>
+            <a:endParaRPr b="0" lang="es-MX" sz="4400" spc="-1" strike="noStrike">
+              <a:latin typeface="Arial"/>
+            </a:endParaRPr>
+          </a:p>
+        </p:txBody>
+      </p:sp>
+    </p:spTree>
+  </p:cSld>
+</p:sldLayout>
+</file>
+
+<file path=ppt/slideLayouts/slideLayout66.xml><?xml version="1.0" encoding="utf-8"?>
+<p:sldLayout xmlns:a="http://schemas.openxmlformats.org/drawingml/2006/main" xmlns:p="http://schemas.openxmlformats.org/presentationml/2006/main" xmlns:r="http://schemas.openxmlformats.org/officeDocument/2006/relationships" xmlns:p14="http://schemas.microsoft.com/office/powerpoint/2010/main" xmlns:p15="http://schemas.microsoft.com/office/powerpoint/2012/main" xmlns:mc="http://schemas.openxmlformats.org/markup-compatibility/2006" type="objOnly" preserve="1">
+  <p:cSld name="Centered Text">
+    <p:spTree>
+      <p:nvGrpSpPr>
+        <p:cNvPr id="1" name=""/>
+        <p:cNvGrpSpPr/>
+        <p:nvPr/>
+      </p:nvGrpSpPr>
+      <p:grpSpPr>
+        <a:xfrm>
+          <a:off x="0" y="0"/>
+          <a:ext cx="0" cy="0"/>
+          <a:chOff x="0" y="0"/>
+          <a:chExt cx="0" cy="0"/>
+        </a:xfrm>
+      </p:grpSpPr>
+      <p:sp>
+        <p:nvSpPr>
+          <p:cNvPr id="208" name="PlaceHolder 1"/>
+          <p:cNvSpPr>
+            <a:spLocks noGrp="1"/>
+          </p:cNvSpPr>
+          <p:nvPr>
+            <p:ph type="subTitle"/>
+          </p:nvPr>
+        </p:nvSpPr>
+        <p:spPr>
+          <a:xfrm>
+            <a:off x="504000" y="226080"/>
+            <a:ext cx="9072000" cy="4388400"/>
+          </a:xfrm>
+          <a:prstGeom prst="rect">
+            <a:avLst/>
+          </a:prstGeom>
+        </p:spPr>
+        <p:txBody>
+          <a:bodyPr lIns="0" rIns="0" tIns="0" bIns="0" anchor="ctr">
+            <a:noAutofit/>
+          </a:bodyPr>
+          <a:p>
+            <a:pPr algn="ctr"/>
+            <a:endParaRPr b="0" lang="es-MX" sz="3200" spc="-1" strike="noStrike">
+              <a:latin typeface="Arial"/>
+            </a:endParaRPr>
+          </a:p>
+        </p:txBody>
+      </p:sp>
+    </p:spTree>
+  </p:cSld>
+</p:sldLayout>
+</file>
+
+<file path=ppt/slideLayouts/slideLayout67.xml><?xml version="1.0" encoding="utf-8"?>
+<p:sldLayout xmlns:a="http://schemas.openxmlformats.org/drawingml/2006/main" xmlns:p="http://schemas.openxmlformats.org/presentationml/2006/main" xmlns:r="http://schemas.openxmlformats.org/officeDocument/2006/relationships" xmlns:p14="http://schemas.microsoft.com/office/powerpoint/2010/main" xmlns:p15="http://schemas.microsoft.com/office/powerpoint/2012/main" xmlns:mc="http://schemas.openxmlformats.org/markup-compatibility/2006" type="twoObjAndObj" preserve="1">
+  <p:cSld name="Title, 2 Content and Content">
+    <p:spTree>
+      <p:nvGrpSpPr>
+        <p:cNvPr id="1" name=""/>
+        <p:cNvGrpSpPr/>
+        <p:nvPr/>
+      </p:nvGrpSpPr>
+      <p:grpSpPr>
+        <a:xfrm>
+          <a:off x="0" y="0"/>
+          <a:ext cx="0" cy="0"/>
+          <a:chOff x="0" y="0"/>
+          <a:chExt cx="0" cy="0"/>
+        </a:xfrm>
+      </p:grpSpPr>
+      <p:sp>
+        <p:nvSpPr>
+          <p:cNvPr id="209" name="PlaceHolder 1"/>
+          <p:cNvSpPr>
+            <a:spLocks noGrp="1"/>
+          </p:cNvSpPr>
+          <p:nvPr>
+            <p:ph type="title"/>
+          </p:nvPr>
+        </p:nvSpPr>
+        <p:spPr>
+          <a:xfrm>
+            <a:off x="504000" y="226080"/>
+            <a:ext cx="9072000" cy="946440"/>
+          </a:xfrm>
+          <a:prstGeom prst="rect">
+            <a:avLst/>
+          </a:prstGeom>
+        </p:spPr>
+        <p:txBody>
+          <a:bodyPr lIns="0" rIns="0" tIns="0" bIns="0" anchor="ctr">
+            <a:noAutofit/>
+          </a:bodyPr>
+          <a:p>
+            <a:pPr algn="ctr"/>
+            <a:endParaRPr b="0" lang="es-MX" sz="4400" spc="-1" strike="noStrike">
+              <a:latin typeface="Arial"/>
+            </a:endParaRPr>
+          </a:p>
+        </p:txBody>
+      </p:sp>
+      <p:sp>
+        <p:nvSpPr>
+          <p:cNvPr id="210" name="PlaceHolder 2"/>
+          <p:cNvSpPr>
+            <a:spLocks noGrp="1"/>
+          </p:cNvSpPr>
+          <p:nvPr>
+            <p:ph type="body"/>
+          </p:nvPr>
+        </p:nvSpPr>
+        <p:spPr>
+          <a:xfrm>
+            <a:off x="504000" y="1326600"/>
+            <a:ext cx="4426920" cy="1568520"/>
+          </a:xfrm>
+          <a:prstGeom prst="rect">
+            <a:avLst/>
+          </a:prstGeom>
+        </p:spPr>
+        <p:txBody>
+          <a:bodyPr lIns="0" rIns="0" tIns="0" bIns="0">
+            <a:normAutofit/>
+          </a:bodyPr>
+          <a:p>
+            <a:endParaRPr b="0" lang="es-MX" sz="3200" spc="-1" strike="noStrike">
+              <a:latin typeface="Arial"/>
+            </a:endParaRPr>
+          </a:p>
+        </p:txBody>
+      </p:sp>
+      <p:sp>
+        <p:nvSpPr>
+          <p:cNvPr id="211" name="PlaceHolder 3"/>
+          <p:cNvSpPr>
+            <a:spLocks noGrp="1"/>
+          </p:cNvSpPr>
+          <p:nvPr>
+            <p:ph type="body"/>
+          </p:nvPr>
+        </p:nvSpPr>
+        <p:spPr>
+          <a:xfrm>
+            <a:off x="5152680" y="1326600"/>
+            <a:ext cx="4426920" cy="3288600"/>
+          </a:xfrm>
+          <a:prstGeom prst="rect">
+            <a:avLst/>
+          </a:prstGeom>
+        </p:spPr>
+        <p:txBody>
+          <a:bodyPr lIns="0" rIns="0" tIns="0" bIns="0">
+            <a:normAutofit/>
+          </a:bodyPr>
+          <a:p>
+            <a:endParaRPr b="0" lang="es-MX" sz="3200" spc="-1" strike="noStrike">
+              <a:latin typeface="Arial"/>
+            </a:endParaRPr>
+          </a:p>
+        </p:txBody>
+      </p:sp>
+      <p:sp>
+        <p:nvSpPr>
+          <p:cNvPr id="212" name="PlaceHolder 4"/>
+          <p:cNvSpPr>
+            <a:spLocks noGrp="1"/>
+          </p:cNvSpPr>
+          <p:nvPr>
+            <p:ph type="body"/>
+          </p:nvPr>
+        </p:nvSpPr>
+        <p:spPr>
+          <a:xfrm>
+            <a:off x="504000" y="3044520"/>
+            <a:ext cx="4426920" cy="1568520"/>
+          </a:xfrm>
+          <a:prstGeom prst="rect">
+            <a:avLst/>
+          </a:prstGeom>
+        </p:spPr>
+        <p:txBody>
+          <a:bodyPr lIns="0" rIns="0" tIns="0" bIns="0">
+            <a:normAutofit/>
+          </a:bodyPr>
+          <a:p>
+            <a:endParaRPr b="0" lang="es-MX" sz="3200" spc="-1" strike="noStrike">
+              <a:latin typeface="Arial"/>
+            </a:endParaRPr>
+          </a:p>
+        </p:txBody>
+      </p:sp>
+    </p:spTree>
+  </p:cSld>
+</p:sldLayout>
+</file>
+
+<file path=ppt/slideLayouts/slideLayout68.xml><?xml version="1.0" encoding="utf-8"?>
+<p:sldLayout xmlns:a="http://schemas.openxmlformats.org/drawingml/2006/main" xmlns:p="http://schemas.openxmlformats.org/presentationml/2006/main" xmlns:r="http://schemas.openxmlformats.org/officeDocument/2006/relationships" xmlns:p14="http://schemas.microsoft.com/office/powerpoint/2010/main" xmlns:p15="http://schemas.microsoft.com/office/powerpoint/2012/main" xmlns:mc="http://schemas.openxmlformats.org/markup-compatibility/2006" type="objAndTwoObj" preserve="1">
+  <p:cSld name="Title Content and 2 Content">
+    <p:spTree>
+      <p:nvGrpSpPr>
+        <p:cNvPr id="1" name=""/>
+        <p:cNvGrpSpPr/>
+        <p:nvPr/>
+      </p:nvGrpSpPr>
+      <p:grpSpPr>
+        <a:xfrm>
+          <a:off x="0" y="0"/>
+          <a:ext cx="0" cy="0"/>
+          <a:chOff x="0" y="0"/>
+          <a:chExt cx="0" cy="0"/>
+        </a:xfrm>
+      </p:grpSpPr>
+      <p:sp>
+        <p:nvSpPr>
+          <p:cNvPr id="213" name="PlaceHolder 1"/>
+          <p:cNvSpPr>
+            <a:spLocks noGrp="1"/>
+          </p:cNvSpPr>
+          <p:nvPr>
+            <p:ph type="title"/>
+          </p:nvPr>
+        </p:nvSpPr>
+        <p:spPr>
+          <a:xfrm>
+            <a:off x="504000" y="226080"/>
+            <a:ext cx="9072000" cy="946440"/>
+          </a:xfrm>
+          <a:prstGeom prst="rect">
+            <a:avLst/>
+          </a:prstGeom>
+        </p:spPr>
+        <p:txBody>
+          <a:bodyPr lIns="0" rIns="0" tIns="0" bIns="0" anchor="ctr">
+            <a:noAutofit/>
+          </a:bodyPr>
+          <a:p>
+            <a:pPr algn="ctr"/>
+            <a:endParaRPr b="0" lang="es-MX" sz="4400" spc="-1" strike="noStrike">
+              <a:latin typeface="Arial"/>
+            </a:endParaRPr>
+          </a:p>
+        </p:txBody>
+      </p:sp>
+      <p:sp>
+        <p:nvSpPr>
+          <p:cNvPr id="214" name="PlaceHolder 2"/>
+          <p:cNvSpPr>
+            <a:spLocks noGrp="1"/>
+          </p:cNvSpPr>
+          <p:nvPr>
+            <p:ph type="body"/>
+          </p:nvPr>
+        </p:nvSpPr>
+        <p:spPr>
+          <a:xfrm>
+            <a:off x="504000" y="1326600"/>
+            <a:ext cx="4426920" cy="3288600"/>
+          </a:xfrm>
+          <a:prstGeom prst="rect">
+            <a:avLst/>
+          </a:prstGeom>
+        </p:spPr>
+        <p:txBody>
+          <a:bodyPr lIns="0" rIns="0" tIns="0" bIns="0">
+            <a:normAutofit/>
+          </a:bodyPr>
+          <a:p>
+            <a:endParaRPr b="0" lang="es-MX" sz="3200" spc="-1" strike="noStrike">
+              <a:latin typeface="Arial"/>
+            </a:endParaRPr>
+          </a:p>
+        </p:txBody>
+      </p:sp>
+      <p:sp>
+        <p:nvSpPr>
+          <p:cNvPr id="215" name="PlaceHolder 3"/>
+          <p:cNvSpPr>
+            <a:spLocks noGrp="1"/>
+          </p:cNvSpPr>
+          <p:nvPr>
+            <p:ph type="body"/>
+          </p:nvPr>
+        </p:nvSpPr>
+        <p:spPr>
+          <a:xfrm>
+            <a:off x="5152680" y="1326600"/>
+            <a:ext cx="4426920" cy="1568520"/>
+          </a:xfrm>
+          <a:prstGeom prst="rect">
+            <a:avLst/>
+          </a:prstGeom>
+        </p:spPr>
+        <p:txBody>
+          <a:bodyPr lIns="0" rIns="0" tIns="0" bIns="0">
+            <a:normAutofit/>
+          </a:bodyPr>
+          <a:p>
+            <a:endParaRPr b="0" lang="es-MX" sz="3200" spc="-1" strike="noStrike">
+              <a:latin typeface="Arial"/>
+            </a:endParaRPr>
+          </a:p>
+        </p:txBody>
+      </p:sp>
+      <p:sp>
+        <p:nvSpPr>
+          <p:cNvPr id="216" name="PlaceHolder 4"/>
+          <p:cNvSpPr>
+            <a:spLocks noGrp="1"/>
+          </p:cNvSpPr>
+          <p:nvPr>
+            <p:ph type="body"/>
+          </p:nvPr>
+        </p:nvSpPr>
+        <p:spPr>
+          <a:xfrm>
+            <a:off x="5152680" y="3044520"/>
+            <a:ext cx="4426920" cy="1568520"/>
+          </a:xfrm>
+          <a:prstGeom prst="rect">
+            <a:avLst/>
+          </a:prstGeom>
+        </p:spPr>
+        <p:txBody>
+          <a:bodyPr lIns="0" rIns="0" tIns="0" bIns="0">
+            <a:normAutofit/>
+          </a:bodyPr>
+          <a:p>
+            <a:endParaRPr b="0" lang="es-MX" sz="3200" spc="-1" strike="noStrike">
+              <a:latin typeface="Arial"/>
+            </a:endParaRPr>
+          </a:p>
+        </p:txBody>
+      </p:sp>
+    </p:spTree>
+  </p:cSld>
+</p:sldLayout>
+</file>
+
+<file path=ppt/slideLayouts/slideLayout69.xml><?xml version="1.0" encoding="utf-8"?>
+<p:sldLayout xmlns:a="http://schemas.openxmlformats.org/drawingml/2006/main" xmlns:p="http://schemas.openxmlformats.org/presentationml/2006/main" xmlns:r="http://schemas.openxmlformats.org/officeDocument/2006/relationships" xmlns:p14="http://schemas.microsoft.com/office/powerpoint/2010/main" xmlns:p15="http://schemas.microsoft.com/office/powerpoint/2012/main" xmlns:mc="http://schemas.openxmlformats.org/markup-compatibility/2006" type="twoObjOverTx" preserve="1">
+  <p:cSld name="Title, 2 Content over Content">
+    <p:spTree>
+      <p:nvGrpSpPr>
+        <p:cNvPr id="1" name=""/>
+        <p:cNvGrpSpPr/>
+        <p:nvPr/>
+      </p:nvGrpSpPr>
+      <p:grpSpPr>
+        <a:xfrm>
+          <a:off x="0" y="0"/>
+          <a:ext cx="0" cy="0"/>
+          <a:chOff x="0" y="0"/>
+          <a:chExt cx="0" cy="0"/>
+        </a:xfrm>
+      </p:grpSpPr>
+      <p:sp>
+        <p:nvSpPr>
+          <p:cNvPr id="217" name="PlaceHolder 1"/>
+          <p:cNvSpPr>
+            <a:spLocks noGrp="1"/>
+          </p:cNvSpPr>
+          <p:nvPr>
+            <p:ph type="title"/>
+          </p:nvPr>
+        </p:nvSpPr>
+        <p:spPr>
+          <a:xfrm>
+            <a:off x="504000" y="226080"/>
+            <a:ext cx="9072000" cy="946440"/>
+          </a:xfrm>
+          <a:prstGeom prst="rect">
+            <a:avLst/>
+          </a:prstGeom>
+        </p:spPr>
+        <p:txBody>
+          <a:bodyPr lIns="0" rIns="0" tIns="0" bIns="0" anchor="ctr">
+            <a:noAutofit/>
+          </a:bodyPr>
+          <a:p>
+            <a:pPr algn="ctr"/>
+            <a:endParaRPr b="0" lang="es-MX" sz="4400" spc="-1" strike="noStrike">
+              <a:latin typeface="Arial"/>
+            </a:endParaRPr>
+          </a:p>
+        </p:txBody>
+      </p:sp>
+      <p:sp>
+        <p:nvSpPr>
+          <p:cNvPr id="218" name="PlaceHolder 2"/>
+          <p:cNvSpPr>
+            <a:spLocks noGrp="1"/>
+          </p:cNvSpPr>
+          <p:nvPr>
+            <p:ph type="body"/>
+          </p:nvPr>
+        </p:nvSpPr>
+        <p:spPr>
+          <a:xfrm>
+            <a:off x="504000" y="1326600"/>
+            <a:ext cx="4426920" cy="1568520"/>
+          </a:xfrm>
+          <a:prstGeom prst="rect">
+            <a:avLst/>
+          </a:prstGeom>
+        </p:spPr>
+        <p:txBody>
+          <a:bodyPr lIns="0" rIns="0" tIns="0" bIns="0">
+            <a:normAutofit/>
+          </a:bodyPr>
+          <a:p>
+            <a:endParaRPr b="0" lang="es-MX" sz="3200" spc="-1" strike="noStrike">
+              <a:latin typeface="Arial"/>
+            </a:endParaRPr>
+          </a:p>
+        </p:txBody>
+      </p:sp>
+      <p:sp>
+        <p:nvSpPr>
+          <p:cNvPr id="219" name="PlaceHolder 3"/>
+          <p:cNvSpPr>
+            <a:spLocks noGrp="1"/>
+          </p:cNvSpPr>
+          <p:nvPr>
+            <p:ph type="body"/>
+          </p:nvPr>
+        </p:nvSpPr>
+        <p:spPr>
+          <a:xfrm>
+            <a:off x="5152680" y="1326600"/>
+            <a:ext cx="4426920" cy="1568520"/>
+          </a:xfrm>
+          <a:prstGeom prst="rect">
+            <a:avLst/>
+          </a:prstGeom>
+        </p:spPr>
+        <p:txBody>
+          <a:bodyPr lIns="0" rIns="0" tIns="0" bIns="0">
+            <a:normAutofit/>
+          </a:bodyPr>
+          <a:p>
+            <a:endParaRPr b="0" lang="es-MX" sz="3200" spc="-1" strike="noStrike">
+              <a:latin typeface="Arial"/>
+            </a:endParaRPr>
+          </a:p>
+        </p:txBody>
+      </p:sp>
+      <p:sp>
+        <p:nvSpPr>
+          <p:cNvPr id="220" name="PlaceHolder 4"/>
+          <p:cNvSpPr>
+            <a:spLocks noGrp="1"/>
+          </p:cNvSpPr>
+          <p:nvPr>
+            <p:ph type="body"/>
+          </p:nvPr>
+        </p:nvSpPr>
+        <p:spPr>
+          <a:xfrm>
+            <a:off x="504000" y="3044520"/>
+            <a:ext cx="9072000" cy="1568520"/>
+          </a:xfrm>
+          <a:prstGeom prst="rect">
+            <a:avLst/>
+          </a:prstGeom>
+        </p:spPr>
+        <p:txBody>
+          <a:bodyPr lIns="0" rIns="0" tIns="0" bIns="0">
+            <a:normAutofit/>
+          </a:bodyPr>
+          <a:p>
+            <a:endParaRPr b="0" lang="es-MX" sz="3200" spc="-1" strike="noStrike">
+              <a:latin typeface="Arial"/>
+            </a:endParaRPr>
+          </a:p>
+        </p:txBody>
+      </p:sp>
+    </p:spTree>
+  </p:cSld>
+</p:sldLayout>
+</file>
+
 <file path=ppt/slideLayouts/slideLayout7.xml><?xml version="1.0" encoding="utf-8"?>
 <p:sldLayout xmlns:a="http://schemas.openxmlformats.org/drawingml/2006/main" xmlns:p="http://schemas.openxmlformats.org/presentationml/2006/main" xmlns:r="http://schemas.openxmlformats.org/officeDocument/2006/relationships" xmlns:p14="http://schemas.microsoft.com/office/powerpoint/2010/main" xmlns:p15="http://schemas.microsoft.com/office/powerpoint/2012/main" xmlns:mc="http://schemas.openxmlformats.org/markup-compatibility/2006" type="twoObjAndObj" preserve="1">
   <p:cSld name="Title, 2 Content and Content">
@@ -5148,6 +7359,525 @@
           <a:xfrm>
             <a:off x="504000" y="3044520"/>
             <a:ext cx="4426920" cy="1568520"/>
+          </a:xfrm>
+          <a:prstGeom prst="rect">
+            <a:avLst/>
+          </a:prstGeom>
+        </p:spPr>
+        <p:txBody>
+          <a:bodyPr lIns="0" rIns="0" tIns="0" bIns="0">
+            <a:normAutofit/>
+          </a:bodyPr>
+          <a:p>
+            <a:endParaRPr b="0" lang="es-MX" sz="3200" spc="-1" strike="noStrike">
+              <a:latin typeface="Arial"/>
+            </a:endParaRPr>
+          </a:p>
+        </p:txBody>
+      </p:sp>
+    </p:spTree>
+  </p:cSld>
+</p:sldLayout>
+</file>
+
+<file path=ppt/slideLayouts/slideLayout70.xml><?xml version="1.0" encoding="utf-8"?>
+<p:sldLayout xmlns:a="http://schemas.openxmlformats.org/drawingml/2006/main" xmlns:p="http://schemas.openxmlformats.org/presentationml/2006/main" xmlns:r="http://schemas.openxmlformats.org/officeDocument/2006/relationships" xmlns:p14="http://schemas.microsoft.com/office/powerpoint/2010/main" xmlns:p15="http://schemas.microsoft.com/office/powerpoint/2012/main" xmlns:mc="http://schemas.openxmlformats.org/markup-compatibility/2006" type="objOverTx" preserve="1">
+  <p:cSld name="Title, Content over Content">
+    <p:spTree>
+      <p:nvGrpSpPr>
+        <p:cNvPr id="1" name=""/>
+        <p:cNvGrpSpPr/>
+        <p:nvPr/>
+      </p:nvGrpSpPr>
+      <p:grpSpPr>
+        <a:xfrm>
+          <a:off x="0" y="0"/>
+          <a:ext cx="0" cy="0"/>
+          <a:chOff x="0" y="0"/>
+          <a:chExt cx="0" cy="0"/>
+        </a:xfrm>
+      </p:grpSpPr>
+      <p:sp>
+        <p:nvSpPr>
+          <p:cNvPr id="221" name="PlaceHolder 1"/>
+          <p:cNvSpPr>
+            <a:spLocks noGrp="1"/>
+          </p:cNvSpPr>
+          <p:nvPr>
+            <p:ph type="title"/>
+          </p:nvPr>
+        </p:nvSpPr>
+        <p:spPr>
+          <a:xfrm>
+            <a:off x="504000" y="226080"/>
+            <a:ext cx="9072000" cy="946440"/>
+          </a:xfrm>
+          <a:prstGeom prst="rect">
+            <a:avLst/>
+          </a:prstGeom>
+        </p:spPr>
+        <p:txBody>
+          <a:bodyPr lIns="0" rIns="0" tIns="0" bIns="0" anchor="ctr">
+            <a:noAutofit/>
+          </a:bodyPr>
+          <a:p>
+            <a:pPr algn="ctr"/>
+            <a:endParaRPr b="0" lang="es-MX" sz="4400" spc="-1" strike="noStrike">
+              <a:latin typeface="Arial"/>
+            </a:endParaRPr>
+          </a:p>
+        </p:txBody>
+      </p:sp>
+      <p:sp>
+        <p:nvSpPr>
+          <p:cNvPr id="222" name="PlaceHolder 2"/>
+          <p:cNvSpPr>
+            <a:spLocks noGrp="1"/>
+          </p:cNvSpPr>
+          <p:nvPr>
+            <p:ph type="body"/>
+          </p:nvPr>
+        </p:nvSpPr>
+        <p:spPr>
+          <a:xfrm>
+            <a:off x="504000" y="1326600"/>
+            <a:ext cx="9072000" cy="1568520"/>
+          </a:xfrm>
+          <a:prstGeom prst="rect">
+            <a:avLst/>
+          </a:prstGeom>
+        </p:spPr>
+        <p:txBody>
+          <a:bodyPr lIns="0" rIns="0" tIns="0" bIns="0">
+            <a:normAutofit/>
+          </a:bodyPr>
+          <a:p>
+            <a:endParaRPr b="0" lang="es-MX" sz="3200" spc="-1" strike="noStrike">
+              <a:latin typeface="Arial"/>
+            </a:endParaRPr>
+          </a:p>
+        </p:txBody>
+      </p:sp>
+      <p:sp>
+        <p:nvSpPr>
+          <p:cNvPr id="223" name="PlaceHolder 3"/>
+          <p:cNvSpPr>
+            <a:spLocks noGrp="1"/>
+          </p:cNvSpPr>
+          <p:nvPr>
+            <p:ph type="body"/>
+          </p:nvPr>
+        </p:nvSpPr>
+        <p:spPr>
+          <a:xfrm>
+            <a:off x="504000" y="3044520"/>
+            <a:ext cx="9072000" cy="1568520"/>
+          </a:xfrm>
+          <a:prstGeom prst="rect">
+            <a:avLst/>
+          </a:prstGeom>
+        </p:spPr>
+        <p:txBody>
+          <a:bodyPr lIns="0" rIns="0" tIns="0" bIns="0">
+            <a:normAutofit/>
+          </a:bodyPr>
+          <a:p>
+            <a:endParaRPr b="0" lang="es-MX" sz="3200" spc="-1" strike="noStrike">
+              <a:latin typeface="Arial"/>
+            </a:endParaRPr>
+          </a:p>
+        </p:txBody>
+      </p:sp>
+    </p:spTree>
+  </p:cSld>
+</p:sldLayout>
+</file>
+
+<file path=ppt/slideLayouts/slideLayout71.xml><?xml version="1.0" encoding="utf-8"?>
+<p:sldLayout xmlns:a="http://schemas.openxmlformats.org/drawingml/2006/main" xmlns:p="http://schemas.openxmlformats.org/presentationml/2006/main" xmlns:r="http://schemas.openxmlformats.org/officeDocument/2006/relationships" xmlns:p14="http://schemas.microsoft.com/office/powerpoint/2010/main" xmlns:p15="http://schemas.microsoft.com/office/powerpoint/2012/main" xmlns:mc="http://schemas.openxmlformats.org/markup-compatibility/2006" type="fourObj" preserve="1">
+  <p:cSld name="Title, 4 Content">
+    <p:spTree>
+      <p:nvGrpSpPr>
+        <p:cNvPr id="1" name=""/>
+        <p:cNvGrpSpPr/>
+        <p:nvPr/>
+      </p:nvGrpSpPr>
+      <p:grpSpPr>
+        <a:xfrm>
+          <a:off x="0" y="0"/>
+          <a:ext cx="0" cy="0"/>
+          <a:chOff x="0" y="0"/>
+          <a:chExt cx="0" cy="0"/>
+        </a:xfrm>
+      </p:grpSpPr>
+      <p:sp>
+        <p:nvSpPr>
+          <p:cNvPr id="224" name="PlaceHolder 1"/>
+          <p:cNvSpPr>
+            <a:spLocks noGrp="1"/>
+          </p:cNvSpPr>
+          <p:nvPr>
+            <p:ph type="title"/>
+          </p:nvPr>
+        </p:nvSpPr>
+        <p:spPr>
+          <a:xfrm>
+            <a:off x="504000" y="226080"/>
+            <a:ext cx="9072000" cy="946440"/>
+          </a:xfrm>
+          <a:prstGeom prst="rect">
+            <a:avLst/>
+          </a:prstGeom>
+        </p:spPr>
+        <p:txBody>
+          <a:bodyPr lIns="0" rIns="0" tIns="0" bIns="0" anchor="ctr">
+            <a:noAutofit/>
+          </a:bodyPr>
+          <a:p>
+            <a:pPr algn="ctr"/>
+            <a:endParaRPr b="0" lang="es-MX" sz="4400" spc="-1" strike="noStrike">
+              <a:latin typeface="Arial"/>
+            </a:endParaRPr>
+          </a:p>
+        </p:txBody>
+      </p:sp>
+      <p:sp>
+        <p:nvSpPr>
+          <p:cNvPr id="225" name="PlaceHolder 2"/>
+          <p:cNvSpPr>
+            <a:spLocks noGrp="1"/>
+          </p:cNvSpPr>
+          <p:nvPr>
+            <p:ph type="body"/>
+          </p:nvPr>
+        </p:nvSpPr>
+        <p:spPr>
+          <a:xfrm>
+            <a:off x="504000" y="1326600"/>
+            <a:ext cx="4426920" cy="1568520"/>
+          </a:xfrm>
+          <a:prstGeom prst="rect">
+            <a:avLst/>
+          </a:prstGeom>
+        </p:spPr>
+        <p:txBody>
+          <a:bodyPr lIns="0" rIns="0" tIns="0" bIns="0">
+            <a:normAutofit/>
+          </a:bodyPr>
+          <a:p>
+            <a:endParaRPr b="0" lang="es-MX" sz="3200" spc="-1" strike="noStrike">
+              <a:latin typeface="Arial"/>
+            </a:endParaRPr>
+          </a:p>
+        </p:txBody>
+      </p:sp>
+      <p:sp>
+        <p:nvSpPr>
+          <p:cNvPr id="226" name="PlaceHolder 3"/>
+          <p:cNvSpPr>
+            <a:spLocks noGrp="1"/>
+          </p:cNvSpPr>
+          <p:nvPr>
+            <p:ph type="body"/>
+          </p:nvPr>
+        </p:nvSpPr>
+        <p:spPr>
+          <a:xfrm>
+            <a:off x="5152680" y="1326600"/>
+            <a:ext cx="4426920" cy="1568520"/>
+          </a:xfrm>
+          <a:prstGeom prst="rect">
+            <a:avLst/>
+          </a:prstGeom>
+        </p:spPr>
+        <p:txBody>
+          <a:bodyPr lIns="0" rIns="0" tIns="0" bIns="0">
+            <a:normAutofit/>
+          </a:bodyPr>
+          <a:p>
+            <a:endParaRPr b="0" lang="es-MX" sz="3200" spc="-1" strike="noStrike">
+              <a:latin typeface="Arial"/>
+            </a:endParaRPr>
+          </a:p>
+        </p:txBody>
+      </p:sp>
+      <p:sp>
+        <p:nvSpPr>
+          <p:cNvPr id="227" name="PlaceHolder 4"/>
+          <p:cNvSpPr>
+            <a:spLocks noGrp="1"/>
+          </p:cNvSpPr>
+          <p:nvPr>
+            <p:ph type="body"/>
+          </p:nvPr>
+        </p:nvSpPr>
+        <p:spPr>
+          <a:xfrm>
+            <a:off x="504000" y="3044520"/>
+            <a:ext cx="4426920" cy="1568520"/>
+          </a:xfrm>
+          <a:prstGeom prst="rect">
+            <a:avLst/>
+          </a:prstGeom>
+        </p:spPr>
+        <p:txBody>
+          <a:bodyPr lIns="0" rIns="0" tIns="0" bIns="0">
+            <a:normAutofit/>
+          </a:bodyPr>
+          <a:p>
+            <a:endParaRPr b="0" lang="es-MX" sz="3200" spc="-1" strike="noStrike">
+              <a:latin typeface="Arial"/>
+            </a:endParaRPr>
+          </a:p>
+        </p:txBody>
+      </p:sp>
+      <p:sp>
+        <p:nvSpPr>
+          <p:cNvPr id="228" name="PlaceHolder 5"/>
+          <p:cNvSpPr>
+            <a:spLocks noGrp="1"/>
+          </p:cNvSpPr>
+          <p:nvPr>
+            <p:ph type="body"/>
+          </p:nvPr>
+        </p:nvSpPr>
+        <p:spPr>
+          <a:xfrm>
+            <a:off x="5152680" y="3044520"/>
+            <a:ext cx="4426920" cy="1568520"/>
+          </a:xfrm>
+          <a:prstGeom prst="rect">
+            <a:avLst/>
+          </a:prstGeom>
+        </p:spPr>
+        <p:txBody>
+          <a:bodyPr lIns="0" rIns="0" tIns="0" bIns="0">
+            <a:normAutofit/>
+          </a:bodyPr>
+          <a:p>
+            <a:endParaRPr b="0" lang="es-MX" sz="3200" spc="-1" strike="noStrike">
+              <a:latin typeface="Arial"/>
+            </a:endParaRPr>
+          </a:p>
+        </p:txBody>
+      </p:sp>
+    </p:spTree>
+  </p:cSld>
+</p:sldLayout>
+</file>
+
+<file path=ppt/slideLayouts/slideLayout72.xml><?xml version="1.0" encoding="utf-8"?>
+<p:sldLayout xmlns:a="http://schemas.openxmlformats.org/drawingml/2006/main" xmlns:p="http://schemas.openxmlformats.org/presentationml/2006/main" xmlns:r="http://schemas.openxmlformats.org/officeDocument/2006/relationships" xmlns:p14="http://schemas.microsoft.com/office/powerpoint/2010/main" xmlns:p15="http://schemas.microsoft.com/office/powerpoint/2012/main" xmlns:mc="http://schemas.openxmlformats.org/markup-compatibility/2006" type="blank" preserve="1">
+  <p:cSld name="Title, 6 Content">
+    <p:spTree>
+      <p:nvGrpSpPr>
+        <p:cNvPr id="1" name=""/>
+        <p:cNvGrpSpPr/>
+        <p:nvPr/>
+      </p:nvGrpSpPr>
+      <p:grpSpPr>
+        <a:xfrm>
+          <a:off x="0" y="0"/>
+          <a:ext cx="0" cy="0"/>
+          <a:chOff x="0" y="0"/>
+          <a:chExt cx="0" cy="0"/>
+        </a:xfrm>
+      </p:grpSpPr>
+      <p:sp>
+        <p:nvSpPr>
+          <p:cNvPr id="229" name="PlaceHolder 1"/>
+          <p:cNvSpPr>
+            <a:spLocks noGrp="1"/>
+          </p:cNvSpPr>
+          <p:nvPr>
+            <p:ph type="title"/>
+          </p:nvPr>
+        </p:nvSpPr>
+        <p:spPr>
+          <a:xfrm>
+            <a:off x="504000" y="226080"/>
+            <a:ext cx="9072000" cy="946440"/>
+          </a:xfrm>
+          <a:prstGeom prst="rect">
+            <a:avLst/>
+          </a:prstGeom>
+        </p:spPr>
+        <p:txBody>
+          <a:bodyPr lIns="0" rIns="0" tIns="0" bIns="0" anchor="ctr">
+            <a:noAutofit/>
+          </a:bodyPr>
+          <a:p>
+            <a:pPr algn="ctr"/>
+            <a:endParaRPr b="0" lang="es-MX" sz="4400" spc="-1" strike="noStrike">
+              <a:latin typeface="Arial"/>
+            </a:endParaRPr>
+          </a:p>
+        </p:txBody>
+      </p:sp>
+      <p:sp>
+        <p:nvSpPr>
+          <p:cNvPr id="230" name="PlaceHolder 2"/>
+          <p:cNvSpPr>
+            <a:spLocks noGrp="1"/>
+          </p:cNvSpPr>
+          <p:nvPr>
+            <p:ph type="body"/>
+          </p:nvPr>
+        </p:nvSpPr>
+        <p:spPr>
+          <a:xfrm>
+            <a:off x="504000" y="1326600"/>
+            <a:ext cx="2921040" cy="1568520"/>
+          </a:xfrm>
+          <a:prstGeom prst="rect">
+            <a:avLst/>
+          </a:prstGeom>
+        </p:spPr>
+        <p:txBody>
+          <a:bodyPr lIns="0" rIns="0" tIns="0" bIns="0">
+            <a:normAutofit/>
+          </a:bodyPr>
+          <a:p>
+            <a:endParaRPr b="0" lang="es-MX" sz="3200" spc="-1" strike="noStrike">
+              <a:latin typeface="Arial"/>
+            </a:endParaRPr>
+          </a:p>
+        </p:txBody>
+      </p:sp>
+      <p:sp>
+        <p:nvSpPr>
+          <p:cNvPr id="231" name="PlaceHolder 3"/>
+          <p:cNvSpPr>
+            <a:spLocks noGrp="1"/>
+          </p:cNvSpPr>
+          <p:nvPr>
+            <p:ph type="body"/>
+          </p:nvPr>
+        </p:nvSpPr>
+        <p:spPr>
+          <a:xfrm>
+            <a:off x="3571560" y="1326600"/>
+            <a:ext cx="2921040" cy="1568520"/>
+          </a:xfrm>
+          <a:prstGeom prst="rect">
+            <a:avLst/>
+          </a:prstGeom>
+        </p:spPr>
+        <p:txBody>
+          <a:bodyPr lIns="0" rIns="0" tIns="0" bIns="0">
+            <a:normAutofit/>
+          </a:bodyPr>
+          <a:p>
+            <a:endParaRPr b="0" lang="es-MX" sz="3200" spc="-1" strike="noStrike">
+              <a:latin typeface="Arial"/>
+            </a:endParaRPr>
+          </a:p>
+        </p:txBody>
+      </p:sp>
+      <p:sp>
+        <p:nvSpPr>
+          <p:cNvPr id="232" name="PlaceHolder 4"/>
+          <p:cNvSpPr>
+            <a:spLocks noGrp="1"/>
+          </p:cNvSpPr>
+          <p:nvPr>
+            <p:ph type="body"/>
+          </p:nvPr>
+        </p:nvSpPr>
+        <p:spPr>
+          <a:xfrm>
+            <a:off x="6639120" y="1326600"/>
+            <a:ext cx="2921040" cy="1568520"/>
+          </a:xfrm>
+          <a:prstGeom prst="rect">
+            <a:avLst/>
+          </a:prstGeom>
+        </p:spPr>
+        <p:txBody>
+          <a:bodyPr lIns="0" rIns="0" tIns="0" bIns="0">
+            <a:normAutofit/>
+          </a:bodyPr>
+          <a:p>
+            <a:endParaRPr b="0" lang="es-MX" sz="3200" spc="-1" strike="noStrike">
+              <a:latin typeface="Arial"/>
+            </a:endParaRPr>
+          </a:p>
+        </p:txBody>
+      </p:sp>
+      <p:sp>
+        <p:nvSpPr>
+          <p:cNvPr id="233" name="PlaceHolder 5"/>
+          <p:cNvSpPr>
+            <a:spLocks noGrp="1"/>
+          </p:cNvSpPr>
+          <p:nvPr>
+            <p:ph type="body"/>
+          </p:nvPr>
+        </p:nvSpPr>
+        <p:spPr>
+          <a:xfrm>
+            <a:off x="504000" y="3044520"/>
+            <a:ext cx="2921040" cy="1568520"/>
+          </a:xfrm>
+          <a:prstGeom prst="rect">
+            <a:avLst/>
+          </a:prstGeom>
+        </p:spPr>
+        <p:txBody>
+          <a:bodyPr lIns="0" rIns="0" tIns="0" bIns="0">
+            <a:normAutofit/>
+          </a:bodyPr>
+          <a:p>
+            <a:endParaRPr b="0" lang="es-MX" sz="3200" spc="-1" strike="noStrike">
+              <a:latin typeface="Arial"/>
+            </a:endParaRPr>
+          </a:p>
+        </p:txBody>
+      </p:sp>
+      <p:sp>
+        <p:nvSpPr>
+          <p:cNvPr id="234" name="PlaceHolder 6"/>
+          <p:cNvSpPr>
+            <a:spLocks noGrp="1"/>
+          </p:cNvSpPr>
+          <p:nvPr>
+            <p:ph type="body"/>
+          </p:nvPr>
+        </p:nvSpPr>
+        <p:spPr>
+          <a:xfrm>
+            <a:off x="3571560" y="3044520"/>
+            <a:ext cx="2921040" cy="1568520"/>
+          </a:xfrm>
+          <a:prstGeom prst="rect">
+            <a:avLst/>
+          </a:prstGeom>
+        </p:spPr>
+        <p:txBody>
+          <a:bodyPr lIns="0" rIns="0" tIns="0" bIns="0">
+            <a:normAutofit/>
+          </a:bodyPr>
+          <a:p>
+            <a:endParaRPr b="0" lang="es-MX" sz="3200" spc="-1" strike="noStrike">
+              <a:latin typeface="Arial"/>
+            </a:endParaRPr>
+          </a:p>
+        </p:txBody>
+      </p:sp>
+      <p:sp>
+        <p:nvSpPr>
+          <p:cNvPr id="235" name="PlaceHolder 7"/>
+          <p:cNvSpPr>
+            <a:spLocks noGrp="1"/>
+          </p:cNvSpPr>
+          <p:nvPr>
+            <p:ph type="body"/>
+          </p:nvPr>
+        </p:nvSpPr>
+        <p:spPr>
+          <a:xfrm>
+            <a:off x="6639120" y="3044520"/>
+            <a:ext cx="2921040" cy="1568520"/>
           </a:xfrm>
           <a:prstGeom prst="rect">
             <a:avLst/>
@@ -5481,7 +8211,7 @@
         <p:spPr>
           <a:xfrm>
             <a:off x="0" y="3780000"/>
-            <a:ext cx="10079640" cy="1889640"/>
+            <a:ext cx="10078920" cy="1888920"/>
           </a:xfrm>
           <a:prstGeom prst="rect">
             <a:avLst/>
@@ -5522,8 +8252,8 @@
         </p:nvSpPr>
         <p:spPr>
           <a:xfrm>
-            <a:off x="540000" y="270000"/>
-            <a:ext cx="8999640" cy="989640"/>
+            <a:off x="504000" y="226080"/>
+            <a:ext cx="9072000" cy="946440"/>
           </a:xfrm>
           <a:prstGeom prst="rect">
             <a:avLst/>
@@ -5531,16 +8261,23 @@
         </p:spPr>
         <p:txBody>
           <a:bodyPr lIns="0" rIns="0" tIns="0" bIns="0" anchor="ctr">
-            <a:normAutofit/>
-          </a:bodyPr>
-          <a:p>
+            <a:noAutofit/>
+          </a:bodyPr>
+          <a:p>
+            <a:pPr algn="ctr"/>
             <a:r>
-              <a:rPr b="0" lang="es-MX" sz="1800" spc="-1" strike="noStrike">
+              <a:rPr b="0" lang="es-MX" sz="4400" spc="-1" strike="noStrike">
                 <a:latin typeface="Arial"/>
               </a:rPr>
-              <a:t>Pulse para editar el formato del texto de título</a:t>
+              <a:t>Pulse para editar el formato del </a:t>
             </a:r>
-            <a:endParaRPr b="0" lang="es-MX" sz="1800" spc="-1" strike="noStrike">
+            <a:r>
+              <a:rPr b="0" lang="es-MX" sz="4400" spc="-1" strike="noStrike">
+                <a:latin typeface="Arial"/>
+              </a:rPr>
+              <a:t>texto de título</a:t>
+            </a:r>
+            <a:endParaRPr b="0" lang="es-MX" sz="4400" spc="-1" strike="noStrike">
               <a:latin typeface="Arial"/>
             </a:endParaRPr>
           </a:p>
@@ -5778,8 +8515,8 @@
         </p:nvSpPr>
         <p:spPr>
           <a:xfrm flipV="1">
-            <a:off x="0" y="-720"/>
-            <a:ext cx="10079640" cy="1079640"/>
+            <a:off x="0" y="-1440"/>
+            <a:ext cx="10078920" cy="1078920"/>
           </a:xfrm>
           <a:prstGeom prst="rect">
             <a:avLst/>
@@ -5820,8 +8557,8 @@
         </p:nvSpPr>
         <p:spPr>
           <a:xfrm>
-            <a:off x="540000" y="270000"/>
-            <a:ext cx="8999640" cy="989640"/>
+            <a:off x="504000" y="226080"/>
+            <a:ext cx="9072000" cy="946440"/>
           </a:xfrm>
           <a:prstGeom prst="rect">
             <a:avLst/>
@@ -5829,16 +8566,17 @@
         </p:spPr>
         <p:txBody>
           <a:bodyPr lIns="0" rIns="0" tIns="0" bIns="0" anchor="ctr">
-            <a:normAutofit/>
-          </a:bodyPr>
-          <a:p>
+            <a:noAutofit/>
+          </a:bodyPr>
+          <a:p>
+            <a:pPr algn="ctr"/>
             <a:r>
-              <a:rPr b="0" lang="es-MX" sz="1800" spc="-1" strike="noStrike">
+              <a:rPr b="0" lang="es-MX" sz="4400" spc="-1" strike="noStrike">
                 <a:latin typeface="Arial"/>
               </a:rPr>
               <a:t>Pulse para editar el formato del texto de título</a:t>
             </a:r>
-            <a:endParaRPr b="0" lang="es-MX" sz="1800" spc="-1" strike="noStrike">
+            <a:endParaRPr b="0" lang="es-MX" sz="4400" spc="-1" strike="noStrike">
               <a:latin typeface="Arial"/>
             </a:endParaRPr>
           </a:p>
@@ -5856,8 +8594,8 @@
         </p:nvSpPr>
         <p:spPr>
           <a:xfrm>
-            <a:off x="540000" y="1440000"/>
-            <a:ext cx="8999640" cy="4049640"/>
+            <a:off x="504000" y="1326600"/>
+            <a:ext cx="9072000" cy="3288600"/>
           </a:xfrm>
           <a:prstGeom prst="rect">
             <a:avLst/>
@@ -5880,12 +8618,12 @@
               <a:buChar char=""/>
             </a:pPr>
             <a:r>
-              <a:rPr b="0" lang="es-MX" sz="1800" spc="-1" strike="noStrike">
+              <a:rPr b="0" lang="es-MX" sz="3200" spc="-1" strike="noStrike">
                 <a:latin typeface="Arial"/>
               </a:rPr>
               <a:t>Pulse para editar el formato de texto del esquema</a:t>
             </a:r>
-            <a:endParaRPr b="0" lang="es-MX" sz="1800" spc="-1" strike="noStrike">
+            <a:endParaRPr b="0" lang="es-MX" sz="3200" spc="-1" strike="noStrike">
               <a:latin typeface="Arial"/>
             </a:endParaRPr>
           </a:p>
@@ -5902,12 +8640,12 @@
               <a:buChar char=""/>
             </a:pPr>
             <a:r>
-              <a:rPr b="0" lang="es-MX" sz="1800" spc="-1" strike="noStrike">
+              <a:rPr b="0" lang="es-MX" sz="2800" spc="-1" strike="noStrike">
                 <a:latin typeface="Arial"/>
               </a:rPr>
               <a:t>Segundo nivel del esquema</a:t>
             </a:r>
-            <a:endParaRPr b="0" lang="es-MX" sz="1800" spc="-1" strike="noStrike">
+            <a:endParaRPr b="0" lang="es-MX" sz="2800" spc="-1" strike="noStrike">
               <a:latin typeface="Arial"/>
             </a:endParaRPr>
           </a:p>
@@ -5924,12 +8662,12 @@
               <a:buChar char=""/>
             </a:pPr>
             <a:r>
-              <a:rPr b="0" lang="es-MX" sz="1800" spc="-1" strike="noStrike">
+              <a:rPr b="0" lang="es-MX" sz="2400" spc="-1" strike="noStrike">
                 <a:latin typeface="Arial"/>
               </a:rPr>
               <a:t>Tercer nivel del esquema</a:t>
             </a:r>
-            <a:endParaRPr b="0" lang="es-MX" sz="1800" spc="-1" strike="noStrike">
+            <a:endParaRPr b="0" lang="es-MX" sz="2400" spc="-1" strike="noStrike">
               <a:latin typeface="Arial"/>
             </a:endParaRPr>
           </a:p>
@@ -5946,12 +8684,12 @@
               <a:buChar char=""/>
             </a:pPr>
             <a:r>
-              <a:rPr b="0" lang="es-MX" sz="1800" spc="-1" strike="noStrike">
+              <a:rPr b="0" lang="es-MX" sz="2000" spc="-1" strike="noStrike">
                 <a:latin typeface="Arial"/>
               </a:rPr>
               <a:t>Cuarto nivel del esquema</a:t>
             </a:r>
-            <a:endParaRPr b="0" lang="es-MX" sz="1800" spc="-1" strike="noStrike">
+            <a:endParaRPr b="0" lang="es-MX" sz="2000" spc="-1" strike="noStrike">
               <a:latin typeface="Arial"/>
             </a:endParaRPr>
           </a:p>
@@ -5968,12 +8706,12 @@
               <a:buChar char=""/>
             </a:pPr>
             <a:r>
-              <a:rPr b="0" lang="es-MX" sz="1800" spc="-1" strike="noStrike">
+              <a:rPr b="0" lang="es-MX" sz="2000" spc="-1" strike="noStrike">
                 <a:latin typeface="Arial"/>
               </a:rPr>
               <a:t>Quinto nivel del esquema</a:t>
             </a:r>
-            <a:endParaRPr b="0" lang="es-MX" sz="1800" spc="-1" strike="noStrike">
+            <a:endParaRPr b="0" lang="es-MX" sz="2000" spc="-1" strike="noStrike">
               <a:latin typeface="Arial"/>
             </a:endParaRPr>
           </a:p>
@@ -5990,12 +8728,12 @@
               <a:buChar char=""/>
             </a:pPr>
             <a:r>
-              <a:rPr b="0" lang="es-MX" sz="1800" spc="-1" strike="noStrike">
+              <a:rPr b="0" lang="es-MX" sz="2000" spc="-1" strike="noStrike">
                 <a:latin typeface="Arial"/>
               </a:rPr>
               <a:t>Sexto nivel del esquema</a:t>
             </a:r>
-            <a:endParaRPr b="0" lang="es-MX" sz="1800" spc="-1" strike="noStrike">
+            <a:endParaRPr b="0" lang="es-MX" sz="2000" spc="-1" strike="noStrike">
               <a:latin typeface="Arial"/>
             </a:endParaRPr>
           </a:p>
@@ -6012,12 +8750,12 @@
               <a:buChar char=""/>
             </a:pPr>
             <a:r>
-              <a:rPr b="0" lang="es-MX" sz="1800" spc="-1" strike="noStrike">
+              <a:rPr b="0" lang="es-MX" sz="2000" spc="-1" strike="noStrike">
                 <a:latin typeface="Arial"/>
               </a:rPr>
               <a:t>Séptimo nivel del esquema</a:t>
             </a:r>
-            <a:endParaRPr b="0" lang="es-MX" sz="1800" spc="-1" strike="noStrike">
+            <a:endParaRPr b="0" lang="es-MX" sz="2000" spc="-1" strike="noStrike">
               <a:latin typeface="Arial"/>
             </a:endParaRPr>
           </a:p>
@@ -6076,8 +8814,8 @@
         </p:nvSpPr>
         <p:spPr>
           <a:xfrm flipV="1">
-            <a:off x="0" y="-720"/>
-            <a:ext cx="10079640" cy="1079640"/>
+            <a:off x="0" y="-1440"/>
+            <a:ext cx="10078920" cy="1078920"/>
           </a:xfrm>
           <a:prstGeom prst="rect">
             <a:avLst/>
@@ -6118,8 +8856,8 @@
         </p:nvSpPr>
         <p:spPr>
           <a:xfrm>
-            <a:off x="540000" y="270000"/>
-            <a:ext cx="8999640" cy="989640"/>
+            <a:off x="504000" y="226080"/>
+            <a:ext cx="9072000" cy="946440"/>
           </a:xfrm>
           <a:prstGeom prst="rect">
             <a:avLst/>
@@ -6127,16 +8865,17 @@
         </p:spPr>
         <p:txBody>
           <a:bodyPr lIns="0" rIns="0" tIns="0" bIns="0" anchor="ctr">
-            <a:normAutofit/>
-          </a:bodyPr>
-          <a:p>
+            <a:noAutofit/>
+          </a:bodyPr>
+          <a:p>
+            <a:pPr algn="ctr"/>
             <a:r>
-              <a:rPr b="0" lang="es-MX" sz="1800" spc="-1" strike="noStrike">
+              <a:rPr b="0" lang="es-MX" sz="4400" spc="-1" strike="noStrike">
                 <a:latin typeface="Arial"/>
               </a:rPr>
               <a:t>Pulse para editar el formato del texto de título</a:t>
             </a:r>
-            <a:endParaRPr b="0" lang="es-MX" sz="1800" spc="-1" strike="noStrike">
+            <a:endParaRPr b="0" lang="es-MX" sz="4400" spc="-1" strike="noStrike">
               <a:latin typeface="Arial"/>
             </a:endParaRPr>
           </a:p>
@@ -6154,8 +8893,8 @@
         </p:nvSpPr>
         <p:spPr>
           <a:xfrm>
-            <a:off x="540000" y="1440000"/>
-            <a:ext cx="8999640" cy="4049640"/>
+            <a:off x="504000" y="1326600"/>
+            <a:ext cx="9072000" cy="3288600"/>
           </a:xfrm>
           <a:prstGeom prst="rect">
             <a:avLst/>
@@ -6178,12 +8917,12 @@
               <a:buChar char=""/>
             </a:pPr>
             <a:r>
-              <a:rPr b="0" lang="es-MX" sz="1800" spc="-1" strike="noStrike">
+              <a:rPr b="0" lang="es-MX" sz="3200" spc="-1" strike="noStrike">
                 <a:latin typeface="Arial"/>
               </a:rPr>
               <a:t>Pulse para editar el formato de texto del esquema</a:t>
             </a:r>
-            <a:endParaRPr b="0" lang="es-MX" sz="1800" spc="-1" strike="noStrike">
+            <a:endParaRPr b="0" lang="es-MX" sz="3200" spc="-1" strike="noStrike">
               <a:latin typeface="Arial"/>
             </a:endParaRPr>
           </a:p>
@@ -6200,12 +8939,12 @@
               <a:buChar char=""/>
             </a:pPr>
             <a:r>
-              <a:rPr b="0" lang="es-MX" sz="1800" spc="-1" strike="noStrike">
+              <a:rPr b="0" lang="es-MX" sz="2800" spc="-1" strike="noStrike">
                 <a:latin typeface="Arial"/>
               </a:rPr>
               <a:t>Segundo nivel del esquema</a:t>
             </a:r>
-            <a:endParaRPr b="0" lang="es-MX" sz="1800" spc="-1" strike="noStrike">
+            <a:endParaRPr b="0" lang="es-MX" sz="2800" spc="-1" strike="noStrike">
               <a:latin typeface="Arial"/>
             </a:endParaRPr>
           </a:p>
@@ -6222,12 +8961,12 @@
               <a:buChar char=""/>
             </a:pPr>
             <a:r>
-              <a:rPr b="0" lang="es-MX" sz="1800" spc="-1" strike="noStrike">
+              <a:rPr b="0" lang="es-MX" sz="2400" spc="-1" strike="noStrike">
                 <a:latin typeface="Arial"/>
               </a:rPr>
               <a:t>Tercer nivel del esquema</a:t>
             </a:r>
-            <a:endParaRPr b="0" lang="es-MX" sz="1800" spc="-1" strike="noStrike">
+            <a:endParaRPr b="0" lang="es-MX" sz="2400" spc="-1" strike="noStrike">
               <a:latin typeface="Arial"/>
             </a:endParaRPr>
           </a:p>
@@ -6244,12 +8983,12 @@
               <a:buChar char=""/>
             </a:pPr>
             <a:r>
-              <a:rPr b="0" lang="es-MX" sz="1800" spc="-1" strike="noStrike">
+              <a:rPr b="0" lang="es-MX" sz="2000" spc="-1" strike="noStrike">
                 <a:latin typeface="Arial"/>
               </a:rPr>
               <a:t>Cuarto nivel del esquema</a:t>
             </a:r>
-            <a:endParaRPr b="0" lang="es-MX" sz="1800" spc="-1" strike="noStrike">
+            <a:endParaRPr b="0" lang="es-MX" sz="2000" spc="-1" strike="noStrike">
               <a:latin typeface="Arial"/>
             </a:endParaRPr>
           </a:p>
@@ -6266,12 +9005,12 @@
               <a:buChar char=""/>
             </a:pPr>
             <a:r>
-              <a:rPr b="0" lang="es-MX" sz="1800" spc="-1" strike="noStrike">
+              <a:rPr b="0" lang="es-MX" sz="2000" spc="-1" strike="noStrike">
                 <a:latin typeface="Arial"/>
               </a:rPr>
               <a:t>Quinto nivel del esquema</a:t>
             </a:r>
-            <a:endParaRPr b="0" lang="es-MX" sz="1800" spc="-1" strike="noStrike">
+            <a:endParaRPr b="0" lang="es-MX" sz="2000" spc="-1" strike="noStrike">
               <a:latin typeface="Arial"/>
             </a:endParaRPr>
           </a:p>
@@ -6288,12 +9027,12 @@
               <a:buChar char=""/>
             </a:pPr>
             <a:r>
-              <a:rPr b="0" lang="es-MX" sz="1800" spc="-1" strike="noStrike">
+              <a:rPr b="0" lang="es-MX" sz="2000" spc="-1" strike="noStrike">
                 <a:latin typeface="Arial"/>
               </a:rPr>
               <a:t>Sexto nivel del esquema</a:t>
             </a:r>
-            <a:endParaRPr b="0" lang="es-MX" sz="1800" spc="-1" strike="noStrike">
+            <a:endParaRPr b="0" lang="es-MX" sz="2000" spc="-1" strike="noStrike">
               <a:latin typeface="Arial"/>
             </a:endParaRPr>
           </a:p>
@@ -6310,12 +9049,12 @@
               <a:buChar char=""/>
             </a:pPr>
             <a:r>
-              <a:rPr b="0" lang="es-MX" sz="1800" spc="-1" strike="noStrike">
+              <a:rPr b="0" lang="es-MX" sz="2000" spc="-1" strike="noStrike">
                 <a:latin typeface="Arial"/>
               </a:rPr>
               <a:t>Séptimo nivel del esquema</a:t>
             </a:r>
-            <a:endParaRPr b="0" lang="es-MX" sz="1800" spc="-1" strike="noStrike">
+            <a:endParaRPr b="0" lang="es-MX" sz="2000" spc="-1" strike="noStrike">
               <a:latin typeface="Arial"/>
             </a:endParaRPr>
           </a:p>
@@ -6366,8 +9105,8 @@
         </p:nvSpPr>
         <p:spPr>
           <a:xfrm flipV="1">
-            <a:off x="0" y="-720"/>
-            <a:ext cx="10079640" cy="179640"/>
+            <a:off x="0" y="-1440"/>
+            <a:ext cx="10078920" cy="178920"/>
           </a:xfrm>
           <a:prstGeom prst="rect">
             <a:avLst/>
@@ -6405,7 +9144,7 @@
         <p:spPr>
           <a:xfrm>
             <a:off x="0" y="5580000"/>
-            <a:ext cx="10079640" cy="89640"/>
+            <a:ext cx="10078920" cy="88920"/>
           </a:xfrm>
           <a:prstGeom prst="rect">
             <a:avLst/>
@@ -6666,6 +9405,634 @@
     <p:sldLayoutId id="2147483697" r:id="rId11"/>
     <p:sldLayoutId id="2147483698" r:id="rId12"/>
     <p:sldLayoutId id="2147483699" r:id="rId13"/>
+  </p:sldLayoutIdLst>
+</p:sldMaster>
+</file>
+
+<file path=ppt/slideMasters/slideMaster5.xml><?xml version="1.0" encoding="utf-8"?>
+<p:sldMaster xmlns:a="http://schemas.openxmlformats.org/drawingml/2006/main" xmlns:p="http://schemas.openxmlformats.org/presentationml/2006/main" xmlns:r="http://schemas.openxmlformats.org/officeDocument/2006/relationships" xmlns:p14="http://schemas.microsoft.com/office/powerpoint/2010/main" xmlns:p15="http://schemas.microsoft.com/office/powerpoint/2012/main" xmlns:mc="http://schemas.openxmlformats.org/markup-compatibility/2006">
+  <p:cSld>
+    <p:bg>
+      <p:bgPr>
+        <a:blipFill rotWithShape="0">
+          <a:blip r:embed="rId2"/>
+          <a:stretch/>
+        </a:blipFill>
+      </p:bgPr>
+    </p:bg>
+    <p:spTree>
+      <p:nvGrpSpPr>
+        <p:cNvPr id="1" name=""/>
+        <p:cNvGrpSpPr/>
+        <p:nvPr/>
+      </p:nvGrpSpPr>
+      <p:grpSpPr>
+        <a:xfrm>
+          <a:off x="0" y="0"/>
+          <a:ext cx="0" cy="0"/>
+          <a:chOff x="0" y="0"/>
+          <a:chExt cx="0" cy="0"/>
+        </a:xfrm>
+      </p:grpSpPr>
+      <p:sp>
+        <p:nvSpPr>
+          <p:cNvPr id="157" name="CustomShape 1"/>
+          <p:cNvSpPr/>
+          <p:nvPr/>
+        </p:nvSpPr>
+        <p:spPr>
+          <a:xfrm flipV="1">
+            <a:off x="0" y="-1440"/>
+            <a:ext cx="10078920" cy="1078920"/>
+          </a:xfrm>
+          <a:prstGeom prst="rect">
+            <a:avLst/>
+          </a:prstGeom>
+          <a:pattFill prst="lgGrid">
+            <a:fgClr>
+              <a:srgbClr val="3465a4"/>
+            </a:fgClr>
+            <a:bgClr>
+              <a:srgbClr val="009eda"/>
+            </a:bgClr>
+          </a:pattFill>
+          <a:ln w="18000">
+            <a:noFill/>
+          </a:ln>
+          <a:effectLst>
+            <a:outerShdw dir="5400000" dist="10800">
+              <a:srgbClr val="f49100"/>
+            </a:outerShdw>
+          </a:effectLst>
+        </p:spPr>
+        <p:style>
+          <a:lnRef idx="0"/>
+          <a:fillRef idx="0"/>
+          <a:effectRef idx="0"/>
+          <a:fontRef idx="minor"/>
+        </p:style>
+      </p:sp>
+      <p:sp>
+        <p:nvSpPr>
+          <p:cNvPr id="158" name="PlaceHolder 2"/>
+          <p:cNvSpPr>
+            <a:spLocks noGrp="1"/>
+          </p:cNvSpPr>
+          <p:nvPr>
+            <p:ph type="title"/>
+          </p:nvPr>
+        </p:nvSpPr>
+        <p:spPr>
+          <a:xfrm>
+            <a:off x="504000" y="226080"/>
+            <a:ext cx="9072000" cy="946440"/>
+          </a:xfrm>
+          <a:prstGeom prst="rect">
+            <a:avLst/>
+          </a:prstGeom>
+        </p:spPr>
+        <p:txBody>
+          <a:bodyPr lIns="0" rIns="0" tIns="0" bIns="0" anchor="ctr">
+            <a:noAutofit/>
+          </a:bodyPr>
+          <a:p>
+            <a:pPr algn="ctr"/>
+            <a:r>
+              <a:rPr b="0" lang="es-MX" sz="4400" spc="-1" strike="noStrike">
+                <a:latin typeface="Arial"/>
+              </a:rPr>
+              <a:t>Pulse para editar el formato del texto de título</a:t>
+            </a:r>
+            <a:endParaRPr b="0" lang="es-MX" sz="4400" spc="-1" strike="noStrike">
+              <a:latin typeface="Arial"/>
+            </a:endParaRPr>
+          </a:p>
+        </p:txBody>
+      </p:sp>
+      <p:sp>
+        <p:nvSpPr>
+          <p:cNvPr id="159" name="PlaceHolder 3"/>
+          <p:cNvSpPr>
+            <a:spLocks noGrp="1"/>
+          </p:cNvSpPr>
+          <p:nvPr>
+            <p:ph type="body"/>
+          </p:nvPr>
+        </p:nvSpPr>
+        <p:spPr>
+          <a:xfrm>
+            <a:off x="504000" y="1326600"/>
+            <a:ext cx="9072000" cy="3288600"/>
+          </a:xfrm>
+          <a:prstGeom prst="rect">
+            <a:avLst/>
+          </a:prstGeom>
+        </p:spPr>
+        <p:txBody>
+          <a:bodyPr lIns="0" rIns="0" tIns="0" bIns="0">
+            <a:normAutofit/>
+          </a:bodyPr>
+          <a:p>
+            <a:pPr marL="432000" indent="-324000">
+              <a:spcBef>
+                <a:spcPts val="1417"/>
+              </a:spcBef>
+              <a:buClr>
+                <a:srgbClr val="000000"/>
+              </a:buClr>
+              <a:buSzPct val="45000"/>
+              <a:buFont typeface="Wingdings" charset="2"/>
+              <a:buChar char=""/>
+            </a:pPr>
+            <a:r>
+              <a:rPr b="0" lang="es-MX" sz="3200" spc="-1" strike="noStrike">
+                <a:latin typeface="Arial"/>
+              </a:rPr>
+              <a:t>Pulse para editar el formato de texto del esquema</a:t>
+            </a:r>
+            <a:endParaRPr b="0" lang="es-MX" sz="3200" spc="-1" strike="noStrike">
+              <a:latin typeface="Arial"/>
+            </a:endParaRPr>
+          </a:p>
+          <a:p>
+            <a:pPr lvl="1" marL="864000" indent="-324000">
+              <a:spcBef>
+                <a:spcPts val="1134"/>
+              </a:spcBef>
+              <a:buClr>
+                <a:srgbClr val="000000"/>
+              </a:buClr>
+              <a:buSzPct val="75000"/>
+              <a:buFont typeface="Symbol" charset="2"/>
+              <a:buChar char=""/>
+            </a:pPr>
+            <a:r>
+              <a:rPr b="0" lang="es-MX" sz="2800" spc="-1" strike="noStrike">
+                <a:latin typeface="Arial"/>
+              </a:rPr>
+              <a:t>Segundo nivel del esquema</a:t>
+            </a:r>
+            <a:endParaRPr b="0" lang="es-MX" sz="2800" spc="-1" strike="noStrike">
+              <a:latin typeface="Arial"/>
+            </a:endParaRPr>
+          </a:p>
+          <a:p>
+            <a:pPr lvl="2" marL="1296000" indent="-288000">
+              <a:spcBef>
+                <a:spcPts val="850"/>
+              </a:spcBef>
+              <a:buClr>
+                <a:srgbClr val="000000"/>
+              </a:buClr>
+              <a:buSzPct val="45000"/>
+              <a:buFont typeface="Wingdings" charset="2"/>
+              <a:buChar char=""/>
+            </a:pPr>
+            <a:r>
+              <a:rPr b="0" lang="es-MX" sz="2400" spc="-1" strike="noStrike">
+                <a:latin typeface="Arial"/>
+              </a:rPr>
+              <a:t>Tercer nivel del esquema</a:t>
+            </a:r>
+            <a:endParaRPr b="0" lang="es-MX" sz="2400" spc="-1" strike="noStrike">
+              <a:latin typeface="Arial"/>
+            </a:endParaRPr>
+          </a:p>
+          <a:p>
+            <a:pPr lvl="3" marL="1728000" indent="-216000">
+              <a:spcBef>
+                <a:spcPts val="567"/>
+              </a:spcBef>
+              <a:buClr>
+                <a:srgbClr val="000000"/>
+              </a:buClr>
+              <a:buSzPct val="75000"/>
+              <a:buFont typeface="Symbol" charset="2"/>
+              <a:buChar char=""/>
+            </a:pPr>
+            <a:r>
+              <a:rPr b="0" lang="es-MX" sz="2000" spc="-1" strike="noStrike">
+                <a:latin typeface="Arial"/>
+              </a:rPr>
+              <a:t>Cuarto nivel del esquema</a:t>
+            </a:r>
+            <a:endParaRPr b="0" lang="es-MX" sz="2000" spc="-1" strike="noStrike">
+              <a:latin typeface="Arial"/>
+            </a:endParaRPr>
+          </a:p>
+          <a:p>
+            <a:pPr lvl="4" marL="2160000" indent="-216000">
+              <a:spcBef>
+                <a:spcPts val="283"/>
+              </a:spcBef>
+              <a:buClr>
+                <a:srgbClr val="000000"/>
+              </a:buClr>
+              <a:buSzPct val="45000"/>
+              <a:buFont typeface="Wingdings" charset="2"/>
+              <a:buChar char=""/>
+            </a:pPr>
+            <a:r>
+              <a:rPr b="0" lang="es-MX" sz="2000" spc="-1" strike="noStrike">
+                <a:latin typeface="Arial"/>
+              </a:rPr>
+              <a:t>Quinto nivel del esquema</a:t>
+            </a:r>
+            <a:endParaRPr b="0" lang="es-MX" sz="2000" spc="-1" strike="noStrike">
+              <a:latin typeface="Arial"/>
+            </a:endParaRPr>
+          </a:p>
+          <a:p>
+            <a:pPr lvl="5" marL="2592000" indent="-216000">
+              <a:spcBef>
+                <a:spcPts val="283"/>
+              </a:spcBef>
+              <a:buClr>
+                <a:srgbClr val="000000"/>
+              </a:buClr>
+              <a:buSzPct val="45000"/>
+              <a:buFont typeface="Wingdings" charset="2"/>
+              <a:buChar char=""/>
+            </a:pPr>
+            <a:r>
+              <a:rPr b="0" lang="es-MX" sz="2000" spc="-1" strike="noStrike">
+                <a:latin typeface="Arial"/>
+              </a:rPr>
+              <a:t>Sexto nivel del esquema</a:t>
+            </a:r>
+            <a:endParaRPr b="0" lang="es-MX" sz="2000" spc="-1" strike="noStrike">
+              <a:latin typeface="Arial"/>
+            </a:endParaRPr>
+          </a:p>
+          <a:p>
+            <a:pPr lvl="6" marL="3024000" indent="-216000">
+              <a:spcBef>
+                <a:spcPts val="283"/>
+              </a:spcBef>
+              <a:buClr>
+                <a:srgbClr val="000000"/>
+              </a:buClr>
+              <a:buSzPct val="45000"/>
+              <a:buFont typeface="Wingdings" charset="2"/>
+              <a:buChar char=""/>
+            </a:pPr>
+            <a:r>
+              <a:rPr b="0" lang="es-MX" sz="2000" spc="-1" strike="noStrike">
+                <a:latin typeface="Arial"/>
+              </a:rPr>
+              <a:t>Séptimo nivel del esquema</a:t>
+            </a:r>
+            <a:endParaRPr b="0" lang="es-MX" sz="2000" spc="-1" strike="noStrike">
+              <a:latin typeface="Arial"/>
+            </a:endParaRPr>
+          </a:p>
+        </p:txBody>
+      </p:sp>
+    </p:spTree>
+  </p:cSld>
+  <p:clrMap bg1="lt1" bg2="lt2" tx1="dk1" tx2="dk2" accent1="accent1" accent2="accent2" accent3="accent3" accent4="accent4" accent5="accent5" accent6="accent6" hlink="hlink" folHlink="folHlink"/>
+  <p:sldLayoutIdLst>
+    <p:sldLayoutId id="2147483701" r:id="rId3"/>
+    <p:sldLayoutId id="2147483702" r:id="rId4"/>
+    <p:sldLayoutId id="2147483703" r:id="rId5"/>
+    <p:sldLayoutId id="2147483704" r:id="rId6"/>
+    <p:sldLayoutId id="2147483705" r:id="rId7"/>
+    <p:sldLayoutId id="2147483706" r:id="rId8"/>
+    <p:sldLayoutId id="2147483707" r:id="rId9"/>
+    <p:sldLayoutId id="2147483708" r:id="rId10"/>
+    <p:sldLayoutId id="2147483709" r:id="rId11"/>
+    <p:sldLayoutId id="2147483710" r:id="rId12"/>
+    <p:sldLayoutId id="2147483711" r:id="rId13"/>
+    <p:sldLayoutId id="2147483712" r:id="rId14"/>
+  </p:sldLayoutIdLst>
+</p:sldMaster>
+</file>
+
+<file path=ppt/slideMasters/slideMaster6.xml><?xml version="1.0" encoding="utf-8"?>
+<p:sldMaster xmlns:a="http://schemas.openxmlformats.org/drawingml/2006/main" xmlns:p="http://schemas.openxmlformats.org/presentationml/2006/main" xmlns:r="http://schemas.openxmlformats.org/officeDocument/2006/relationships" xmlns:p14="http://schemas.microsoft.com/office/powerpoint/2010/main" xmlns:p15="http://schemas.microsoft.com/office/powerpoint/2012/main" xmlns:mc="http://schemas.openxmlformats.org/markup-compatibility/2006">
+  <p:cSld>
+    <p:spTree>
+      <p:nvGrpSpPr>
+        <p:cNvPr id="1" name=""/>
+        <p:cNvGrpSpPr/>
+        <p:nvPr/>
+      </p:nvGrpSpPr>
+      <p:grpSpPr>
+        <a:xfrm>
+          <a:off x="0" y="0"/>
+          <a:ext cx="0" cy="0"/>
+          <a:chOff x="0" y="0"/>
+          <a:chExt cx="0" cy="0"/>
+        </a:xfrm>
+      </p:grpSpPr>
+      <p:sp>
+        <p:nvSpPr>
+          <p:cNvPr id="196" name="CustomShape 1"/>
+          <p:cNvSpPr/>
+          <p:nvPr/>
+        </p:nvSpPr>
+        <p:spPr>
+          <a:xfrm flipV="1">
+            <a:off x="0" y="-1440"/>
+            <a:ext cx="10078920" cy="178920"/>
+          </a:xfrm>
+          <a:prstGeom prst="rect">
+            <a:avLst/>
+          </a:prstGeom>
+          <a:pattFill prst="lgGrid">
+            <a:fgClr>
+              <a:srgbClr val="3465a4"/>
+            </a:fgClr>
+            <a:bgClr>
+              <a:srgbClr val="009eda"/>
+            </a:bgClr>
+          </a:pattFill>
+          <a:ln w="18000">
+            <a:noFill/>
+          </a:ln>
+          <a:effectLst>
+            <a:outerShdw dir="5400000" dist="10800">
+              <a:srgbClr val="f49100"/>
+            </a:outerShdw>
+          </a:effectLst>
+        </p:spPr>
+        <p:style>
+          <a:lnRef idx="0"/>
+          <a:fillRef idx="0"/>
+          <a:effectRef idx="0"/>
+          <a:fontRef idx="minor"/>
+        </p:style>
+      </p:sp>
+      <p:sp>
+        <p:nvSpPr>
+          <p:cNvPr id="197" name="CustomShape 2"/>
+          <p:cNvSpPr/>
+          <p:nvPr/>
+        </p:nvSpPr>
+        <p:spPr>
+          <a:xfrm>
+            <a:off x="0" y="5580000"/>
+            <a:ext cx="10078920" cy="88920"/>
+          </a:xfrm>
+          <a:prstGeom prst="rect">
+            <a:avLst/>
+          </a:prstGeom>
+          <a:pattFill prst="lgGrid">
+            <a:fgClr>
+              <a:srgbClr val="3465a4"/>
+            </a:fgClr>
+            <a:bgClr>
+              <a:srgbClr val="009eda"/>
+            </a:bgClr>
+          </a:pattFill>
+          <a:ln w="18000">
+            <a:noFill/>
+          </a:ln>
+          <a:effectLst>
+            <a:outerShdw dir="16200000" dist="10800">
+              <a:srgbClr val="f49100"/>
+            </a:outerShdw>
+          </a:effectLst>
+        </p:spPr>
+        <p:style>
+          <a:lnRef idx="0"/>
+          <a:fillRef idx="0"/>
+          <a:effectRef idx="0"/>
+          <a:fontRef idx="minor"/>
+        </p:style>
+      </p:sp>
+      <p:sp>
+        <p:nvSpPr>
+          <p:cNvPr id="198" name="PlaceHolder 3"/>
+          <p:cNvSpPr>
+            <a:spLocks noGrp="1"/>
+          </p:cNvSpPr>
+          <p:nvPr>
+            <p:ph type="title"/>
+          </p:nvPr>
+        </p:nvSpPr>
+        <p:spPr>
+          <a:xfrm>
+            <a:off x="504000" y="226080"/>
+            <a:ext cx="9072000" cy="946440"/>
+          </a:xfrm>
+          <a:prstGeom prst="rect">
+            <a:avLst/>
+          </a:prstGeom>
+        </p:spPr>
+        <p:txBody>
+          <a:bodyPr lIns="0" rIns="0" tIns="0" bIns="0" anchor="ctr">
+            <a:noAutofit/>
+          </a:bodyPr>
+          <a:p>
+            <a:pPr algn="ctr"/>
+            <a:r>
+              <a:rPr b="0" lang="es-MX" sz="4400" spc="-1" strike="noStrike">
+                <a:latin typeface="Arial"/>
+              </a:rPr>
+              <a:t>Pulse para editar el formato del texto de título</a:t>
+            </a:r>
+            <a:endParaRPr b="0" lang="es-MX" sz="4400" spc="-1" strike="noStrike">
+              <a:latin typeface="Arial"/>
+            </a:endParaRPr>
+          </a:p>
+        </p:txBody>
+      </p:sp>
+      <p:sp>
+        <p:nvSpPr>
+          <p:cNvPr id="199" name="PlaceHolder 4"/>
+          <p:cNvSpPr>
+            <a:spLocks noGrp="1"/>
+          </p:cNvSpPr>
+          <p:nvPr>
+            <p:ph type="body"/>
+          </p:nvPr>
+        </p:nvSpPr>
+        <p:spPr>
+          <a:xfrm>
+            <a:off x="504000" y="1326600"/>
+            <a:ext cx="9072000" cy="3288600"/>
+          </a:xfrm>
+          <a:prstGeom prst="rect">
+            <a:avLst/>
+          </a:prstGeom>
+        </p:spPr>
+        <p:txBody>
+          <a:bodyPr lIns="0" rIns="0" tIns="0" bIns="0">
+            <a:normAutofit/>
+          </a:bodyPr>
+          <a:p>
+            <a:pPr marL="432000" indent="-324000">
+              <a:spcBef>
+                <a:spcPts val="1417"/>
+              </a:spcBef>
+              <a:buClr>
+                <a:srgbClr val="000000"/>
+              </a:buClr>
+              <a:buSzPct val="45000"/>
+              <a:buFont typeface="Wingdings" charset="2"/>
+              <a:buChar char=""/>
+            </a:pPr>
+            <a:r>
+              <a:rPr b="0" lang="es-MX" sz="3200" spc="-1" strike="noStrike">
+                <a:latin typeface="Arial"/>
+              </a:rPr>
+              <a:t>Pulse para editar el formato de texto del esquema</a:t>
+            </a:r>
+            <a:endParaRPr b="0" lang="es-MX" sz="3200" spc="-1" strike="noStrike">
+              <a:latin typeface="Arial"/>
+            </a:endParaRPr>
+          </a:p>
+          <a:p>
+            <a:pPr lvl="1" marL="864000" indent="-324000">
+              <a:spcBef>
+                <a:spcPts val="1134"/>
+              </a:spcBef>
+              <a:buClr>
+                <a:srgbClr val="000000"/>
+              </a:buClr>
+              <a:buSzPct val="75000"/>
+              <a:buFont typeface="Symbol" charset="2"/>
+              <a:buChar char=""/>
+            </a:pPr>
+            <a:r>
+              <a:rPr b="0" lang="es-MX" sz="2800" spc="-1" strike="noStrike">
+                <a:latin typeface="Arial"/>
+              </a:rPr>
+              <a:t>Segundo nivel del esquema</a:t>
+            </a:r>
+            <a:endParaRPr b="0" lang="es-MX" sz="2800" spc="-1" strike="noStrike">
+              <a:latin typeface="Arial"/>
+            </a:endParaRPr>
+          </a:p>
+          <a:p>
+            <a:pPr lvl="2" marL="1296000" indent="-288000">
+              <a:spcBef>
+                <a:spcPts val="850"/>
+              </a:spcBef>
+              <a:buClr>
+                <a:srgbClr val="000000"/>
+              </a:buClr>
+              <a:buSzPct val="45000"/>
+              <a:buFont typeface="Wingdings" charset="2"/>
+              <a:buChar char=""/>
+            </a:pPr>
+            <a:r>
+              <a:rPr b="0" lang="es-MX" sz="2400" spc="-1" strike="noStrike">
+                <a:latin typeface="Arial"/>
+              </a:rPr>
+              <a:t>Tercer nivel del esquema</a:t>
+            </a:r>
+            <a:endParaRPr b="0" lang="es-MX" sz="2400" spc="-1" strike="noStrike">
+              <a:latin typeface="Arial"/>
+            </a:endParaRPr>
+          </a:p>
+          <a:p>
+            <a:pPr lvl="3" marL="1728000" indent="-216000">
+              <a:spcBef>
+                <a:spcPts val="567"/>
+              </a:spcBef>
+              <a:buClr>
+                <a:srgbClr val="000000"/>
+              </a:buClr>
+              <a:buSzPct val="75000"/>
+              <a:buFont typeface="Symbol" charset="2"/>
+              <a:buChar char=""/>
+            </a:pPr>
+            <a:r>
+              <a:rPr b="0" lang="es-MX" sz="2000" spc="-1" strike="noStrike">
+                <a:latin typeface="Arial"/>
+              </a:rPr>
+              <a:t>Cuarto nivel del esquema</a:t>
+            </a:r>
+            <a:endParaRPr b="0" lang="es-MX" sz="2000" spc="-1" strike="noStrike">
+              <a:latin typeface="Arial"/>
+            </a:endParaRPr>
+          </a:p>
+          <a:p>
+            <a:pPr lvl="4" marL="2160000" indent="-216000">
+              <a:spcBef>
+                <a:spcPts val="283"/>
+              </a:spcBef>
+              <a:buClr>
+                <a:srgbClr val="000000"/>
+              </a:buClr>
+              <a:buSzPct val="45000"/>
+              <a:buFont typeface="Wingdings" charset="2"/>
+              <a:buChar char=""/>
+            </a:pPr>
+            <a:r>
+              <a:rPr b="0" lang="es-MX" sz="2000" spc="-1" strike="noStrike">
+                <a:latin typeface="Arial"/>
+              </a:rPr>
+              <a:t>Quinto nivel del esquema</a:t>
+            </a:r>
+            <a:endParaRPr b="0" lang="es-MX" sz="2000" spc="-1" strike="noStrike">
+              <a:latin typeface="Arial"/>
+            </a:endParaRPr>
+          </a:p>
+          <a:p>
+            <a:pPr lvl="5" marL="2592000" indent="-216000">
+              <a:spcBef>
+                <a:spcPts val="283"/>
+              </a:spcBef>
+              <a:buClr>
+                <a:srgbClr val="000000"/>
+              </a:buClr>
+              <a:buSzPct val="45000"/>
+              <a:buFont typeface="Wingdings" charset="2"/>
+              <a:buChar char=""/>
+            </a:pPr>
+            <a:r>
+              <a:rPr b="0" lang="es-MX" sz="2000" spc="-1" strike="noStrike">
+                <a:latin typeface="Arial"/>
+              </a:rPr>
+              <a:t>Sexto nivel del esquema</a:t>
+            </a:r>
+            <a:endParaRPr b="0" lang="es-MX" sz="2000" spc="-1" strike="noStrike">
+              <a:latin typeface="Arial"/>
+            </a:endParaRPr>
+          </a:p>
+          <a:p>
+            <a:pPr lvl="6" marL="3024000" indent="-216000">
+              <a:spcBef>
+                <a:spcPts val="283"/>
+              </a:spcBef>
+              <a:buClr>
+                <a:srgbClr val="000000"/>
+              </a:buClr>
+              <a:buSzPct val="45000"/>
+              <a:buFont typeface="Wingdings" charset="2"/>
+              <a:buChar char=""/>
+            </a:pPr>
+            <a:r>
+              <a:rPr b="0" lang="es-MX" sz="2000" spc="-1" strike="noStrike">
+                <a:latin typeface="Arial"/>
+              </a:rPr>
+              <a:t>Séptimo nivel del esquema</a:t>
+            </a:r>
+            <a:endParaRPr b="0" lang="es-MX" sz="2000" spc="-1" strike="noStrike">
+              <a:latin typeface="Arial"/>
+            </a:endParaRPr>
+          </a:p>
+        </p:txBody>
+      </p:sp>
+    </p:spTree>
+  </p:cSld>
+  <p:clrMap bg1="lt1" bg2="lt2" tx1="dk1" tx2="dk2" accent1="accent1" accent2="accent2" accent3="accent3" accent4="accent4" accent5="accent5" accent6="accent6" hlink="hlink" folHlink="folHlink"/>
+  <p:sldLayoutIdLst>
+    <p:sldLayoutId id="2147483714" r:id="rId2"/>
+    <p:sldLayoutId id="2147483715" r:id="rId3"/>
+    <p:sldLayoutId id="2147483716" r:id="rId4"/>
+    <p:sldLayoutId id="2147483717" r:id="rId5"/>
+    <p:sldLayoutId id="2147483718" r:id="rId6"/>
+    <p:sldLayoutId id="2147483719" r:id="rId7"/>
+    <p:sldLayoutId id="2147483720" r:id="rId8"/>
+    <p:sldLayoutId id="2147483721" r:id="rId9"/>
+    <p:sldLayoutId id="2147483722" r:id="rId10"/>
+    <p:sldLayoutId id="2147483723" r:id="rId11"/>
+    <p:sldLayoutId id="2147483724" r:id="rId12"/>
+    <p:sldLayoutId id="2147483725" r:id="rId13"/>
   </p:sldLayoutIdLst>
 </p:sldMaster>
 </file>
@@ -6697,14 +10064,14 @@
       </p:grpSpPr>
       <p:sp>
         <p:nvSpPr>
-          <p:cNvPr id="157" name="CustomShape 1"/>
+          <p:cNvPr id="236" name="CustomShape 1"/>
           <p:cNvSpPr/>
           <p:nvPr/>
         </p:nvSpPr>
         <p:spPr>
           <a:xfrm>
             <a:off x="450000" y="270000"/>
-            <a:ext cx="8999640" cy="3239640"/>
+            <a:ext cx="8998920" cy="3238920"/>
           </a:xfrm>
           <a:prstGeom prst="rect">
             <a:avLst/>
@@ -6736,6 +10103,7 @@
                   <a:srgbClr val="04617b"/>
                 </a:solidFill>
                 <a:latin typeface="Source Sans Pro Light"/>
+                <a:ea typeface="DejaVu Sans"/>
               </a:rPr>
               <a:t>Entorno de desarrollo</a:t>
             </a:r>
@@ -6747,14 +10115,14 @@
       </p:sp>
       <p:sp>
         <p:nvSpPr>
-          <p:cNvPr id="158" name="CustomShape 2"/>
+          <p:cNvPr id="237" name="CustomShape 2"/>
           <p:cNvSpPr/>
           <p:nvPr/>
         </p:nvSpPr>
         <p:spPr>
           <a:xfrm>
             <a:off x="450000" y="3870000"/>
-            <a:ext cx="8999640" cy="1477800"/>
+            <a:ext cx="8998920" cy="1477080"/>
           </a:xfrm>
           <a:prstGeom prst="rect">
             <a:avLst/>
@@ -6786,6 +10154,7 @@
                   <a:srgbClr val="dbf5f9"/>
                 </a:solidFill>
                 <a:latin typeface="Source Sans Pro"/>
+                <a:ea typeface="DejaVu Sans"/>
               </a:rPr>
               <a:t>Es posible utilizar las opciones mencionadas en esta presentación, como entorno de desarrollo en unidades de aprendizaje como: Sistemas operativos en tiempo real, Introducción a la programación, Programación estructurada,  Programación avanzada.</a:t>
             </a:r>
@@ -6835,14 +10204,14 @@
       </p:grpSpPr>
       <p:sp>
         <p:nvSpPr>
-          <p:cNvPr id="180" name="CustomShape 1"/>
+          <p:cNvPr id="259" name="CustomShape 1"/>
           <p:cNvSpPr/>
           <p:nvPr/>
         </p:nvSpPr>
         <p:spPr>
           <a:xfrm>
             <a:off x="376920" y="132480"/>
-            <a:ext cx="9071280" cy="946440"/>
+            <a:ext cx="9070560" cy="945720"/>
           </a:xfrm>
           <a:prstGeom prst="rect">
             <a:avLst/>
@@ -6874,6 +10243,7 @@
                   <a:srgbClr val="ffffff"/>
                 </a:solidFill>
                 <a:latin typeface="Source Sans Pro Light"/>
+                <a:ea typeface="DejaVu Sans"/>
               </a:rPr>
               <a:t>Crear disco duro virtual ahora</a:t>
             </a:r>
@@ -6885,14 +10255,14 @@
       </p:sp>
       <p:sp>
         <p:nvSpPr>
-          <p:cNvPr id="181" name="CustomShape 2"/>
+          <p:cNvPr id="260" name="CustomShape 2"/>
           <p:cNvSpPr/>
           <p:nvPr/>
         </p:nvSpPr>
         <p:spPr>
           <a:xfrm>
             <a:off x="502920" y="1440000"/>
-            <a:ext cx="9021600" cy="3497400"/>
+            <a:ext cx="9020880" cy="3496680"/>
           </a:xfrm>
           <a:prstGeom prst="rect">
             <a:avLst/>
@@ -6911,7 +10281,7 @@
       </p:sp>
       <p:pic>
         <p:nvPicPr>
-          <p:cNvPr id="182" name="" descr=""/>
+          <p:cNvPr id="261" name="" descr=""/>
           <p:cNvPicPr/>
           <p:nvPr/>
         </p:nvPicPr>
@@ -6922,7 +10292,7 @@
         <p:spPr>
           <a:xfrm>
             <a:off x="1800000" y="1377720"/>
-            <a:ext cx="6152400" cy="3841920"/>
+            <a:ext cx="6151680" cy="3841200"/>
           </a:xfrm>
           <a:prstGeom prst="rect">
             <a:avLst/>
@@ -6972,14 +10342,14 @@
       </p:grpSpPr>
       <p:sp>
         <p:nvSpPr>
-          <p:cNvPr id="183" name="CustomShape 1"/>
+          <p:cNvPr id="262" name="CustomShape 1"/>
           <p:cNvSpPr/>
           <p:nvPr/>
         </p:nvSpPr>
         <p:spPr>
           <a:xfrm>
             <a:off x="376920" y="132480"/>
-            <a:ext cx="9071280" cy="946440"/>
+            <a:ext cx="9070560" cy="945720"/>
           </a:xfrm>
           <a:prstGeom prst="rect">
             <a:avLst/>
@@ -7011,6 +10381,7 @@
                   <a:srgbClr val="ffffff"/>
                 </a:solidFill>
                 <a:latin typeface="Source Sans Pro Light"/>
+                <a:ea typeface="DejaVu Sans"/>
               </a:rPr>
               <a:t>Tipo de archivo de disco duro</a:t>
             </a:r>
@@ -7022,14 +10393,14 @@
       </p:sp>
       <p:sp>
         <p:nvSpPr>
-          <p:cNvPr id="184" name="CustomShape 2"/>
+          <p:cNvPr id="263" name="CustomShape 2"/>
           <p:cNvSpPr/>
           <p:nvPr/>
         </p:nvSpPr>
         <p:spPr>
           <a:xfrm>
             <a:off x="502920" y="1440000"/>
-            <a:ext cx="9021600" cy="3497400"/>
+            <a:ext cx="9020880" cy="3496680"/>
           </a:xfrm>
           <a:prstGeom prst="rect">
             <a:avLst/>
@@ -7048,7 +10419,7 @@
       </p:sp>
       <p:pic>
         <p:nvPicPr>
-          <p:cNvPr id="185" name="" descr=""/>
+          <p:cNvPr id="264" name="" descr=""/>
           <p:cNvPicPr/>
           <p:nvPr/>
         </p:nvPicPr>
@@ -7059,7 +10430,7 @@
         <p:spPr>
           <a:xfrm>
             <a:off x="1861560" y="1279440"/>
-            <a:ext cx="6238080" cy="3917160"/>
+            <a:ext cx="6237360" cy="3916440"/>
           </a:xfrm>
           <a:prstGeom prst="rect">
             <a:avLst/>
@@ -7109,14 +10480,14 @@
       </p:grpSpPr>
       <p:sp>
         <p:nvSpPr>
-          <p:cNvPr id="186" name="CustomShape 1"/>
+          <p:cNvPr id="265" name="CustomShape 1"/>
           <p:cNvSpPr/>
           <p:nvPr/>
         </p:nvSpPr>
         <p:spPr>
           <a:xfrm>
             <a:off x="376920" y="132480"/>
-            <a:ext cx="9071280" cy="946440"/>
+            <a:ext cx="9070560" cy="945720"/>
           </a:xfrm>
           <a:prstGeom prst="rect">
             <a:avLst/>
@@ -7148,6 +10519,7 @@
                   <a:srgbClr val="ffffff"/>
                 </a:solidFill>
                 <a:latin typeface="Source Sans Pro Light"/>
+                <a:ea typeface="DejaVu Sans"/>
               </a:rPr>
               <a:t>Reservado dinámicamente</a:t>
             </a:r>
@@ -7159,14 +10531,14 @@
       </p:sp>
       <p:sp>
         <p:nvSpPr>
-          <p:cNvPr id="187" name="CustomShape 2"/>
+          <p:cNvPr id="266" name="CustomShape 2"/>
           <p:cNvSpPr/>
           <p:nvPr/>
         </p:nvSpPr>
         <p:spPr>
           <a:xfrm>
             <a:off x="502920" y="1440000"/>
-            <a:ext cx="9021600" cy="3497400"/>
+            <a:ext cx="9020880" cy="3496680"/>
           </a:xfrm>
           <a:prstGeom prst="rect">
             <a:avLst/>
@@ -7185,7 +10557,7 @@
       </p:sp>
       <p:pic>
         <p:nvPicPr>
-          <p:cNvPr id="188" name="" descr=""/>
+          <p:cNvPr id="267" name="" descr=""/>
           <p:cNvPicPr/>
           <p:nvPr/>
         </p:nvPicPr>
@@ -7196,7 +10568,7 @@
         <p:spPr>
           <a:xfrm>
             <a:off x="1994760" y="1260000"/>
-            <a:ext cx="6284880" cy="3936600"/>
+            <a:ext cx="6284160" cy="3935880"/>
           </a:xfrm>
           <a:prstGeom prst="rect">
             <a:avLst/>
@@ -7246,14 +10618,14 @@
       </p:grpSpPr>
       <p:sp>
         <p:nvSpPr>
-          <p:cNvPr id="189" name="CustomShape 1"/>
+          <p:cNvPr id="268" name="CustomShape 1"/>
           <p:cNvSpPr/>
           <p:nvPr/>
         </p:nvSpPr>
         <p:spPr>
           <a:xfrm>
             <a:off x="376920" y="132480"/>
-            <a:ext cx="9071280" cy="946440"/>
+            <a:ext cx="9070560" cy="945720"/>
           </a:xfrm>
           <a:prstGeom prst="rect">
             <a:avLst/>
@@ -7285,6 +10657,7 @@
                   <a:srgbClr val="ffffff"/>
                 </a:solidFill>
                 <a:latin typeface="Source Sans Pro Light"/>
+                <a:ea typeface="DejaVu Sans"/>
               </a:rPr>
               <a:t>Ubicación del archivo y tamaño</a:t>
             </a:r>
@@ -7296,14 +10669,14 @@
       </p:sp>
       <p:sp>
         <p:nvSpPr>
-          <p:cNvPr id="190" name="CustomShape 2"/>
+          <p:cNvPr id="269" name="CustomShape 2"/>
           <p:cNvSpPr/>
           <p:nvPr/>
         </p:nvSpPr>
         <p:spPr>
           <a:xfrm>
             <a:off x="596880" y="1659600"/>
-            <a:ext cx="9021600" cy="3497400"/>
+            <a:ext cx="9020880" cy="3496680"/>
           </a:xfrm>
           <a:prstGeom prst="rect">
             <a:avLst/>
@@ -7322,7 +10695,7 @@
       </p:sp>
       <p:pic>
         <p:nvPicPr>
-          <p:cNvPr id="191" name="" descr=""/>
+          <p:cNvPr id="270" name="" descr=""/>
           <p:cNvPicPr/>
           <p:nvPr/>
         </p:nvPicPr>
@@ -7333,7 +10706,7 @@
         <p:spPr>
           <a:xfrm>
             <a:off x="2051280" y="1356120"/>
-            <a:ext cx="6228360" cy="3929040"/>
+            <a:ext cx="6227640" cy="3928320"/>
           </a:xfrm>
           <a:prstGeom prst="rect">
             <a:avLst/>
@@ -7383,14 +10756,14 @@
       </p:grpSpPr>
       <p:sp>
         <p:nvSpPr>
-          <p:cNvPr id="192" name="CustomShape 1"/>
+          <p:cNvPr id="271" name="CustomShape 1"/>
           <p:cNvSpPr/>
           <p:nvPr/>
         </p:nvSpPr>
         <p:spPr>
           <a:xfrm>
             <a:off x="376920" y="132480"/>
-            <a:ext cx="9071280" cy="946440"/>
+            <a:ext cx="9070560" cy="945720"/>
           </a:xfrm>
           <a:prstGeom prst="rect">
             <a:avLst/>
@@ -7422,6 +10795,7 @@
                   <a:srgbClr val="ffffff"/>
                 </a:solidFill>
                 <a:latin typeface="Source Sans Pro Light"/>
+                <a:ea typeface="DejaVu Sans"/>
               </a:rPr>
               <a:t>La máquina virtual ha sido creada</a:t>
             </a:r>
@@ -7433,14 +10807,14 @@
       </p:sp>
       <p:sp>
         <p:nvSpPr>
-          <p:cNvPr id="193" name="CustomShape 2"/>
+          <p:cNvPr id="272" name="CustomShape 2"/>
           <p:cNvSpPr/>
           <p:nvPr/>
         </p:nvSpPr>
         <p:spPr>
           <a:xfrm>
             <a:off x="502920" y="1440000"/>
-            <a:ext cx="9021600" cy="3497400"/>
+            <a:ext cx="9020880" cy="3496680"/>
           </a:xfrm>
           <a:prstGeom prst="rect">
             <a:avLst/>
@@ -7459,7 +10833,7 @@
       </p:sp>
       <p:pic>
         <p:nvPicPr>
-          <p:cNvPr id="194" name="" descr=""/>
+          <p:cNvPr id="273" name="" descr=""/>
           <p:cNvPicPr/>
           <p:nvPr/>
         </p:nvPicPr>
@@ -7470,7 +10844,7 @@
         <p:spPr>
           <a:xfrm>
             <a:off x="1980000" y="1304640"/>
-            <a:ext cx="6161760" cy="3806280"/>
+            <a:ext cx="6161040" cy="3805560"/>
           </a:xfrm>
           <a:prstGeom prst="rect">
             <a:avLst/>
@@ -7520,14 +10894,14 @@
       </p:grpSpPr>
       <p:sp>
         <p:nvSpPr>
-          <p:cNvPr id="195" name="CustomShape 1"/>
+          <p:cNvPr id="274" name="CustomShape 1"/>
           <p:cNvSpPr/>
           <p:nvPr/>
         </p:nvSpPr>
         <p:spPr>
           <a:xfrm>
             <a:off x="376920" y="132480"/>
-            <a:ext cx="9071280" cy="946440"/>
+            <a:ext cx="9070560" cy="945720"/>
           </a:xfrm>
           <a:prstGeom prst="rect">
             <a:avLst/>
@@ -7559,6 +10933,7 @@
                   <a:srgbClr val="ffffff"/>
                 </a:solidFill>
                 <a:latin typeface="Source Sans Pro Light"/>
+                <a:ea typeface="DejaVu Sans"/>
               </a:rPr>
               <a:t>Obtención del archivo iso para la instalación de Debian GNU/Linux</a:t>
             </a:r>
@@ -7570,14 +10945,14 @@
       </p:sp>
       <p:sp>
         <p:nvSpPr>
-          <p:cNvPr id="196" name="CustomShape 2"/>
+          <p:cNvPr id="275" name="CustomShape 2"/>
           <p:cNvSpPr/>
           <p:nvPr/>
         </p:nvSpPr>
         <p:spPr>
           <a:xfrm>
             <a:off x="502920" y="1440000"/>
-            <a:ext cx="9021600" cy="3497400"/>
+            <a:ext cx="9020880" cy="3496680"/>
           </a:xfrm>
           <a:prstGeom prst="rect">
             <a:avLst/>
@@ -7598,7 +10973,7 @@
             <a:normAutofit/>
           </a:bodyPr>
           <a:p>
-            <a:pPr marL="432000" indent="-323640">
+            <a:pPr marL="432000" indent="-322920">
               <a:lnSpc>
                 <a:spcPct val="100000"/>
               </a:lnSpc>
@@ -7614,7 +10989,11 @@
             </a:pPr>
             <a:r>
               <a:rPr b="0" lang="de-AT" sz="2400" spc="-1" strike="noStrike">
+                <a:solidFill>
+                  <a:srgbClr val="000000"/>
+                </a:solidFill>
                 <a:latin typeface="Source Sans Pro"/>
+                <a:ea typeface="DejaVu Sans"/>
               </a:rPr>
               <a:t>URL para descargar archivo iso de instalación de Debian GNU/Linux</a:t>
             </a:r>
@@ -7623,7 +11002,7 @@
             </a:endParaRPr>
           </a:p>
           <a:p>
-            <a:pPr marL="432000" indent="-323640">
+            <a:pPr marL="432000" indent="-322920">
               <a:lnSpc>
                 <a:spcPct val="100000"/>
               </a:lnSpc>
@@ -7644,6 +11023,7 @@
                 </a:solidFill>
                 <a:uFillTx/>
                 <a:latin typeface="Source Sans Pro"/>
+                <a:ea typeface="DejaVu Sans"/>
                 <a:hlinkClick r:id="rId2"/>
               </a:rPr>
               <a:t>https://cdimage.debian.org/cdimage/unofficial/non-free/cd-including-firmware/11.2.0+nonfree/amd64/iso-cd/</a:t>
@@ -7653,7 +11033,7 @@
             </a:endParaRPr>
           </a:p>
           <a:p>
-            <a:pPr marL="432000" indent="-323640">
+            <a:pPr marL="432000" indent="-322920">
               <a:lnSpc>
                 <a:spcPct val="100000"/>
               </a:lnSpc>
@@ -7673,6 +11053,7 @@
                   <a:srgbClr val="0000ff"/>
                 </a:solidFill>
                 <a:latin typeface="Source Sans Pro"/>
+                <a:ea typeface="DejaVu Sans"/>
               </a:rPr>
               <a:t>Para descargar un archivo iso de cdrom, </a:t>
             </a:r>
@@ -7681,7 +11062,7 @@
             </a:endParaRPr>
           </a:p>
           <a:p>
-            <a:pPr marL="432000" indent="-323640">
+            <a:pPr marL="432000" indent="-322920">
               <a:lnSpc>
                 <a:spcPct val="100000"/>
               </a:lnSpc>
@@ -7701,6 +11082,7 @@
                   <a:srgbClr val="0000ff"/>
                 </a:solidFill>
                 <a:latin typeface="Source Sans Pro"/>
+                <a:ea typeface="DejaVu Sans"/>
               </a:rPr>
               <a:t>firmware-11.2.0-amd64-netinst.iso</a:t>
             </a:r>
@@ -7709,7 +11091,7 @@
             </a:endParaRPr>
           </a:p>
           <a:p>
-            <a:pPr marL="432000" indent="-323640">
+            <a:pPr marL="432000" indent="-322920">
               <a:lnSpc>
                 <a:spcPct val="100000"/>
               </a:lnSpc>
@@ -7729,6 +11111,7 @@
                   <a:srgbClr val="0000ff"/>
                 </a:solidFill>
                 <a:latin typeface="Source Sans Pro"/>
+                <a:ea typeface="DejaVu Sans"/>
               </a:rPr>
               <a:t>O bien</a:t>
             </a:r>
@@ -7737,7 +11120,7 @@
             </a:endParaRPr>
           </a:p>
           <a:p>
-            <a:pPr marL="432000" indent="-323640">
+            <a:pPr marL="432000" indent="-322920">
               <a:lnSpc>
                 <a:spcPct val="100000"/>
               </a:lnSpc>
@@ -7758,6 +11141,7 @@
                 </a:solidFill>
                 <a:uFillTx/>
                 <a:latin typeface="Source Sans Pro"/>
+                <a:ea typeface="DejaVu Sans"/>
                 <a:hlinkClick r:id="rId3"/>
               </a:rPr>
               <a:t>https://cdimage.debian.org/cdimage/unofficial/non-free/cd-including-firmware/11.2.0+nonfree/amd64/iso-dvd/</a:t>
@@ -7767,7 +11151,7 @@
             </a:endParaRPr>
           </a:p>
           <a:p>
-            <a:pPr marL="432000" indent="-323640">
+            <a:pPr marL="432000" indent="-322920">
               <a:lnSpc>
                 <a:spcPct val="100000"/>
               </a:lnSpc>
@@ -7787,6 +11171,7 @@
                   <a:srgbClr val="0000ff"/>
                 </a:solidFill>
                 <a:latin typeface="Source Sans Pro"/>
+                <a:ea typeface="DejaVu Sans"/>
               </a:rPr>
               <a:t>Para descargar un archivo iso de dvd</a:t>
             </a:r>
@@ -7849,14 +11234,14 @@
       </p:grpSpPr>
       <p:sp>
         <p:nvSpPr>
-          <p:cNvPr id="197" name="CustomShape 1"/>
+          <p:cNvPr id="276" name="CustomShape 1"/>
           <p:cNvSpPr/>
           <p:nvPr/>
         </p:nvSpPr>
         <p:spPr>
           <a:xfrm>
             <a:off x="376920" y="132480"/>
-            <a:ext cx="9071280" cy="946440"/>
+            <a:ext cx="9070560" cy="945720"/>
           </a:xfrm>
           <a:prstGeom prst="rect">
             <a:avLst/>
@@ -7888,8 +11273,9 @@
                   <a:srgbClr val="ffffff"/>
                 </a:solidFill>
                 <a:latin typeface="Source Sans Pro Light"/>
+                <a:ea typeface="DejaVu Sans"/>
               </a:rPr>
-              <a:t>Proceso de Instalación de Debian GNU/Linux</a:t>
+              <a:t>Instalación de Debian GNU/Linux</a:t>
             </a:r>
             <a:endParaRPr b="0" lang="es-MX" sz="4500" spc="-1" strike="noStrike">
               <a:latin typeface="Arial"/>
@@ -7899,14 +11285,14 @@
       </p:sp>
       <p:sp>
         <p:nvSpPr>
-          <p:cNvPr id="198" name="CustomShape 2"/>
+          <p:cNvPr id="277" name="CustomShape 2"/>
           <p:cNvSpPr/>
           <p:nvPr/>
         </p:nvSpPr>
         <p:spPr>
           <a:xfrm>
             <a:off x="502920" y="1440000"/>
-            <a:ext cx="9021600" cy="3497400"/>
+            <a:ext cx="9020880" cy="3496680"/>
           </a:xfrm>
           <a:prstGeom prst="rect">
             <a:avLst/>
@@ -7927,7 +11313,7 @@
             <a:normAutofit/>
           </a:bodyPr>
           <a:p>
-            <a:pPr marL="432000" indent="-323640">
+            <a:pPr marL="432000" indent="-322920">
               <a:lnSpc>
                 <a:spcPct val="100000"/>
               </a:lnSpc>
@@ -7947,6 +11333,7 @@
                   <a:srgbClr val="0000ff"/>
                 </a:solidFill>
                 <a:latin typeface="Source Sans Pro"/>
+                <a:ea typeface="DejaVu Sans"/>
               </a:rPr>
               <a:t> </a:t>
             </a:r>
@@ -7969,6 +11356,29 @@
           </a:p>
         </p:txBody>
       </p:sp>
+      <p:pic>
+        <p:nvPicPr>
+          <p:cNvPr id="278" name="" descr=""/>
+          <p:cNvPicPr/>
+          <p:nvPr/>
+        </p:nvPicPr>
+        <p:blipFill>
+          <a:blip r:embed="rId2"/>
+          <a:stretch/>
+        </p:blipFill>
+        <p:spPr>
+          <a:xfrm>
+            <a:off x="2466000" y="1101960"/>
+            <a:ext cx="5223960" cy="4485960"/>
+          </a:xfrm>
+          <a:prstGeom prst="rect">
+            <a:avLst/>
+          </a:prstGeom>
+          <a:ln w="0">
+            <a:noFill/>
+          </a:ln>
+        </p:spPr>
+      </p:pic>
     </p:spTree>
   </p:cSld>
   <mc:AlternateContent>
@@ -7985,6 +11395,14 @@
 <file path=ppt/slides/slide17.xml><?xml version="1.0" encoding="utf-8"?>
 <p:sld xmlns:a="http://schemas.openxmlformats.org/drawingml/2006/main" xmlns:p="http://schemas.openxmlformats.org/presentationml/2006/main" xmlns:r="http://schemas.openxmlformats.org/officeDocument/2006/relationships" xmlns:p14="http://schemas.microsoft.com/office/powerpoint/2010/main" xmlns:p15="http://schemas.microsoft.com/office/powerpoint/2012/main" xmlns:mc="http://schemas.openxmlformats.org/markup-compatibility/2006">
   <p:cSld>
+    <p:bg>
+      <p:bgPr>
+        <a:blipFill rotWithShape="0">
+          <a:blip r:embed="rId1"/>
+          <a:stretch/>
+        </a:blipFill>
+      </p:bgPr>
+    </p:bg>
     <p:spTree>
       <p:nvGrpSpPr>
         <p:cNvPr id="1" name=""/>
@@ -8001,14 +11419,14 @@
       </p:grpSpPr>
       <p:sp>
         <p:nvSpPr>
-          <p:cNvPr id="199" name="CustomShape 1"/>
+          <p:cNvPr id="279" name="CustomShape 1"/>
           <p:cNvSpPr/>
           <p:nvPr/>
         </p:nvSpPr>
         <p:spPr>
           <a:xfrm>
-            <a:off x="502920" y="630720"/>
-            <a:ext cx="9071280" cy="4388400"/>
+            <a:off x="376920" y="132480"/>
+            <a:ext cx="9070560" cy="945720"/>
           </a:xfrm>
           <a:prstGeom prst="rect">
             <a:avLst/>
@@ -8024,7 +11442,498 @@
           <a:effectRef idx="0"/>
           <a:fontRef idx="minor"/>
         </p:style>
-      </p:sp>
+        <p:txBody>
+          <a:bodyPr lIns="0" rIns="0" tIns="0" bIns="0" anchor="b">
+            <a:normAutofit fontScale="59000"/>
+          </a:bodyPr>
+          <a:p>
+            <a:pPr>
+              <a:lnSpc>
+                <a:spcPct val="100000"/>
+              </a:lnSpc>
+            </a:pPr>
+            <a:r>
+              <a:rPr b="0" lang="de-AT" sz="4500" spc="-1" strike="noStrike">
+                <a:solidFill>
+                  <a:srgbClr val="ffffff"/>
+                </a:solidFill>
+                <a:latin typeface="Source Sans Pro Light"/>
+                <a:ea typeface="DejaVu Sans"/>
+              </a:rPr>
+              <a:t>Instalación de Debian GNU/Linux</a:t>
+            </a:r>
+            <a:endParaRPr b="0" lang="es-MX" sz="4500" spc="-1" strike="noStrike">
+              <a:latin typeface="Arial"/>
+            </a:endParaRPr>
+          </a:p>
+        </p:txBody>
+      </p:sp>
+      <p:sp>
+        <p:nvSpPr>
+          <p:cNvPr id="280" name="CustomShape 2"/>
+          <p:cNvSpPr/>
+          <p:nvPr/>
+        </p:nvSpPr>
+        <p:spPr>
+          <a:xfrm>
+            <a:off x="502920" y="1440000"/>
+            <a:ext cx="9020880" cy="3496680"/>
+          </a:xfrm>
+          <a:prstGeom prst="rect">
+            <a:avLst/>
+          </a:prstGeom>
+          <a:noFill/>
+          <a:ln w="0">
+            <a:noFill/>
+          </a:ln>
+        </p:spPr>
+        <p:style>
+          <a:lnRef idx="0"/>
+          <a:fillRef idx="0"/>
+          <a:effectRef idx="0"/>
+          <a:fontRef idx="minor"/>
+        </p:style>
+        <p:txBody>
+          <a:bodyPr lIns="0" rIns="0" tIns="0" bIns="0">
+            <a:normAutofit/>
+          </a:bodyPr>
+          <a:p>
+            <a:pPr marL="432000" indent="-322920">
+              <a:lnSpc>
+                <a:spcPct val="100000"/>
+              </a:lnSpc>
+              <a:spcAft>
+                <a:spcPts val="1054"/>
+              </a:spcAft>
+              <a:buClr>
+                <a:srgbClr val="009eda"/>
+              </a:buClr>
+              <a:buSzPct val="45000"/>
+              <a:buFont typeface="Wingdings" charset="2"/>
+              <a:buChar char=""/>
+            </a:pPr>
+            <a:r>
+              <a:rPr b="0" lang="de-AT" sz="2400" spc="-1" strike="noStrike">
+                <a:solidFill>
+                  <a:srgbClr val="0000ff"/>
+                </a:solidFill>
+                <a:latin typeface="Source Sans Pro"/>
+                <a:ea typeface="DejaVu Sans"/>
+              </a:rPr>
+              <a:t> </a:t>
+            </a:r>
+            <a:endParaRPr b="0" lang="es-MX" sz="2400" spc="-1" strike="noStrike">
+              <a:latin typeface="Arial"/>
+            </a:endParaRPr>
+          </a:p>
+          <a:p>
+            <a:pPr>
+              <a:lnSpc>
+                <a:spcPct val="100000"/>
+              </a:lnSpc>
+              <a:spcAft>
+                <a:spcPts val="1054"/>
+              </a:spcAft>
+            </a:pPr>
+            <a:endParaRPr b="0" lang="es-MX" sz="2400" spc="-1" strike="noStrike">
+              <a:latin typeface="Arial"/>
+            </a:endParaRPr>
+          </a:p>
+        </p:txBody>
+      </p:sp>
+      <p:pic>
+        <p:nvPicPr>
+          <p:cNvPr id="281" name="" descr=""/>
+          <p:cNvPicPr/>
+          <p:nvPr/>
+        </p:nvPicPr>
+        <p:blipFill>
+          <a:blip r:embed="rId2"/>
+          <a:stretch/>
+        </p:blipFill>
+        <p:spPr>
+          <a:xfrm>
+            <a:off x="2564280" y="1157760"/>
+            <a:ext cx="5175720" cy="4422240"/>
+          </a:xfrm>
+          <a:prstGeom prst="rect">
+            <a:avLst/>
+          </a:prstGeom>
+          <a:ln w="0">
+            <a:noFill/>
+          </a:ln>
+        </p:spPr>
+      </p:pic>
+    </p:spTree>
+  </p:cSld>
+  <mc:AlternateContent>
+    <mc:Choice Requires="p14">
+      <p:transition spd="slow" p14:dur="2000"/>
+    </mc:Choice>
+    <mc:Fallback>
+      <p:transition spd="slow"/>
+    </mc:Fallback>
+  </mc:AlternateContent>
+</p:sld>
+</file>
+
+<file path=ppt/slides/slide18.xml><?xml version="1.0" encoding="utf-8"?>
+<p:sld xmlns:a="http://schemas.openxmlformats.org/drawingml/2006/main" xmlns:p="http://schemas.openxmlformats.org/presentationml/2006/main" xmlns:r="http://schemas.openxmlformats.org/officeDocument/2006/relationships" xmlns:p14="http://schemas.microsoft.com/office/powerpoint/2010/main" xmlns:p15="http://schemas.microsoft.com/office/powerpoint/2012/main" xmlns:mc="http://schemas.openxmlformats.org/markup-compatibility/2006">
+  <p:cSld>
+    <p:bg>
+      <p:bgPr>
+        <a:blipFill rotWithShape="0">
+          <a:blip r:embed="rId1"/>
+          <a:stretch/>
+        </a:blipFill>
+      </p:bgPr>
+    </p:bg>
+    <p:spTree>
+      <p:nvGrpSpPr>
+        <p:cNvPr id="1" name=""/>
+        <p:cNvGrpSpPr/>
+        <p:nvPr/>
+      </p:nvGrpSpPr>
+      <p:grpSpPr>
+        <a:xfrm>
+          <a:off x="0" y="0"/>
+          <a:ext cx="0" cy="0"/>
+          <a:chOff x="0" y="0"/>
+          <a:chExt cx="0" cy="0"/>
+        </a:xfrm>
+      </p:grpSpPr>
+      <p:sp>
+        <p:nvSpPr>
+          <p:cNvPr id="282" name="CustomShape 1"/>
+          <p:cNvSpPr/>
+          <p:nvPr/>
+        </p:nvSpPr>
+        <p:spPr>
+          <a:xfrm>
+            <a:off x="376920" y="132480"/>
+            <a:ext cx="9070560" cy="945720"/>
+          </a:xfrm>
+          <a:prstGeom prst="rect">
+            <a:avLst/>
+          </a:prstGeom>
+          <a:noFill/>
+          <a:ln w="0">
+            <a:noFill/>
+          </a:ln>
+        </p:spPr>
+        <p:style>
+          <a:lnRef idx="0"/>
+          <a:fillRef idx="0"/>
+          <a:effectRef idx="0"/>
+          <a:fontRef idx="minor"/>
+        </p:style>
+        <p:txBody>
+          <a:bodyPr lIns="0" rIns="0" tIns="0" bIns="0" anchor="b">
+            <a:normAutofit fontScale="59000"/>
+          </a:bodyPr>
+          <a:p>
+            <a:pPr>
+              <a:lnSpc>
+                <a:spcPct val="100000"/>
+              </a:lnSpc>
+            </a:pPr>
+            <a:r>
+              <a:rPr b="0" lang="de-AT" sz="4500" spc="-1" strike="noStrike">
+                <a:solidFill>
+                  <a:srgbClr val="ffffff"/>
+                </a:solidFill>
+                <a:latin typeface="Source Sans Pro Light"/>
+                <a:ea typeface="DejaVu Sans"/>
+              </a:rPr>
+              <a:t>Instalación de Debian GNU/Linux</a:t>
+            </a:r>
+            <a:endParaRPr b="0" lang="es-MX" sz="4500" spc="-1" strike="noStrike">
+              <a:latin typeface="Arial"/>
+            </a:endParaRPr>
+          </a:p>
+        </p:txBody>
+      </p:sp>
+      <p:sp>
+        <p:nvSpPr>
+          <p:cNvPr id="283" name="CustomShape 2"/>
+          <p:cNvSpPr/>
+          <p:nvPr/>
+        </p:nvSpPr>
+        <p:spPr>
+          <a:xfrm>
+            <a:off x="502920" y="1440000"/>
+            <a:ext cx="9020880" cy="3496680"/>
+          </a:xfrm>
+          <a:prstGeom prst="rect">
+            <a:avLst/>
+          </a:prstGeom>
+          <a:noFill/>
+          <a:ln w="0">
+            <a:noFill/>
+          </a:ln>
+        </p:spPr>
+        <p:style>
+          <a:lnRef idx="0"/>
+          <a:fillRef idx="0"/>
+          <a:effectRef idx="0"/>
+          <a:fontRef idx="minor"/>
+        </p:style>
+        <p:txBody>
+          <a:bodyPr lIns="0" rIns="0" tIns="0" bIns="0">
+            <a:normAutofit/>
+          </a:bodyPr>
+          <a:p>
+            <a:pPr marL="432000" indent="-322920">
+              <a:lnSpc>
+                <a:spcPct val="100000"/>
+              </a:lnSpc>
+              <a:spcAft>
+                <a:spcPts val="1054"/>
+              </a:spcAft>
+              <a:buClr>
+                <a:srgbClr val="009eda"/>
+              </a:buClr>
+              <a:buSzPct val="45000"/>
+              <a:buFont typeface="Wingdings" charset="2"/>
+              <a:buChar char=""/>
+            </a:pPr>
+            <a:r>
+              <a:rPr b="0" lang="de-AT" sz="2400" spc="-1" strike="noStrike">
+                <a:solidFill>
+                  <a:srgbClr val="0000ff"/>
+                </a:solidFill>
+                <a:latin typeface="Source Sans Pro"/>
+                <a:ea typeface="DejaVu Sans"/>
+              </a:rPr>
+              <a:t> </a:t>
+            </a:r>
+            <a:endParaRPr b="0" lang="es-MX" sz="2400" spc="-1" strike="noStrike">
+              <a:latin typeface="Arial"/>
+            </a:endParaRPr>
+          </a:p>
+          <a:p>
+            <a:pPr>
+              <a:lnSpc>
+                <a:spcPct val="100000"/>
+              </a:lnSpc>
+              <a:spcAft>
+                <a:spcPts val="1054"/>
+              </a:spcAft>
+            </a:pPr>
+            <a:endParaRPr b="0" lang="es-MX" sz="2400" spc="-1" strike="noStrike">
+              <a:latin typeface="Arial"/>
+            </a:endParaRPr>
+          </a:p>
+        </p:txBody>
+      </p:sp>
+      <p:pic>
+        <p:nvPicPr>
+          <p:cNvPr id="284" name="" descr=""/>
+          <p:cNvPicPr/>
+          <p:nvPr/>
+        </p:nvPicPr>
+        <p:blipFill>
+          <a:blip r:embed="rId2"/>
+          <a:stretch/>
+        </p:blipFill>
+        <p:spPr>
+          <a:xfrm>
+            <a:off x="2643480" y="1130400"/>
+            <a:ext cx="5146560" cy="4436280"/>
+          </a:xfrm>
+          <a:prstGeom prst="rect">
+            <a:avLst/>
+          </a:prstGeom>
+          <a:ln w="0">
+            <a:noFill/>
+          </a:ln>
+        </p:spPr>
+      </p:pic>
+    </p:spTree>
+  </p:cSld>
+  <mc:AlternateContent>
+    <mc:Choice Requires="p14">
+      <p:transition spd="slow" p14:dur="2000"/>
+    </mc:Choice>
+    <mc:Fallback>
+      <p:transition spd="slow"/>
+    </mc:Fallback>
+  </mc:AlternateContent>
+</p:sld>
+</file>
+
+<file path=ppt/slides/slide19.xml><?xml version="1.0" encoding="utf-8"?>
+<p:sld xmlns:a="http://schemas.openxmlformats.org/drawingml/2006/main" xmlns:p="http://schemas.openxmlformats.org/presentationml/2006/main" xmlns:r="http://schemas.openxmlformats.org/officeDocument/2006/relationships" xmlns:p14="http://schemas.microsoft.com/office/powerpoint/2010/main" xmlns:p15="http://schemas.microsoft.com/office/powerpoint/2012/main" xmlns:mc="http://schemas.openxmlformats.org/markup-compatibility/2006">
+  <p:cSld>
+    <p:bg>
+      <p:bgPr>
+        <a:blipFill rotWithShape="0">
+          <a:blip r:embed="rId1"/>
+          <a:stretch/>
+        </a:blipFill>
+      </p:bgPr>
+    </p:bg>
+    <p:spTree>
+      <p:nvGrpSpPr>
+        <p:cNvPr id="1" name=""/>
+        <p:cNvGrpSpPr/>
+        <p:nvPr/>
+      </p:nvGrpSpPr>
+      <p:grpSpPr>
+        <a:xfrm>
+          <a:off x="0" y="0"/>
+          <a:ext cx="0" cy="0"/>
+          <a:chOff x="0" y="0"/>
+          <a:chExt cx="0" cy="0"/>
+        </a:xfrm>
+      </p:grpSpPr>
+      <p:sp>
+        <p:nvSpPr>
+          <p:cNvPr id="285" name="CustomShape 1"/>
+          <p:cNvSpPr/>
+          <p:nvPr/>
+        </p:nvSpPr>
+        <p:spPr>
+          <a:xfrm>
+            <a:off x="376920" y="132480"/>
+            <a:ext cx="9070560" cy="945720"/>
+          </a:xfrm>
+          <a:prstGeom prst="rect">
+            <a:avLst/>
+          </a:prstGeom>
+          <a:noFill/>
+          <a:ln w="0">
+            <a:noFill/>
+          </a:ln>
+        </p:spPr>
+        <p:style>
+          <a:lnRef idx="0"/>
+          <a:fillRef idx="0"/>
+          <a:effectRef idx="0"/>
+          <a:fontRef idx="minor"/>
+        </p:style>
+        <p:txBody>
+          <a:bodyPr lIns="0" rIns="0" tIns="0" bIns="0" anchor="b">
+            <a:normAutofit fontScale="59000"/>
+          </a:bodyPr>
+          <a:p>
+            <a:pPr>
+              <a:lnSpc>
+                <a:spcPct val="100000"/>
+              </a:lnSpc>
+            </a:pPr>
+            <a:r>
+              <a:rPr b="0" lang="de-AT" sz="4500" spc="-1" strike="noStrike">
+                <a:solidFill>
+                  <a:srgbClr val="ffffff"/>
+                </a:solidFill>
+                <a:latin typeface="Source Sans Pro Light"/>
+                <a:ea typeface="DejaVu Sans"/>
+              </a:rPr>
+              <a:t>Instalación de Debian GNU/Linux</a:t>
+            </a:r>
+            <a:endParaRPr b="0" lang="es-MX" sz="4500" spc="-1" strike="noStrike">
+              <a:latin typeface="Arial"/>
+            </a:endParaRPr>
+          </a:p>
+        </p:txBody>
+      </p:sp>
+      <p:sp>
+        <p:nvSpPr>
+          <p:cNvPr id="286" name="CustomShape 2"/>
+          <p:cNvSpPr/>
+          <p:nvPr/>
+        </p:nvSpPr>
+        <p:spPr>
+          <a:xfrm>
+            <a:off x="502920" y="1440000"/>
+            <a:ext cx="9020880" cy="3496680"/>
+          </a:xfrm>
+          <a:prstGeom prst="rect">
+            <a:avLst/>
+          </a:prstGeom>
+          <a:noFill/>
+          <a:ln w="0">
+            <a:noFill/>
+          </a:ln>
+        </p:spPr>
+        <p:style>
+          <a:lnRef idx="0"/>
+          <a:fillRef idx="0"/>
+          <a:effectRef idx="0"/>
+          <a:fontRef idx="minor"/>
+        </p:style>
+        <p:txBody>
+          <a:bodyPr lIns="0" rIns="0" tIns="0" bIns="0">
+            <a:normAutofit/>
+          </a:bodyPr>
+          <a:p>
+            <a:pPr marL="432000" indent="-322920">
+              <a:lnSpc>
+                <a:spcPct val="100000"/>
+              </a:lnSpc>
+              <a:spcAft>
+                <a:spcPts val="1054"/>
+              </a:spcAft>
+              <a:buClr>
+                <a:srgbClr val="009eda"/>
+              </a:buClr>
+              <a:buSzPct val="45000"/>
+              <a:buFont typeface="Wingdings" charset="2"/>
+              <a:buChar char=""/>
+            </a:pPr>
+            <a:r>
+              <a:rPr b="0" lang="de-AT" sz="2400" spc="-1" strike="noStrike">
+                <a:solidFill>
+                  <a:srgbClr val="0000ff"/>
+                </a:solidFill>
+                <a:latin typeface="Source Sans Pro"/>
+                <a:ea typeface="DejaVu Sans"/>
+              </a:rPr>
+              <a:t> </a:t>
+            </a:r>
+            <a:endParaRPr b="0" lang="es-MX" sz="2400" spc="-1" strike="noStrike">
+              <a:latin typeface="Arial"/>
+            </a:endParaRPr>
+          </a:p>
+          <a:p>
+            <a:pPr>
+              <a:lnSpc>
+                <a:spcPct val="100000"/>
+              </a:lnSpc>
+              <a:spcAft>
+                <a:spcPts val="1054"/>
+              </a:spcAft>
+            </a:pPr>
+            <a:endParaRPr b="0" lang="es-MX" sz="2400" spc="-1" strike="noStrike">
+              <a:latin typeface="Arial"/>
+            </a:endParaRPr>
+          </a:p>
+        </p:txBody>
+      </p:sp>
+      <p:pic>
+        <p:nvPicPr>
+          <p:cNvPr id="287" name="" descr=""/>
+          <p:cNvPicPr/>
+          <p:nvPr/>
+        </p:nvPicPr>
+        <p:blipFill>
+          <a:blip r:embed="rId2"/>
+          <a:stretch/>
+        </p:blipFill>
+        <p:spPr>
+          <a:xfrm>
+            <a:off x="2507760" y="1144800"/>
+            <a:ext cx="5176800" cy="4421520"/>
+          </a:xfrm>
+          <a:prstGeom prst="rect">
+            <a:avLst/>
+          </a:prstGeom>
+          <a:ln w="0">
+            <a:noFill/>
+          </a:ln>
+        </p:spPr>
+      </p:pic>
     </p:spTree>
   </p:cSld>
   <mc:AlternateContent>
@@ -8065,14 +11974,14 @@
       </p:grpSpPr>
       <p:sp>
         <p:nvSpPr>
-          <p:cNvPr id="159" name="CustomShape 1"/>
+          <p:cNvPr id="238" name="CustomShape 1"/>
           <p:cNvSpPr/>
           <p:nvPr/>
         </p:nvSpPr>
         <p:spPr>
           <a:xfrm>
             <a:off x="502920" y="90720"/>
-            <a:ext cx="9071280" cy="946440"/>
+            <a:ext cx="9070560" cy="945720"/>
           </a:xfrm>
           <a:prstGeom prst="rect">
             <a:avLst/>
@@ -8104,6 +12013,7 @@
                   <a:srgbClr val="ffffff"/>
                 </a:solidFill>
                 <a:latin typeface="Source Sans Pro Light"/>
+                <a:ea typeface="DejaVu Sans"/>
               </a:rPr>
               <a:t>Algunos entornos de desarrollo</a:t>
             </a:r>
@@ -8115,14 +12025,14 @@
       </p:sp>
       <p:sp>
         <p:nvSpPr>
-          <p:cNvPr id="160" name="CustomShape 2"/>
+          <p:cNvPr id="239" name="CustomShape 2"/>
           <p:cNvSpPr/>
           <p:nvPr/>
         </p:nvSpPr>
         <p:spPr>
           <a:xfrm>
             <a:off x="502920" y="1440000"/>
-            <a:ext cx="9021600" cy="3497400"/>
+            <a:ext cx="9020880" cy="3496680"/>
           </a:xfrm>
           <a:prstGeom prst="rect">
             <a:avLst/>
@@ -8143,7 +12053,7 @@
             <a:normAutofit/>
           </a:bodyPr>
           <a:p>
-            <a:pPr marL="432000" indent="-323640">
+            <a:pPr marL="432000" indent="-322920">
               <a:lnSpc>
                 <a:spcPct val="100000"/>
               </a:lnSpc>
@@ -8159,7 +12069,11 @@
             </a:pPr>
             <a:r>
               <a:rPr b="0" lang="de-AT" sz="2400" spc="-1" strike="noStrike">
+                <a:solidFill>
+                  <a:srgbClr val="000000"/>
+                </a:solidFill>
                 <a:latin typeface="Source Sans Pro"/>
+                <a:ea typeface="DejaVu Sans"/>
               </a:rPr>
               <a:t>Con la finalidad de utilizar algunas de las herramientas del toolchain de GNU, algunas posibilidades son</a:t>
             </a:r>
@@ -8168,7 +12082,7 @@
             </a:endParaRPr>
           </a:p>
           <a:p>
-            <a:pPr marL="432000" indent="-323640">
+            <a:pPr marL="432000" indent="-322920">
               <a:lnSpc>
                 <a:spcPct val="100000"/>
               </a:lnSpc>
@@ -8184,7 +12098,11 @@
             </a:pPr>
             <a:r>
               <a:rPr b="0" lang="de-AT" sz="2400" spc="-1" strike="noStrike">
+                <a:solidFill>
+                  <a:srgbClr val="000000"/>
+                </a:solidFill>
                 <a:latin typeface="Source Sans Pro"/>
+                <a:ea typeface="DejaVu Sans"/>
               </a:rPr>
               <a:t>Instalar Debian GNU/Linux en una máquina virtual de virtualbox.</a:t>
             </a:r>
@@ -8193,7 +12111,7 @@
             </a:endParaRPr>
           </a:p>
           <a:p>
-            <a:pPr marL="432000" indent="-323640">
+            <a:pPr marL="432000" indent="-322920">
               <a:lnSpc>
                 <a:spcPct val="100000"/>
               </a:lnSpc>
@@ -8209,7 +12127,11 @@
             </a:pPr>
             <a:r>
               <a:rPr b="0" lang="de-AT" sz="2400" spc="-1" strike="noStrike">
+                <a:solidFill>
+                  <a:srgbClr val="000000"/>
+                </a:solidFill>
                 <a:latin typeface="Source Sans Pro"/>
+                <a:ea typeface="DejaVu Sans"/>
               </a:rPr>
               <a:t>Instalar la aplicación Debian GNU/Linux disponible gratuitamente en la Microsoft Store.</a:t>
             </a:r>
@@ -8218,7 +12140,7 @@
             </a:endParaRPr>
           </a:p>
           <a:p>
-            <a:pPr marL="432000" indent="-323640">
+            <a:pPr marL="432000" indent="-322920">
               <a:lnSpc>
                 <a:spcPct val="100000"/>
               </a:lnSpc>
@@ -8234,7 +12156,11 @@
             </a:pPr>
             <a:r>
               <a:rPr b="0" lang="de-AT" sz="2400" spc="-1" strike="noStrike">
+                <a:solidFill>
+                  <a:srgbClr val="000000"/>
+                </a:solidFill>
                 <a:latin typeface="Source Sans Pro"/>
+                <a:ea typeface="DejaVu Sans"/>
               </a:rPr>
               <a:t>Instalar Debian GNU/Linux en una partición del disco duro de una computadora personal (PC).</a:t>
             </a:r>
@@ -8244,6 +12170,1856 @@
           </a:p>
         </p:txBody>
       </p:sp>
+    </p:spTree>
+  </p:cSld>
+  <mc:AlternateContent>
+    <mc:Choice Requires="p14">
+      <p:transition spd="slow" p14:dur="2000"/>
+    </mc:Choice>
+    <mc:Fallback>
+      <p:transition spd="slow"/>
+    </mc:Fallback>
+  </mc:AlternateContent>
+</p:sld>
+</file>
+
+<file path=ppt/slides/slide20.xml><?xml version="1.0" encoding="utf-8"?>
+<p:sld xmlns:a="http://schemas.openxmlformats.org/drawingml/2006/main" xmlns:p="http://schemas.openxmlformats.org/presentationml/2006/main" xmlns:r="http://schemas.openxmlformats.org/officeDocument/2006/relationships" xmlns:p14="http://schemas.microsoft.com/office/powerpoint/2010/main" xmlns:p15="http://schemas.microsoft.com/office/powerpoint/2012/main" xmlns:mc="http://schemas.openxmlformats.org/markup-compatibility/2006">
+  <p:cSld>
+    <p:bg>
+      <p:bgPr>
+        <a:blipFill rotWithShape="0">
+          <a:blip r:embed="rId1"/>
+          <a:stretch/>
+        </a:blipFill>
+      </p:bgPr>
+    </p:bg>
+    <p:spTree>
+      <p:nvGrpSpPr>
+        <p:cNvPr id="1" name=""/>
+        <p:cNvGrpSpPr/>
+        <p:nvPr/>
+      </p:nvGrpSpPr>
+      <p:grpSpPr>
+        <a:xfrm>
+          <a:off x="0" y="0"/>
+          <a:ext cx="0" cy="0"/>
+          <a:chOff x="0" y="0"/>
+          <a:chExt cx="0" cy="0"/>
+        </a:xfrm>
+      </p:grpSpPr>
+      <p:sp>
+        <p:nvSpPr>
+          <p:cNvPr id="288" name="CustomShape 1"/>
+          <p:cNvSpPr/>
+          <p:nvPr/>
+        </p:nvSpPr>
+        <p:spPr>
+          <a:xfrm>
+            <a:off x="376920" y="132480"/>
+            <a:ext cx="9070560" cy="945720"/>
+          </a:xfrm>
+          <a:prstGeom prst="rect">
+            <a:avLst/>
+          </a:prstGeom>
+          <a:noFill/>
+          <a:ln w="0">
+            <a:noFill/>
+          </a:ln>
+        </p:spPr>
+        <p:style>
+          <a:lnRef idx="0"/>
+          <a:fillRef idx="0"/>
+          <a:effectRef idx="0"/>
+          <a:fontRef idx="minor"/>
+        </p:style>
+        <p:txBody>
+          <a:bodyPr lIns="0" rIns="0" tIns="0" bIns="0" anchor="b">
+            <a:normAutofit fontScale="59000"/>
+          </a:bodyPr>
+          <a:p>
+            <a:pPr>
+              <a:lnSpc>
+                <a:spcPct val="100000"/>
+              </a:lnSpc>
+            </a:pPr>
+            <a:r>
+              <a:rPr b="0" lang="de-AT" sz="4500" spc="-1" strike="noStrike">
+                <a:solidFill>
+                  <a:srgbClr val="ffffff"/>
+                </a:solidFill>
+                <a:latin typeface="Source Sans Pro Light"/>
+                <a:ea typeface="DejaVu Sans"/>
+              </a:rPr>
+              <a:t>Instalación de Debian GNU/Linux</a:t>
+            </a:r>
+            <a:endParaRPr b="0" lang="es-MX" sz="4500" spc="-1" strike="noStrike">
+              <a:latin typeface="Arial"/>
+            </a:endParaRPr>
+          </a:p>
+        </p:txBody>
+      </p:sp>
+      <p:sp>
+        <p:nvSpPr>
+          <p:cNvPr id="289" name="CustomShape 2"/>
+          <p:cNvSpPr/>
+          <p:nvPr/>
+        </p:nvSpPr>
+        <p:spPr>
+          <a:xfrm>
+            <a:off x="502920" y="1440000"/>
+            <a:ext cx="9020880" cy="3496680"/>
+          </a:xfrm>
+          <a:prstGeom prst="rect">
+            <a:avLst/>
+          </a:prstGeom>
+          <a:noFill/>
+          <a:ln w="0">
+            <a:noFill/>
+          </a:ln>
+        </p:spPr>
+        <p:style>
+          <a:lnRef idx="0"/>
+          <a:fillRef idx="0"/>
+          <a:effectRef idx="0"/>
+          <a:fontRef idx="minor"/>
+        </p:style>
+        <p:txBody>
+          <a:bodyPr lIns="0" rIns="0" tIns="0" bIns="0">
+            <a:normAutofit/>
+          </a:bodyPr>
+          <a:p>
+            <a:pPr marL="432000" indent="-322920">
+              <a:lnSpc>
+                <a:spcPct val="100000"/>
+              </a:lnSpc>
+              <a:spcAft>
+                <a:spcPts val="1054"/>
+              </a:spcAft>
+              <a:buClr>
+                <a:srgbClr val="009eda"/>
+              </a:buClr>
+              <a:buSzPct val="45000"/>
+              <a:buFont typeface="Wingdings" charset="2"/>
+              <a:buChar char=""/>
+            </a:pPr>
+            <a:r>
+              <a:rPr b="0" lang="de-AT" sz="2400" spc="-1" strike="noStrike">
+                <a:solidFill>
+                  <a:srgbClr val="0000ff"/>
+                </a:solidFill>
+                <a:latin typeface="Source Sans Pro"/>
+                <a:ea typeface="DejaVu Sans"/>
+              </a:rPr>
+              <a:t> </a:t>
+            </a:r>
+            <a:endParaRPr b="0" lang="es-MX" sz="2400" spc="-1" strike="noStrike">
+              <a:latin typeface="Arial"/>
+            </a:endParaRPr>
+          </a:p>
+          <a:p>
+            <a:pPr>
+              <a:lnSpc>
+                <a:spcPct val="100000"/>
+              </a:lnSpc>
+              <a:spcAft>
+                <a:spcPts val="1054"/>
+              </a:spcAft>
+            </a:pPr>
+            <a:endParaRPr b="0" lang="es-MX" sz="2400" spc="-1" strike="noStrike">
+              <a:latin typeface="Arial"/>
+            </a:endParaRPr>
+          </a:p>
+        </p:txBody>
+      </p:sp>
+      <p:pic>
+        <p:nvPicPr>
+          <p:cNvPr id="290" name="" descr=""/>
+          <p:cNvPicPr/>
+          <p:nvPr/>
+        </p:nvPicPr>
+        <p:blipFill>
+          <a:blip r:embed="rId2"/>
+          <a:stretch/>
+        </p:blipFill>
+        <p:spPr>
+          <a:xfrm>
+            <a:off x="2580840" y="1134360"/>
+            <a:ext cx="5159160" cy="4430520"/>
+          </a:xfrm>
+          <a:prstGeom prst="rect">
+            <a:avLst/>
+          </a:prstGeom>
+          <a:ln w="0">
+            <a:noFill/>
+          </a:ln>
+        </p:spPr>
+      </p:pic>
+    </p:spTree>
+  </p:cSld>
+  <mc:AlternateContent>
+    <mc:Choice Requires="p14">
+      <p:transition spd="slow" p14:dur="2000"/>
+    </mc:Choice>
+    <mc:Fallback>
+      <p:transition spd="slow"/>
+    </mc:Fallback>
+  </mc:AlternateContent>
+</p:sld>
+</file>
+
+<file path=ppt/slides/slide21.xml><?xml version="1.0" encoding="utf-8"?>
+<p:sld xmlns:a="http://schemas.openxmlformats.org/drawingml/2006/main" xmlns:p="http://schemas.openxmlformats.org/presentationml/2006/main" xmlns:r="http://schemas.openxmlformats.org/officeDocument/2006/relationships" xmlns:p14="http://schemas.microsoft.com/office/powerpoint/2010/main" xmlns:p15="http://schemas.microsoft.com/office/powerpoint/2012/main" xmlns:mc="http://schemas.openxmlformats.org/markup-compatibility/2006">
+  <p:cSld>
+    <p:bg>
+      <p:bgPr>
+        <a:blipFill rotWithShape="0">
+          <a:blip r:embed="rId1"/>
+          <a:stretch/>
+        </a:blipFill>
+      </p:bgPr>
+    </p:bg>
+    <p:spTree>
+      <p:nvGrpSpPr>
+        <p:cNvPr id="1" name=""/>
+        <p:cNvGrpSpPr/>
+        <p:nvPr/>
+      </p:nvGrpSpPr>
+      <p:grpSpPr>
+        <a:xfrm>
+          <a:off x="0" y="0"/>
+          <a:ext cx="0" cy="0"/>
+          <a:chOff x="0" y="0"/>
+          <a:chExt cx="0" cy="0"/>
+        </a:xfrm>
+      </p:grpSpPr>
+      <p:sp>
+        <p:nvSpPr>
+          <p:cNvPr id="291" name="CustomShape 1"/>
+          <p:cNvSpPr/>
+          <p:nvPr/>
+        </p:nvSpPr>
+        <p:spPr>
+          <a:xfrm>
+            <a:off x="376920" y="132480"/>
+            <a:ext cx="9070560" cy="945720"/>
+          </a:xfrm>
+          <a:prstGeom prst="rect">
+            <a:avLst/>
+          </a:prstGeom>
+          <a:noFill/>
+          <a:ln w="0">
+            <a:noFill/>
+          </a:ln>
+        </p:spPr>
+        <p:style>
+          <a:lnRef idx="0"/>
+          <a:fillRef idx="0"/>
+          <a:effectRef idx="0"/>
+          <a:fontRef idx="minor"/>
+        </p:style>
+        <p:txBody>
+          <a:bodyPr lIns="0" rIns="0" tIns="0" bIns="0" anchor="b">
+            <a:normAutofit fontScale="59000"/>
+          </a:bodyPr>
+          <a:p>
+            <a:pPr>
+              <a:lnSpc>
+                <a:spcPct val="100000"/>
+              </a:lnSpc>
+            </a:pPr>
+            <a:r>
+              <a:rPr b="0" lang="de-AT" sz="4500" spc="-1" strike="noStrike">
+                <a:solidFill>
+                  <a:srgbClr val="ffffff"/>
+                </a:solidFill>
+                <a:latin typeface="Source Sans Pro Light"/>
+                <a:ea typeface="DejaVu Sans"/>
+              </a:rPr>
+              <a:t>Instalación de Debian GNU/Linux</a:t>
+            </a:r>
+            <a:endParaRPr b="0" lang="es-MX" sz="4500" spc="-1" strike="noStrike">
+              <a:latin typeface="Arial"/>
+            </a:endParaRPr>
+          </a:p>
+        </p:txBody>
+      </p:sp>
+      <p:sp>
+        <p:nvSpPr>
+          <p:cNvPr id="292" name="CustomShape 2"/>
+          <p:cNvSpPr/>
+          <p:nvPr/>
+        </p:nvSpPr>
+        <p:spPr>
+          <a:xfrm>
+            <a:off x="502920" y="1440000"/>
+            <a:ext cx="9020880" cy="3496680"/>
+          </a:xfrm>
+          <a:prstGeom prst="rect">
+            <a:avLst/>
+          </a:prstGeom>
+          <a:noFill/>
+          <a:ln w="0">
+            <a:noFill/>
+          </a:ln>
+        </p:spPr>
+        <p:style>
+          <a:lnRef idx="0"/>
+          <a:fillRef idx="0"/>
+          <a:effectRef idx="0"/>
+          <a:fontRef idx="minor"/>
+        </p:style>
+        <p:txBody>
+          <a:bodyPr lIns="0" rIns="0" tIns="0" bIns="0">
+            <a:normAutofit/>
+          </a:bodyPr>
+          <a:p>
+            <a:pPr marL="432000" indent="-322920">
+              <a:lnSpc>
+                <a:spcPct val="100000"/>
+              </a:lnSpc>
+              <a:spcAft>
+                <a:spcPts val="1054"/>
+              </a:spcAft>
+              <a:buClr>
+                <a:srgbClr val="009eda"/>
+              </a:buClr>
+              <a:buSzPct val="45000"/>
+              <a:buFont typeface="Wingdings" charset="2"/>
+              <a:buChar char=""/>
+            </a:pPr>
+            <a:r>
+              <a:rPr b="0" lang="de-AT" sz="2400" spc="-1" strike="noStrike">
+                <a:solidFill>
+                  <a:srgbClr val="0000ff"/>
+                </a:solidFill>
+                <a:latin typeface="Source Sans Pro"/>
+                <a:ea typeface="DejaVu Sans"/>
+              </a:rPr>
+              <a:t> </a:t>
+            </a:r>
+            <a:endParaRPr b="0" lang="es-MX" sz="2400" spc="-1" strike="noStrike">
+              <a:latin typeface="Arial"/>
+            </a:endParaRPr>
+          </a:p>
+          <a:p>
+            <a:pPr>
+              <a:lnSpc>
+                <a:spcPct val="100000"/>
+              </a:lnSpc>
+              <a:spcAft>
+                <a:spcPts val="1054"/>
+              </a:spcAft>
+            </a:pPr>
+            <a:endParaRPr b="0" lang="es-MX" sz="2400" spc="-1" strike="noStrike">
+              <a:latin typeface="Arial"/>
+            </a:endParaRPr>
+          </a:p>
+        </p:txBody>
+      </p:sp>
+      <p:pic>
+        <p:nvPicPr>
+          <p:cNvPr id="293" name="" descr=""/>
+          <p:cNvPicPr/>
+          <p:nvPr/>
+        </p:nvPicPr>
+        <p:blipFill>
+          <a:blip r:embed="rId2"/>
+          <a:stretch/>
+        </p:blipFill>
+        <p:spPr>
+          <a:xfrm>
+            <a:off x="2520000" y="1242000"/>
+            <a:ext cx="5075640" cy="4338000"/>
+          </a:xfrm>
+          <a:prstGeom prst="rect">
+            <a:avLst/>
+          </a:prstGeom>
+          <a:ln w="0">
+            <a:noFill/>
+          </a:ln>
+        </p:spPr>
+      </p:pic>
+    </p:spTree>
+  </p:cSld>
+  <mc:AlternateContent>
+    <mc:Choice Requires="p14">
+      <p:transition spd="slow" p14:dur="2000"/>
+    </mc:Choice>
+    <mc:Fallback>
+      <p:transition spd="slow"/>
+    </mc:Fallback>
+  </mc:AlternateContent>
+</p:sld>
+</file>
+
+<file path=ppt/slides/slide22.xml><?xml version="1.0" encoding="utf-8"?>
+<p:sld xmlns:a="http://schemas.openxmlformats.org/drawingml/2006/main" xmlns:p="http://schemas.openxmlformats.org/presentationml/2006/main" xmlns:r="http://schemas.openxmlformats.org/officeDocument/2006/relationships" xmlns:p14="http://schemas.microsoft.com/office/powerpoint/2010/main" xmlns:p15="http://schemas.microsoft.com/office/powerpoint/2012/main" xmlns:mc="http://schemas.openxmlformats.org/markup-compatibility/2006">
+  <p:cSld>
+    <p:bg>
+      <p:bgPr>
+        <a:blipFill rotWithShape="0">
+          <a:blip r:embed="rId1"/>
+          <a:stretch/>
+        </a:blipFill>
+      </p:bgPr>
+    </p:bg>
+    <p:spTree>
+      <p:nvGrpSpPr>
+        <p:cNvPr id="1" name=""/>
+        <p:cNvGrpSpPr/>
+        <p:nvPr/>
+      </p:nvGrpSpPr>
+      <p:grpSpPr>
+        <a:xfrm>
+          <a:off x="0" y="0"/>
+          <a:ext cx="0" cy="0"/>
+          <a:chOff x="0" y="0"/>
+          <a:chExt cx="0" cy="0"/>
+        </a:xfrm>
+      </p:grpSpPr>
+      <p:sp>
+        <p:nvSpPr>
+          <p:cNvPr id="294" name="CustomShape 1"/>
+          <p:cNvSpPr/>
+          <p:nvPr/>
+        </p:nvSpPr>
+        <p:spPr>
+          <a:xfrm>
+            <a:off x="376920" y="132480"/>
+            <a:ext cx="9070560" cy="945720"/>
+          </a:xfrm>
+          <a:prstGeom prst="rect">
+            <a:avLst/>
+          </a:prstGeom>
+          <a:noFill/>
+          <a:ln w="0">
+            <a:noFill/>
+          </a:ln>
+        </p:spPr>
+        <p:style>
+          <a:lnRef idx="0"/>
+          <a:fillRef idx="0"/>
+          <a:effectRef idx="0"/>
+          <a:fontRef idx="minor"/>
+        </p:style>
+        <p:txBody>
+          <a:bodyPr lIns="0" rIns="0" tIns="0" bIns="0" anchor="b">
+            <a:normAutofit fontScale="59000"/>
+          </a:bodyPr>
+          <a:p>
+            <a:pPr>
+              <a:lnSpc>
+                <a:spcPct val="100000"/>
+              </a:lnSpc>
+            </a:pPr>
+            <a:r>
+              <a:rPr b="0" lang="de-AT" sz="4500" spc="-1" strike="noStrike">
+                <a:solidFill>
+                  <a:srgbClr val="ffffff"/>
+                </a:solidFill>
+                <a:latin typeface="Source Sans Pro Light"/>
+                <a:ea typeface="DejaVu Sans"/>
+              </a:rPr>
+              <a:t>Instalación de Debian GNU/Linux</a:t>
+            </a:r>
+            <a:endParaRPr b="0" lang="es-MX" sz="4500" spc="-1" strike="noStrike">
+              <a:latin typeface="Arial"/>
+            </a:endParaRPr>
+          </a:p>
+        </p:txBody>
+      </p:sp>
+      <p:sp>
+        <p:nvSpPr>
+          <p:cNvPr id="295" name="CustomShape 2"/>
+          <p:cNvSpPr/>
+          <p:nvPr/>
+        </p:nvSpPr>
+        <p:spPr>
+          <a:xfrm>
+            <a:off x="502920" y="1440000"/>
+            <a:ext cx="9020880" cy="3496680"/>
+          </a:xfrm>
+          <a:prstGeom prst="rect">
+            <a:avLst/>
+          </a:prstGeom>
+          <a:noFill/>
+          <a:ln w="0">
+            <a:noFill/>
+          </a:ln>
+        </p:spPr>
+        <p:style>
+          <a:lnRef idx="0"/>
+          <a:fillRef idx="0"/>
+          <a:effectRef idx="0"/>
+          <a:fontRef idx="minor"/>
+        </p:style>
+        <p:txBody>
+          <a:bodyPr lIns="0" rIns="0" tIns="0" bIns="0">
+            <a:normAutofit/>
+          </a:bodyPr>
+          <a:p>
+            <a:pPr marL="432000" indent="-322920">
+              <a:lnSpc>
+                <a:spcPct val="100000"/>
+              </a:lnSpc>
+              <a:spcAft>
+                <a:spcPts val="1054"/>
+              </a:spcAft>
+              <a:buClr>
+                <a:srgbClr val="009eda"/>
+              </a:buClr>
+              <a:buSzPct val="45000"/>
+              <a:buFont typeface="Wingdings" charset="2"/>
+              <a:buChar char=""/>
+            </a:pPr>
+            <a:r>
+              <a:rPr b="0" lang="de-AT" sz="2400" spc="-1" strike="noStrike">
+                <a:solidFill>
+                  <a:srgbClr val="0000ff"/>
+                </a:solidFill>
+                <a:latin typeface="Source Sans Pro"/>
+                <a:ea typeface="DejaVu Sans"/>
+              </a:rPr>
+              <a:t> </a:t>
+            </a:r>
+            <a:endParaRPr b="0" lang="es-MX" sz="2400" spc="-1" strike="noStrike">
+              <a:latin typeface="Arial"/>
+            </a:endParaRPr>
+          </a:p>
+          <a:p>
+            <a:pPr>
+              <a:lnSpc>
+                <a:spcPct val="100000"/>
+              </a:lnSpc>
+              <a:spcAft>
+                <a:spcPts val="1054"/>
+              </a:spcAft>
+            </a:pPr>
+            <a:endParaRPr b="0" lang="es-MX" sz="2400" spc="-1" strike="noStrike">
+              <a:latin typeface="Arial"/>
+            </a:endParaRPr>
+          </a:p>
+        </p:txBody>
+      </p:sp>
+      <p:pic>
+        <p:nvPicPr>
+          <p:cNvPr id="296" name="" descr=""/>
+          <p:cNvPicPr/>
+          <p:nvPr/>
+        </p:nvPicPr>
+        <p:blipFill>
+          <a:blip r:embed="rId2"/>
+          <a:stretch/>
+        </p:blipFill>
+        <p:spPr>
+          <a:xfrm>
+            <a:off x="2695680" y="1110600"/>
+            <a:ext cx="5192280" cy="4414320"/>
+          </a:xfrm>
+          <a:prstGeom prst="rect">
+            <a:avLst/>
+          </a:prstGeom>
+          <a:ln w="0">
+            <a:noFill/>
+          </a:ln>
+        </p:spPr>
+      </p:pic>
+    </p:spTree>
+  </p:cSld>
+  <mc:AlternateContent>
+    <mc:Choice Requires="p14">
+      <p:transition spd="slow" p14:dur="2000"/>
+    </mc:Choice>
+    <mc:Fallback>
+      <p:transition spd="slow"/>
+    </mc:Fallback>
+  </mc:AlternateContent>
+</p:sld>
+</file>
+
+<file path=ppt/slides/slide23.xml><?xml version="1.0" encoding="utf-8"?>
+<p:sld xmlns:a="http://schemas.openxmlformats.org/drawingml/2006/main" xmlns:p="http://schemas.openxmlformats.org/presentationml/2006/main" xmlns:r="http://schemas.openxmlformats.org/officeDocument/2006/relationships" xmlns:p14="http://schemas.microsoft.com/office/powerpoint/2010/main" xmlns:p15="http://schemas.microsoft.com/office/powerpoint/2012/main" xmlns:mc="http://schemas.openxmlformats.org/markup-compatibility/2006">
+  <p:cSld>
+    <p:bg>
+      <p:bgPr>
+        <a:blipFill rotWithShape="0">
+          <a:blip r:embed="rId1"/>
+          <a:stretch/>
+        </a:blipFill>
+      </p:bgPr>
+    </p:bg>
+    <p:spTree>
+      <p:nvGrpSpPr>
+        <p:cNvPr id="1" name=""/>
+        <p:cNvGrpSpPr/>
+        <p:nvPr/>
+      </p:nvGrpSpPr>
+      <p:grpSpPr>
+        <a:xfrm>
+          <a:off x="0" y="0"/>
+          <a:ext cx="0" cy="0"/>
+          <a:chOff x="0" y="0"/>
+          <a:chExt cx="0" cy="0"/>
+        </a:xfrm>
+      </p:grpSpPr>
+      <p:sp>
+        <p:nvSpPr>
+          <p:cNvPr id="297" name="CustomShape 1"/>
+          <p:cNvSpPr/>
+          <p:nvPr/>
+        </p:nvSpPr>
+        <p:spPr>
+          <a:xfrm>
+            <a:off x="376920" y="132480"/>
+            <a:ext cx="9070560" cy="945720"/>
+          </a:xfrm>
+          <a:prstGeom prst="rect">
+            <a:avLst/>
+          </a:prstGeom>
+          <a:noFill/>
+          <a:ln w="0">
+            <a:noFill/>
+          </a:ln>
+        </p:spPr>
+        <p:style>
+          <a:lnRef idx="0"/>
+          <a:fillRef idx="0"/>
+          <a:effectRef idx="0"/>
+          <a:fontRef idx="minor"/>
+        </p:style>
+        <p:txBody>
+          <a:bodyPr lIns="0" rIns="0" tIns="0" bIns="0" anchor="b">
+            <a:normAutofit fontScale="59000"/>
+          </a:bodyPr>
+          <a:p>
+            <a:pPr>
+              <a:lnSpc>
+                <a:spcPct val="100000"/>
+              </a:lnSpc>
+            </a:pPr>
+            <a:r>
+              <a:rPr b="0" lang="de-AT" sz="4500" spc="-1" strike="noStrike">
+                <a:solidFill>
+                  <a:srgbClr val="ffffff"/>
+                </a:solidFill>
+                <a:latin typeface="Source Sans Pro Light"/>
+                <a:ea typeface="DejaVu Sans"/>
+              </a:rPr>
+              <a:t>Instalación de Debian GNU/Linux</a:t>
+            </a:r>
+            <a:endParaRPr b="0" lang="es-MX" sz="4500" spc="-1" strike="noStrike">
+              <a:latin typeface="Arial"/>
+            </a:endParaRPr>
+          </a:p>
+        </p:txBody>
+      </p:sp>
+      <p:sp>
+        <p:nvSpPr>
+          <p:cNvPr id="298" name="CustomShape 2"/>
+          <p:cNvSpPr/>
+          <p:nvPr/>
+        </p:nvSpPr>
+        <p:spPr>
+          <a:xfrm>
+            <a:off x="502920" y="1440000"/>
+            <a:ext cx="9020880" cy="3496680"/>
+          </a:xfrm>
+          <a:prstGeom prst="rect">
+            <a:avLst/>
+          </a:prstGeom>
+          <a:noFill/>
+          <a:ln w="0">
+            <a:noFill/>
+          </a:ln>
+        </p:spPr>
+        <p:style>
+          <a:lnRef idx="0"/>
+          <a:fillRef idx="0"/>
+          <a:effectRef idx="0"/>
+          <a:fontRef idx="minor"/>
+        </p:style>
+        <p:txBody>
+          <a:bodyPr lIns="0" rIns="0" tIns="0" bIns="0">
+            <a:normAutofit/>
+          </a:bodyPr>
+          <a:p>
+            <a:pPr marL="432000" indent="-322920">
+              <a:lnSpc>
+                <a:spcPct val="100000"/>
+              </a:lnSpc>
+              <a:spcAft>
+                <a:spcPts val="1054"/>
+              </a:spcAft>
+              <a:buClr>
+                <a:srgbClr val="009eda"/>
+              </a:buClr>
+              <a:buSzPct val="45000"/>
+              <a:buFont typeface="Wingdings" charset="2"/>
+              <a:buChar char=""/>
+            </a:pPr>
+            <a:r>
+              <a:rPr b="0" lang="de-AT" sz="2400" spc="-1" strike="noStrike">
+                <a:solidFill>
+                  <a:srgbClr val="0000ff"/>
+                </a:solidFill>
+                <a:latin typeface="Source Sans Pro"/>
+                <a:ea typeface="DejaVu Sans"/>
+              </a:rPr>
+              <a:t> </a:t>
+            </a:r>
+            <a:endParaRPr b="0" lang="es-MX" sz="2400" spc="-1" strike="noStrike">
+              <a:latin typeface="Arial"/>
+            </a:endParaRPr>
+          </a:p>
+          <a:p>
+            <a:pPr>
+              <a:lnSpc>
+                <a:spcPct val="100000"/>
+              </a:lnSpc>
+              <a:spcAft>
+                <a:spcPts val="1054"/>
+              </a:spcAft>
+            </a:pPr>
+            <a:endParaRPr b="0" lang="es-MX" sz="2400" spc="-1" strike="noStrike">
+              <a:latin typeface="Arial"/>
+            </a:endParaRPr>
+          </a:p>
+        </p:txBody>
+      </p:sp>
+      <p:pic>
+        <p:nvPicPr>
+          <p:cNvPr id="299" name="" descr=""/>
+          <p:cNvPicPr/>
+          <p:nvPr/>
+        </p:nvPicPr>
+        <p:blipFill>
+          <a:blip r:embed="rId2"/>
+          <a:stretch/>
+        </p:blipFill>
+        <p:spPr>
+          <a:xfrm>
+            <a:off x="2750040" y="1152360"/>
+            <a:ext cx="4997520" cy="4267440"/>
+          </a:xfrm>
+          <a:prstGeom prst="rect">
+            <a:avLst/>
+          </a:prstGeom>
+          <a:ln w="0">
+            <a:noFill/>
+          </a:ln>
+        </p:spPr>
+      </p:pic>
+    </p:spTree>
+  </p:cSld>
+  <mc:AlternateContent>
+    <mc:Choice Requires="p14">
+      <p:transition spd="slow" p14:dur="2000"/>
+    </mc:Choice>
+    <mc:Fallback>
+      <p:transition spd="slow"/>
+    </mc:Fallback>
+  </mc:AlternateContent>
+</p:sld>
+</file>
+
+<file path=ppt/slides/slide24.xml><?xml version="1.0" encoding="utf-8"?>
+<p:sld xmlns:a="http://schemas.openxmlformats.org/drawingml/2006/main" xmlns:p="http://schemas.openxmlformats.org/presentationml/2006/main" xmlns:r="http://schemas.openxmlformats.org/officeDocument/2006/relationships" xmlns:p14="http://schemas.microsoft.com/office/powerpoint/2010/main" xmlns:p15="http://schemas.microsoft.com/office/powerpoint/2012/main" xmlns:mc="http://schemas.openxmlformats.org/markup-compatibility/2006">
+  <p:cSld>
+    <p:bg>
+      <p:bgPr>
+        <a:blipFill rotWithShape="0">
+          <a:blip r:embed="rId1"/>
+          <a:stretch/>
+        </a:blipFill>
+      </p:bgPr>
+    </p:bg>
+    <p:spTree>
+      <p:nvGrpSpPr>
+        <p:cNvPr id="1" name=""/>
+        <p:cNvGrpSpPr/>
+        <p:nvPr/>
+      </p:nvGrpSpPr>
+      <p:grpSpPr>
+        <a:xfrm>
+          <a:off x="0" y="0"/>
+          <a:ext cx="0" cy="0"/>
+          <a:chOff x="0" y="0"/>
+          <a:chExt cx="0" cy="0"/>
+        </a:xfrm>
+      </p:grpSpPr>
+      <p:sp>
+        <p:nvSpPr>
+          <p:cNvPr id="300" name="CustomShape 1"/>
+          <p:cNvSpPr/>
+          <p:nvPr/>
+        </p:nvSpPr>
+        <p:spPr>
+          <a:xfrm>
+            <a:off x="376920" y="132480"/>
+            <a:ext cx="9070560" cy="945720"/>
+          </a:xfrm>
+          <a:prstGeom prst="rect">
+            <a:avLst/>
+          </a:prstGeom>
+          <a:noFill/>
+          <a:ln w="0">
+            <a:noFill/>
+          </a:ln>
+        </p:spPr>
+        <p:style>
+          <a:lnRef idx="0"/>
+          <a:fillRef idx="0"/>
+          <a:effectRef idx="0"/>
+          <a:fontRef idx="minor"/>
+        </p:style>
+        <p:txBody>
+          <a:bodyPr lIns="0" rIns="0" tIns="0" bIns="0" anchor="b">
+            <a:normAutofit fontScale="59000"/>
+          </a:bodyPr>
+          <a:p>
+            <a:pPr>
+              <a:lnSpc>
+                <a:spcPct val="100000"/>
+              </a:lnSpc>
+            </a:pPr>
+            <a:r>
+              <a:rPr b="0" lang="de-AT" sz="4500" spc="-1" strike="noStrike">
+                <a:solidFill>
+                  <a:srgbClr val="ffffff"/>
+                </a:solidFill>
+                <a:latin typeface="Source Sans Pro Light"/>
+                <a:ea typeface="DejaVu Sans"/>
+              </a:rPr>
+              <a:t>Instalación de Debian GNU/Linux</a:t>
+            </a:r>
+            <a:endParaRPr b="0" lang="es-MX" sz="4500" spc="-1" strike="noStrike">
+              <a:latin typeface="Arial"/>
+            </a:endParaRPr>
+          </a:p>
+        </p:txBody>
+      </p:sp>
+      <p:sp>
+        <p:nvSpPr>
+          <p:cNvPr id="301" name="CustomShape 2"/>
+          <p:cNvSpPr/>
+          <p:nvPr/>
+        </p:nvSpPr>
+        <p:spPr>
+          <a:xfrm>
+            <a:off x="502920" y="1440000"/>
+            <a:ext cx="9020880" cy="3496680"/>
+          </a:xfrm>
+          <a:prstGeom prst="rect">
+            <a:avLst/>
+          </a:prstGeom>
+          <a:noFill/>
+          <a:ln w="0">
+            <a:noFill/>
+          </a:ln>
+        </p:spPr>
+        <p:style>
+          <a:lnRef idx="0"/>
+          <a:fillRef idx="0"/>
+          <a:effectRef idx="0"/>
+          <a:fontRef idx="minor"/>
+        </p:style>
+        <p:txBody>
+          <a:bodyPr lIns="0" rIns="0" tIns="0" bIns="0">
+            <a:normAutofit/>
+          </a:bodyPr>
+          <a:p>
+            <a:pPr marL="432000" indent="-322920">
+              <a:lnSpc>
+                <a:spcPct val="100000"/>
+              </a:lnSpc>
+              <a:spcAft>
+                <a:spcPts val="1054"/>
+              </a:spcAft>
+              <a:buClr>
+                <a:srgbClr val="009eda"/>
+              </a:buClr>
+              <a:buSzPct val="45000"/>
+              <a:buFont typeface="Wingdings" charset="2"/>
+              <a:buChar char=""/>
+            </a:pPr>
+            <a:r>
+              <a:rPr b="0" lang="de-AT" sz="2400" spc="-1" strike="noStrike">
+                <a:solidFill>
+                  <a:srgbClr val="0000ff"/>
+                </a:solidFill>
+                <a:latin typeface="Source Sans Pro"/>
+                <a:ea typeface="DejaVu Sans"/>
+              </a:rPr>
+              <a:t> </a:t>
+            </a:r>
+            <a:endParaRPr b="0" lang="es-MX" sz="2400" spc="-1" strike="noStrike">
+              <a:latin typeface="Arial"/>
+            </a:endParaRPr>
+          </a:p>
+          <a:p>
+            <a:pPr>
+              <a:lnSpc>
+                <a:spcPct val="100000"/>
+              </a:lnSpc>
+              <a:spcAft>
+                <a:spcPts val="1054"/>
+              </a:spcAft>
+            </a:pPr>
+            <a:endParaRPr b="0" lang="es-MX" sz="2400" spc="-1" strike="noStrike">
+              <a:latin typeface="Arial"/>
+            </a:endParaRPr>
+          </a:p>
+        </p:txBody>
+      </p:sp>
+      <p:pic>
+        <p:nvPicPr>
+          <p:cNvPr id="302" name="" descr=""/>
+          <p:cNvPicPr/>
+          <p:nvPr/>
+        </p:nvPicPr>
+        <p:blipFill>
+          <a:blip r:embed="rId2"/>
+          <a:stretch/>
+        </p:blipFill>
+        <p:spPr>
+          <a:xfrm>
+            <a:off x="2574360" y="1193400"/>
+            <a:ext cx="5038560" cy="4334040"/>
+          </a:xfrm>
+          <a:prstGeom prst="rect">
+            <a:avLst/>
+          </a:prstGeom>
+          <a:ln w="0">
+            <a:noFill/>
+          </a:ln>
+        </p:spPr>
+      </p:pic>
+    </p:spTree>
+  </p:cSld>
+  <mc:AlternateContent>
+    <mc:Choice Requires="p14">
+      <p:transition spd="slow" p14:dur="2000"/>
+    </mc:Choice>
+    <mc:Fallback>
+      <p:transition spd="slow"/>
+    </mc:Fallback>
+  </mc:AlternateContent>
+</p:sld>
+</file>
+
+<file path=ppt/slides/slide25.xml><?xml version="1.0" encoding="utf-8"?>
+<p:sld xmlns:a="http://schemas.openxmlformats.org/drawingml/2006/main" xmlns:p="http://schemas.openxmlformats.org/presentationml/2006/main" xmlns:r="http://schemas.openxmlformats.org/officeDocument/2006/relationships" xmlns:p14="http://schemas.microsoft.com/office/powerpoint/2010/main" xmlns:p15="http://schemas.microsoft.com/office/powerpoint/2012/main" xmlns:mc="http://schemas.openxmlformats.org/markup-compatibility/2006">
+  <p:cSld>
+    <p:bg>
+      <p:bgPr>
+        <a:blipFill rotWithShape="0">
+          <a:blip r:embed="rId1"/>
+          <a:stretch/>
+        </a:blipFill>
+      </p:bgPr>
+    </p:bg>
+    <p:spTree>
+      <p:nvGrpSpPr>
+        <p:cNvPr id="1" name=""/>
+        <p:cNvGrpSpPr/>
+        <p:nvPr/>
+      </p:nvGrpSpPr>
+      <p:grpSpPr>
+        <a:xfrm>
+          <a:off x="0" y="0"/>
+          <a:ext cx="0" cy="0"/>
+          <a:chOff x="0" y="0"/>
+          <a:chExt cx="0" cy="0"/>
+        </a:xfrm>
+      </p:grpSpPr>
+      <p:sp>
+        <p:nvSpPr>
+          <p:cNvPr id="303" name="CustomShape 1"/>
+          <p:cNvSpPr/>
+          <p:nvPr/>
+        </p:nvSpPr>
+        <p:spPr>
+          <a:xfrm>
+            <a:off x="376920" y="132480"/>
+            <a:ext cx="9070560" cy="945720"/>
+          </a:xfrm>
+          <a:prstGeom prst="rect">
+            <a:avLst/>
+          </a:prstGeom>
+          <a:noFill/>
+          <a:ln w="0">
+            <a:noFill/>
+          </a:ln>
+        </p:spPr>
+        <p:style>
+          <a:lnRef idx="0"/>
+          <a:fillRef idx="0"/>
+          <a:effectRef idx="0"/>
+          <a:fontRef idx="minor"/>
+        </p:style>
+        <p:txBody>
+          <a:bodyPr lIns="0" rIns="0" tIns="0" bIns="0" anchor="b">
+            <a:normAutofit fontScale="59000"/>
+          </a:bodyPr>
+          <a:p>
+            <a:pPr>
+              <a:lnSpc>
+                <a:spcPct val="100000"/>
+              </a:lnSpc>
+            </a:pPr>
+            <a:r>
+              <a:rPr b="0" lang="de-AT" sz="4500" spc="-1" strike="noStrike">
+                <a:solidFill>
+                  <a:srgbClr val="ffffff"/>
+                </a:solidFill>
+                <a:latin typeface="Source Sans Pro Light"/>
+                <a:ea typeface="DejaVu Sans"/>
+              </a:rPr>
+              <a:t>Instalación de Debian GNU/Linux</a:t>
+            </a:r>
+            <a:endParaRPr b="0" lang="es-MX" sz="4500" spc="-1" strike="noStrike">
+              <a:latin typeface="Arial"/>
+            </a:endParaRPr>
+          </a:p>
+        </p:txBody>
+      </p:sp>
+      <p:sp>
+        <p:nvSpPr>
+          <p:cNvPr id="304" name="CustomShape 2"/>
+          <p:cNvSpPr/>
+          <p:nvPr/>
+        </p:nvSpPr>
+        <p:spPr>
+          <a:xfrm>
+            <a:off x="502920" y="1440000"/>
+            <a:ext cx="9020880" cy="3496680"/>
+          </a:xfrm>
+          <a:prstGeom prst="rect">
+            <a:avLst/>
+          </a:prstGeom>
+          <a:noFill/>
+          <a:ln w="0">
+            <a:noFill/>
+          </a:ln>
+        </p:spPr>
+        <p:style>
+          <a:lnRef idx="0"/>
+          <a:fillRef idx="0"/>
+          <a:effectRef idx="0"/>
+          <a:fontRef idx="minor"/>
+        </p:style>
+        <p:txBody>
+          <a:bodyPr lIns="0" rIns="0" tIns="0" bIns="0">
+            <a:normAutofit/>
+          </a:bodyPr>
+          <a:p>
+            <a:pPr marL="432000" indent="-322920">
+              <a:lnSpc>
+                <a:spcPct val="100000"/>
+              </a:lnSpc>
+              <a:spcAft>
+                <a:spcPts val="1054"/>
+              </a:spcAft>
+              <a:buClr>
+                <a:srgbClr val="009eda"/>
+              </a:buClr>
+              <a:buSzPct val="45000"/>
+              <a:buFont typeface="Wingdings" charset="2"/>
+              <a:buChar char=""/>
+            </a:pPr>
+            <a:r>
+              <a:rPr b="0" lang="de-AT" sz="2400" spc="-1" strike="noStrike">
+                <a:solidFill>
+                  <a:srgbClr val="0000ff"/>
+                </a:solidFill>
+                <a:latin typeface="Source Sans Pro"/>
+                <a:ea typeface="DejaVu Sans"/>
+              </a:rPr>
+              <a:t> </a:t>
+            </a:r>
+            <a:endParaRPr b="0" lang="es-MX" sz="2400" spc="-1" strike="noStrike">
+              <a:latin typeface="Arial"/>
+            </a:endParaRPr>
+          </a:p>
+          <a:p>
+            <a:pPr>
+              <a:lnSpc>
+                <a:spcPct val="100000"/>
+              </a:lnSpc>
+              <a:spcAft>
+                <a:spcPts val="1054"/>
+              </a:spcAft>
+            </a:pPr>
+            <a:endParaRPr b="0" lang="es-MX" sz="2400" spc="-1" strike="noStrike">
+              <a:latin typeface="Arial"/>
+            </a:endParaRPr>
+          </a:p>
+        </p:txBody>
+      </p:sp>
+      <p:pic>
+        <p:nvPicPr>
+          <p:cNvPr id="305" name="" descr=""/>
+          <p:cNvPicPr/>
+          <p:nvPr/>
+        </p:nvPicPr>
+        <p:blipFill>
+          <a:blip r:embed="rId2"/>
+          <a:stretch/>
+        </p:blipFill>
+        <p:spPr>
+          <a:xfrm>
+            <a:off x="2624760" y="1185120"/>
+            <a:ext cx="4952880" cy="4287240"/>
+          </a:xfrm>
+          <a:prstGeom prst="rect">
+            <a:avLst/>
+          </a:prstGeom>
+          <a:ln w="0">
+            <a:noFill/>
+          </a:ln>
+        </p:spPr>
+      </p:pic>
+    </p:spTree>
+  </p:cSld>
+  <mc:AlternateContent>
+    <mc:Choice Requires="p14">
+      <p:transition spd="slow" p14:dur="2000"/>
+    </mc:Choice>
+    <mc:Fallback>
+      <p:transition spd="slow"/>
+    </mc:Fallback>
+  </mc:AlternateContent>
+</p:sld>
+</file>
+
+<file path=ppt/slides/slide26.xml><?xml version="1.0" encoding="utf-8"?>
+<p:sld xmlns:a="http://schemas.openxmlformats.org/drawingml/2006/main" xmlns:p="http://schemas.openxmlformats.org/presentationml/2006/main" xmlns:r="http://schemas.openxmlformats.org/officeDocument/2006/relationships" xmlns:p14="http://schemas.microsoft.com/office/powerpoint/2010/main" xmlns:p15="http://schemas.microsoft.com/office/powerpoint/2012/main" xmlns:mc="http://schemas.openxmlformats.org/markup-compatibility/2006">
+  <p:cSld>
+    <p:bg>
+      <p:bgPr>
+        <a:blipFill rotWithShape="0">
+          <a:blip r:embed="rId1"/>
+          <a:stretch/>
+        </a:blipFill>
+      </p:bgPr>
+    </p:bg>
+    <p:spTree>
+      <p:nvGrpSpPr>
+        <p:cNvPr id="1" name=""/>
+        <p:cNvGrpSpPr/>
+        <p:nvPr/>
+      </p:nvGrpSpPr>
+      <p:grpSpPr>
+        <a:xfrm>
+          <a:off x="0" y="0"/>
+          <a:ext cx="0" cy="0"/>
+          <a:chOff x="0" y="0"/>
+          <a:chExt cx="0" cy="0"/>
+        </a:xfrm>
+      </p:grpSpPr>
+      <p:sp>
+        <p:nvSpPr>
+          <p:cNvPr id="306" name="CustomShape 1"/>
+          <p:cNvSpPr/>
+          <p:nvPr/>
+        </p:nvSpPr>
+        <p:spPr>
+          <a:xfrm>
+            <a:off x="376920" y="132480"/>
+            <a:ext cx="9070560" cy="945720"/>
+          </a:xfrm>
+          <a:prstGeom prst="rect">
+            <a:avLst/>
+          </a:prstGeom>
+          <a:noFill/>
+          <a:ln w="0">
+            <a:noFill/>
+          </a:ln>
+        </p:spPr>
+        <p:style>
+          <a:lnRef idx="0"/>
+          <a:fillRef idx="0"/>
+          <a:effectRef idx="0"/>
+          <a:fontRef idx="minor"/>
+        </p:style>
+        <p:txBody>
+          <a:bodyPr lIns="0" rIns="0" tIns="0" bIns="0" anchor="b">
+            <a:normAutofit fontScale="59000"/>
+          </a:bodyPr>
+          <a:p>
+            <a:pPr>
+              <a:lnSpc>
+                <a:spcPct val="100000"/>
+              </a:lnSpc>
+            </a:pPr>
+            <a:r>
+              <a:rPr b="0" lang="de-AT" sz="4500" spc="-1" strike="noStrike">
+                <a:solidFill>
+                  <a:srgbClr val="ffffff"/>
+                </a:solidFill>
+                <a:latin typeface="Source Sans Pro Light"/>
+                <a:ea typeface="DejaVu Sans"/>
+              </a:rPr>
+              <a:t>Instalación de Debian GNU/Linux</a:t>
+            </a:r>
+            <a:endParaRPr b="0" lang="es-MX" sz="4500" spc="-1" strike="noStrike">
+              <a:latin typeface="Arial"/>
+            </a:endParaRPr>
+          </a:p>
+        </p:txBody>
+      </p:sp>
+      <p:sp>
+        <p:nvSpPr>
+          <p:cNvPr id="307" name="CustomShape 2"/>
+          <p:cNvSpPr/>
+          <p:nvPr/>
+        </p:nvSpPr>
+        <p:spPr>
+          <a:xfrm>
+            <a:off x="502920" y="1440000"/>
+            <a:ext cx="9020880" cy="3496680"/>
+          </a:xfrm>
+          <a:prstGeom prst="rect">
+            <a:avLst/>
+          </a:prstGeom>
+          <a:noFill/>
+          <a:ln w="0">
+            <a:noFill/>
+          </a:ln>
+        </p:spPr>
+        <p:style>
+          <a:lnRef idx="0"/>
+          <a:fillRef idx="0"/>
+          <a:effectRef idx="0"/>
+          <a:fontRef idx="minor"/>
+        </p:style>
+        <p:txBody>
+          <a:bodyPr lIns="0" rIns="0" tIns="0" bIns="0">
+            <a:normAutofit/>
+          </a:bodyPr>
+          <a:p>
+            <a:pPr marL="432000" indent="-322920">
+              <a:lnSpc>
+                <a:spcPct val="100000"/>
+              </a:lnSpc>
+              <a:spcAft>
+                <a:spcPts val="1054"/>
+              </a:spcAft>
+              <a:buClr>
+                <a:srgbClr val="009eda"/>
+              </a:buClr>
+              <a:buSzPct val="45000"/>
+              <a:buFont typeface="Wingdings" charset="2"/>
+              <a:buChar char=""/>
+            </a:pPr>
+            <a:r>
+              <a:rPr b="0" lang="de-AT" sz="2400" spc="-1" strike="noStrike">
+                <a:solidFill>
+                  <a:srgbClr val="0000ff"/>
+                </a:solidFill>
+                <a:latin typeface="Source Sans Pro"/>
+                <a:ea typeface="DejaVu Sans"/>
+              </a:rPr>
+              <a:t> </a:t>
+            </a:r>
+            <a:endParaRPr b="0" lang="es-MX" sz="2400" spc="-1" strike="noStrike">
+              <a:latin typeface="Arial"/>
+            </a:endParaRPr>
+          </a:p>
+          <a:p>
+            <a:pPr>
+              <a:lnSpc>
+                <a:spcPct val="100000"/>
+              </a:lnSpc>
+              <a:spcAft>
+                <a:spcPts val="1054"/>
+              </a:spcAft>
+            </a:pPr>
+            <a:endParaRPr b="0" lang="es-MX" sz="2400" spc="-1" strike="noStrike">
+              <a:latin typeface="Arial"/>
+            </a:endParaRPr>
+          </a:p>
+        </p:txBody>
+      </p:sp>
+      <p:pic>
+        <p:nvPicPr>
+          <p:cNvPr id="308" name="" descr=""/>
+          <p:cNvPicPr/>
+          <p:nvPr/>
+        </p:nvPicPr>
+        <p:blipFill>
+          <a:blip r:embed="rId2"/>
+          <a:stretch/>
+        </p:blipFill>
+        <p:spPr>
+          <a:xfrm>
+            <a:off x="2779200" y="1299960"/>
+            <a:ext cx="4739040" cy="4164120"/>
+          </a:xfrm>
+          <a:prstGeom prst="rect">
+            <a:avLst/>
+          </a:prstGeom>
+          <a:ln w="0">
+            <a:noFill/>
+          </a:ln>
+        </p:spPr>
+      </p:pic>
+    </p:spTree>
+  </p:cSld>
+  <mc:AlternateContent>
+    <mc:Choice Requires="p14">
+      <p:transition spd="slow" p14:dur="2000"/>
+    </mc:Choice>
+    <mc:Fallback>
+      <p:transition spd="slow"/>
+    </mc:Fallback>
+  </mc:AlternateContent>
+</p:sld>
+</file>
+
+<file path=ppt/slides/slide27.xml><?xml version="1.0" encoding="utf-8"?>
+<p:sld xmlns:a="http://schemas.openxmlformats.org/drawingml/2006/main" xmlns:p="http://schemas.openxmlformats.org/presentationml/2006/main" xmlns:r="http://schemas.openxmlformats.org/officeDocument/2006/relationships" xmlns:p14="http://schemas.microsoft.com/office/powerpoint/2010/main" xmlns:p15="http://schemas.microsoft.com/office/powerpoint/2012/main" xmlns:mc="http://schemas.openxmlformats.org/markup-compatibility/2006">
+  <p:cSld>
+    <p:bg>
+      <p:bgPr>
+        <a:blipFill rotWithShape="0">
+          <a:blip r:embed="rId1"/>
+          <a:stretch/>
+        </a:blipFill>
+      </p:bgPr>
+    </p:bg>
+    <p:spTree>
+      <p:nvGrpSpPr>
+        <p:cNvPr id="1" name=""/>
+        <p:cNvGrpSpPr/>
+        <p:nvPr/>
+      </p:nvGrpSpPr>
+      <p:grpSpPr>
+        <a:xfrm>
+          <a:off x="0" y="0"/>
+          <a:ext cx="0" cy="0"/>
+          <a:chOff x="0" y="0"/>
+          <a:chExt cx="0" cy="0"/>
+        </a:xfrm>
+      </p:grpSpPr>
+      <p:sp>
+        <p:nvSpPr>
+          <p:cNvPr id="309" name="CustomShape 1"/>
+          <p:cNvSpPr/>
+          <p:nvPr/>
+        </p:nvSpPr>
+        <p:spPr>
+          <a:xfrm>
+            <a:off x="376920" y="132480"/>
+            <a:ext cx="9070560" cy="945720"/>
+          </a:xfrm>
+          <a:prstGeom prst="rect">
+            <a:avLst/>
+          </a:prstGeom>
+          <a:noFill/>
+          <a:ln w="0">
+            <a:noFill/>
+          </a:ln>
+        </p:spPr>
+        <p:style>
+          <a:lnRef idx="0"/>
+          <a:fillRef idx="0"/>
+          <a:effectRef idx="0"/>
+          <a:fontRef idx="minor"/>
+        </p:style>
+        <p:txBody>
+          <a:bodyPr lIns="0" rIns="0" tIns="0" bIns="0" anchor="b">
+            <a:normAutofit fontScale="59000"/>
+          </a:bodyPr>
+          <a:p>
+            <a:pPr>
+              <a:lnSpc>
+                <a:spcPct val="100000"/>
+              </a:lnSpc>
+            </a:pPr>
+            <a:r>
+              <a:rPr b="0" lang="de-AT" sz="4500" spc="-1" strike="noStrike">
+                <a:solidFill>
+                  <a:srgbClr val="ffffff"/>
+                </a:solidFill>
+                <a:latin typeface="Source Sans Pro Light"/>
+                <a:ea typeface="DejaVu Sans"/>
+              </a:rPr>
+              <a:t>Instalación de Debian GNU/Linux</a:t>
+            </a:r>
+            <a:endParaRPr b="0" lang="es-MX" sz="4500" spc="-1" strike="noStrike">
+              <a:latin typeface="Arial"/>
+            </a:endParaRPr>
+          </a:p>
+        </p:txBody>
+      </p:sp>
+      <p:sp>
+        <p:nvSpPr>
+          <p:cNvPr id="310" name="CustomShape 2"/>
+          <p:cNvSpPr/>
+          <p:nvPr/>
+        </p:nvSpPr>
+        <p:spPr>
+          <a:xfrm>
+            <a:off x="502920" y="1440000"/>
+            <a:ext cx="9020880" cy="3496680"/>
+          </a:xfrm>
+          <a:prstGeom prst="rect">
+            <a:avLst/>
+          </a:prstGeom>
+          <a:noFill/>
+          <a:ln w="0">
+            <a:noFill/>
+          </a:ln>
+        </p:spPr>
+        <p:style>
+          <a:lnRef idx="0"/>
+          <a:fillRef idx="0"/>
+          <a:effectRef idx="0"/>
+          <a:fontRef idx="minor"/>
+        </p:style>
+        <p:txBody>
+          <a:bodyPr lIns="0" rIns="0" tIns="0" bIns="0">
+            <a:normAutofit/>
+          </a:bodyPr>
+          <a:p>
+            <a:pPr marL="432000" indent="-322920">
+              <a:lnSpc>
+                <a:spcPct val="100000"/>
+              </a:lnSpc>
+              <a:spcAft>
+                <a:spcPts val="1054"/>
+              </a:spcAft>
+              <a:buClr>
+                <a:srgbClr val="009eda"/>
+              </a:buClr>
+              <a:buSzPct val="45000"/>
+              <a:buFont typeface="Wingdings" charset="2"/>
+              <a:buChar char=""/>
+            </a:pPr>
+            <a:r>
+              <a:rPr b="0" lang="de-AT" sz="2400" spc="-1" strike="noStrike">
+                <a:solidFill>
+                  <a:srgbClr val="0000ff"/>
+                </a:solidFill>
+                <a:latin typeface="Source Sans Pro"/>
+                <a:ea typeface="DejaVu Sans"/>
+              </a:rPr>
+              <a:t> </a:t>
+            </a:r>
+            <a:endParaRPr b="0" lang="es-MX" sz="2400" spc="-1" strike="noStrike">
+              <a:latin typeface="Arial"/>
+            </a:endParaRPr>
+          </a:p>
+          <a:p>
+            <a:pPr>
+              <a:lnSpc>
+                <a:spcPct val="100000"/>
+              </a:lnSpc>
+              <a:spcAft>
+                <a:spcPts val="1054"/>
+              </a:spcAft>
+            </a:pPr>
+            <a:endParaRPr b="0" lang="es-MX" sz="2400" spc="-1" strike="noStrike">
+              <a:latin typeface="Arial"/>
+            </a:endParaRPr>
+          </a:p>
+        </p:txBody>
+      </p:sp>
+      <p:pic>
+        <p:nvPicPr>
+          <p:cNvPr id="311" name="" descr=""/>
+          <p:cNvPicPr/>
+          <p:nvPr/>
+        </p:nvPicPr>
+        <p:blipFill>
+          <a:blip r:embed="rId2"/>
+          <a:stretch/>
+        </p:blipFill>
+        <p:spPr>
+          <a:xfrm>
+            <a:off x="2520000" y="1156320"/>
+            <a:ext cx="5172840" cy="4423680"/>
+          </a:xfrm>
+          <a:prstGeom prst="rect">
+            <a:avLst/>
+          </a:prstGeom>
+          <a:ln w="0">
+            <a:noFill/>
+          </a:ln>
+        </p:spPr>
+      </p:pic>
+    </p:spTree>
+  </p:cSld>
+  <mc:AlternateContent>
+    <mc:Choice Requires="p14">
+      <p:transition spd="slow" p14:dur="2000"/>
+    </mc:Choice>
+    <mc:Fallback>
+      <p:transition spd="slow"/>
+    </mc:Fallback>
+  </mc:AlternateContent>
+</p:sld>
+</file>
+
+<file path=ppt/slides/slide28.xml><?xml version="1.0" encoding="utf-8"?>
+<p:sld xmlns:a="http://schemas.openxmlformats.org/drawingml/2006/main" xmlns:p="http://schemas.openxmlformats.org/presentationml/2006/main" xmlns:r="http://schemas.openxmlformats.org/officeDocument/2006/relationships" xmlns:p14="http://schemas.microsoft.com/office/powerpoint/2010/main" xmlns:p15="http://schemas.microsoft.com/office/powerpoint/2012/main" xmlns:mc="http://schemas.openxmlformats.org/markup-compatibility/2006">
+  <p:cSld>
+    <p:bg>
+      <p:bgPr>
+        <a:blipFill rotWithShape="0">
+          <a:blip r:embed="rId1"/>
+          <a:stretch/>
+        </a:blipFill>
+      </p:bgPr>
+    </p:bg>
+    <p:spTree>
+      <p:nvGrpSpPr>
+        <p:cNvPr id="1" name=""/>
+        <p:cNvGrpSpPr/>
+        <p:nvPr/>
+      </p:nvGrpSpPr>
+      <p:grpSpPr>
+        <a:xfrm>
+          <a:off x="0" y="0"/>
+          <a:ext cx="0" cy="0"/>
+          <a:chOff x="0" y="0"/>
+          <a:chExt cx="0" cy="0"/>
+        </a:xfrm>
+      </p:grpSpPr>
+      <p:sp>
+        <p:nvSpPr>
+          <p:cNvPr id="312" name="CustomShape 1"/>
+          <p:cNvSpPr/>
+          <p:nvPr/>
+        </p:nvSpPr>
+        <p:spPr>
+          <a:xfrm>
+            <a:off x="376920" y="132480"/>
+            <a:ext cx="9070560" cy="945720"/>
+          </a:xfrm>
+          <a:prstGeom prst="rect">
+            <a:avLst/>
+          </a:prstGeom>
+          <a:noFill/>
+          <a:ln w="0">
+            <a:noFill/>
+          </a:ln>
+        </p:spPr>
+        <p:style>
+          <a:lnRef idx="0"/>
+          <a:fillRef idx="0"/>
+          <a:effectRef idx="0"/>
+          <a:fontRef idx="minor"/>
+        </p:style>
+        <p:txBody>
+          <a:bodyPr lIns="0" rIns="0" tIns="0" bIns="0" anchor="b">
+            <a:normAutofit fontScale="59000"/>
+          </a:bodyPr>
+          <a:p>
+            <a:pPr>
+              <a:lnSpc>
+                <a:spcPct val="100000"/>
+              </a:lnSpc>
+            </a:pPr>
+            <a:r>
+              <a:rPr b="0" lang="de-AT" sz="4500" spc="-1" strike="noStrike">
+                <a:solidFill>
+                  <a:srgbClr val="ffffff"/>
+                </a:solidFill>
+                <a:latin typeface="Source Sans Pro Light"/>
+                <a:ea typeface="DejaVu Sans"/>
+              </a:rPr>
+              <a:t>Instalación de Debian GNU/Linux</a:t>
+            </a:r>
+            <a:endParaRPr b="0" lang="es-MX" sz="4500" spc="-1" strike="noStrike">
+              <a:latin typeface="Arial"/>
+            </a:endParaRPr>
+          </a:p>
+        </p:txBody>
+      </p:sp>
+      <p:sp>
+        <p:nvSpPr>
+          <p:cNvPr id="313" name="CustomShape 2"/>
+          <p:cNvSpPr/>
+          <p:nvPr/>
+        </p:nvSpPr>
+        <p:spPr>
+          <a:xfrm>
+            <a:off x="502920" y="1440000"/>
+            <a:ext cx="9020880" cy="3496680"/>
+          </a:xfrm>
+          <a:prstGeom prst="rect">
+            <a:avLst/>
+          </a:prstGeom>
+          <a:noFill/>
+          <a:ln w="0">
+            <a:noFill/>
+          </a:ln>
+        </p:spPr>
+        <p:style>
+          <a:lnRef idx="0"/>
+          <a:fillRef idx="0"/>
+          <a:effectRef idx="0"/>
+          <a:fontRef idx="minor"/>
+        </p:style>
+        <p:txBody>
+          <a:bodyPr lIns="0" rIns="0" tIns="0" bIns="0">
+            <a:normAutofit/>
+          </a:bodyPr>
+          <a:p>
+            <a:pPr marL="432000" indent="-322920">
+              <a:lnSpc>
+                <a:spcPct val="100000"/>
+              </a:lnSpc>
+              <a:spcAft>
+                <a:spcPts val="1054"/>
+              </a:spcAft>
+              <a:buClr>
+                <a:srgbClr val="009eda"/>
+              </a:buClr>
+              <a:buSzPct val="45000"/>
+              <a:buFont typeface="Wingdings" charset="2"/>
+              <a:buChar char=""/>
+            </a:pPr>
+            <a:r>
+              <a:rPr b="0" lang="de-AT" sz="2400" spc="-1" strike="noStrike">
+                <a:solidFill>
+                  <a:srgbClr val="0000ff"/>
+                </a:solidFill>
+                <a:latin typeface="Source Sans Pro"/>
+                <a:ea typeface="DejaVu Sans"/>
+              </a:rPr>
+              <a:t> </a:t>
+            </a:r>
+            <a:endParaRPr b="0" lang="es-MX" sz="2400" spc="-1" strike="noStrike">
+              <a:latin typeface="Arial"/>
+            </a:endParaRPr>
+          </a:p>
+          <a:p>
+            <a:pPr>
+              <a:lnSpc>
+                <a:spcPct val="100000"/>
+              </a:lnSpc>
+              <a:spcAft>
+                <a:spcPts val="1054"/>
+              </a:spcAft>
+            </a:pPr>
+            <a:endParaRPr b="0" lang="es-MX" sz="2400" spc="-1" strike="noStrike">
+              <a:latin typeface="Arial"/>
+            </a:endParaRPr>
+          </a:p>
+        </p:txBody>
+      </p:sp>
+      <p:pic>
+        <p:nvPicPr>
+          <p:cNvPr id="314" name="" descr=""/>
+          <p:cNvPicPr/>
+          <p:nvPr/>
+        </p:nvPicPr>
+        <p:blipFill>
+          <a:blip r:embed="rId2"/>
+          <a:stretch/>
+        </p:blipFill>
+        <p:spPr>
+          <a:xfrm>
+            <a:off x="2700000" y="1161360"/>
+            <a:ext cx="5183280" cy="4418640"/>
+          </a:xfrm>
+          <a:prstGeom prst="rect">
+            <a:avLst/>
+          </a:prstGeom>
+          <a:ln w="0">
+            <a:noFill/>
+          </a:ln>
+        </p:spPr>
+      </p:pic>
+    </p:spTree>
+  </p:cSld>
+  <mc:AlternateContent>
+    <mc:Choice Requires="p14">
+      <p:transition spd="slow" p14:dur="2000"/>
+    </mc:Choice>
+    <mc:Fallback>
+      <p:transition spd="slow"/>
+    </mc:Fallback>
+  </mc:AlternateContent>
+</p:sld>
+</file>
+
+<file path=ppt/slides/slide29.xml><?xml version="1.0" encoding="utf-8"?>
+<p:sld xmlns:a="http://schemas.openxmlformats.org/drawingml/2006/main" xmlns:p="http://schemas.openxmlformats.org/presentationml/2006/main" xmlns:r="http://schemas.openxmlformats.org/officeDocument/2006/relationships" xmlns:p14="http://schemas.microsoft.com/office/powerpoint/2010/main" xmlns:p15="http://schemas.microsoft.com/office/powerpoint/2012/main" xmlns:mc="http://schemas.openxmlformats.org/markup-compatibility/2006">
+  <p:cSld>
+    <p:bg>
+      <p:bgPr>
+        <a:blipFill rotWithShape="0">
+          <a:blip r:embed="rId1"/>
+          <a:stretch/>
+        </a:blipFill>
+      </p:bgPr>
+    </p:bg>
+    <p:spTree>
+      <p:nvGrpSpPr>
+        <p:cNvPr id="1" name=""/>
+        <p:cNvGrpSpPr/>
+        <p:nvPr/>
+      </p:nvGrpSpPr>
+      <p:grpSpPr>
+        <a:xfrm>
+          <a:off x="0" y="0"/>
+          <a:ext cx="0" cy="0"/>
+          <a:chOff x="0" y="0"/>
+          <a:chExt cx="0" cy="0"/>
+        </a:xfrm>
+      </p:grpSpPr>
+      <p:sp>
+        <p:nvSpPr>
+          <p:cNvPr id="315" name="CustomShape 1"/>
+          <p:cNvSpPr/>
+          <p:nvPr/>
+        </p:nvSpPr>
+        <p:spPr>
+          <a:xfrm>
+            <a:off x="376920" y="132480"/>
+            <a:ext cx="9070560" cy="945720"/>
+          </a:xfrm>
+          <a:prstGeom prst="rect">
+            <a:avLst/>
+          </a:prstGeom>
+          <a:noFill/>
+          <a:ln w="0">
+            <a:noFill/>
+          </a:ln>
+        </p:spPr>
+        <p:style>
+          <a:lnRef idx="0"/>
+          <a:fillRef idx="0"/>
+          <a:effectRef idx="0"/>
+          <a:fontRef idx="minor"/>
+        </p:style>
+        <p:txBody>
+          <a:bodyPr lIns="0" rIns="0" tIns="0" bIns="0" anchor="b">
+            <a:normAutofit fontScale="59000"/>
+          </a:bodyPr>
+          <a:p>
+            <a:pPr>
+              <a:lnSpc>
+                <a:spcPct val="100000"/>
+              </a:lnSpc>
+            </a:pPr>
+            <a:r>
+              <a:rPr b="0" lang="de-AT" sz="4500" spc="-1" strike="noStrike">
+                <a:solidFill>
+                  <a:srgbClr val="ffffff"/>
+                </a:solidFill>
+                <a:latin typeface="Source Sans Pro Light"/>
+                <a:ea typeface="DejaVu Sans"/>
+              </a:rPr>
+              <a:t>Instalación de Debian GNU/Linux</a:t>
+            </a:r>
+            <a:endParaRPr b="0" lang="es-MX" sz="4500" spc="-1" strike="noStrike">
+              <a:latin typeface="Arial"/>
+            </a:endParaRPr>
+          </a:p>
+        </p:txBody>
+      </p:sp>
+      <p:sp>
+        <p:nvSpPr>
+          <p:cNvPr id="316" name="CustomShape 2"/>
+          <p:cNvSpPr/>
+          <p:nvPr/>
+        </p:nvSpPr>
+        <p:spPr>
+          <a:xfrm>
+            <a:off x="502920" y="1440000"/>
+            <a:ext cx="9020880" cy="3496680"/>
+          </a:xfrm>
+          <a:prstGeom prst="rect">
+            <a:avLst/>
+          </a:prstGeom>
+          <a:noFill/>
+          <a:ln w="0">
+            <a:noFill/>
+          </a:ln>
+        </p:spPr>
+        <p:style>
+          <a:lnRef idx="0"/>
+          <a:fillRef idx="0"/>
+          <a:effectRef idx="0"/>
+          <a:fontRef idx="minor"/>
+        </p:style>
+        <p:txBody>
+          <a:bodyPr lIns="0" rIns="0" tIns="0" bIns="0">
+            <a:normAutofit/>
+          </a:bodyPr>
+          <a:p>
+            <a:pPr marL="432000" indent="-322920">
+              <a:lnSpc>
+                <a:spcPct val="100000"/>
+              </a:lnSpc>
+              <a:spcAft>
+                <a:spcPts val="1054"/>
+              </a:spcAft>
+              <a:buClr>
+                <a:srgbClr val="009eda"/>
+              </a:buClr>
+              <a:buSzPct val="45000"/>
+              <a:buFont typeface="Wingdings" charset="2"/>
+              <a:buChar char=""/>
+            </a:pPr>
+            <a:r>
+              <a:rPr b="0" lang="de-AT" sz="2400" spc="-1" strike="noStrike">
+                <a:solidFill>
+                  <a:srgbClr val="0000ff"/>
+                </a:solidFill>
+                <a:latin typeface="Source Sans Pro"/>
+                <a:ea typeface="DejaVu Sans"/>
+              </a:rPr>
+              <a:t> </a:t>
+            </a:r>
+            <a:endParaRPr b="0" lang="es-MX" sz="2400" spc="-1" strike="noStrike">
+              <a:latin typeface="Arial"/>
+            </a:endParaRPr>
+          </a:p>
+          <a:p>
+            <a:pPr>
+              <a:lnSpc>
+                <a:spcPct val="100000"/>
+              </a:lnSpc>
+              <a:spcAft>
+                <a:spcPts val="1054"/>
+              </a:spcAft>
+            </a:pPr>
+            <a:endParaRPr b="0" lang="es-MX" sz="2400" spc="-1" strike="noStrike">
+              <a:latin typeface="Arial"/>
+            </a:endParaRPr>
+          </a:p>
+        </p:txBody>
+      </p:sp>
+      <p:pic>
+        <p:nvPicPr>
+          <p:cNvPr id="317" name="" descr=""/>
+          <p:cNvPicPr/>
+          <p:nvPr/>
+        </p:nvPicPr>
+        <p:blipFill>
+          <a:blip r:embed="rId2"/>
+          <a:stretch/>
+        </p:blipFill>
+        <p:spPr>
+          <a:xfrm>
+            <a:off x="2445480" y="1167120"/>
+            <a:ext cx="5135400" cy="4377960"/>
+          </a:xfrm>
+          <a:prstGeom prst="rect">
+            <a:avLst/>
+          </a:prstGeom>
+          <a:ln w="0">
+            <a:noFill/>
+          </a:ln>
+        </p:spPr>
+      </p:pic>
     </p:spTree>
   </p:cSld>
   <mc:AlternateContent>
@@ -8284,14 +14060,14 @@
       </p:grpSpPr>
       <p:sp>
         <p:nvSpPr>
-          <p:cNvPr id="161" name="CustomShape 1"/>
+          <p:cNvPr id="240" name="CustomShape 1"/>
           <p:cNvSpPr/>
           <p:nvPr/>
         </p:nvSpPr>
         <p:spPr>
           <a:xfrm>
             <a:off x="502920" y="90720"/>
-            <a:ext cx="9071280" cy="946440"/>
+            <a:ext cx="9070560" cy="945720"/>
           </a:xfrm>
           <a:prstGeom prst="rect">
             <a:avLst/>
@@ -8312,7 +14088,7 @@
             <a:normAutofit fontScale="31000"/>
           </a:bodyPr>
           <a:p>
-            <a:pPr marL="432000" indent="-323640">
+            <a:pPr marL="432000" indent="-322920">
               <a:lnSpc>
                 <a:spcPct val="100000"/>
               </a:lnSpc>
@@ -8332,6 +14108,7 @@
                   <a:srgbClr val="ffffff"/>
                 </a:solidFill>
                 <a:latin typeface="Source Sans Pro Light"/>
+                <a:ea typeface="DejaVu Sans"/>
               </a:rPr>
               <a:t>Instalar Debian GNU/Linux en una máquina virtual de virtualbox</a:t>
             </a:r>
@@ -8343,14 +14120,14 @@
       </p:sp>
       <p:sp>
         <p:nvSpPr>
-          <p:cNvPr id="162" name="CustomShape 2"/>
+          <p:cNvPr id="241" name="CustomShape 2"/>
           <p:cNvSpPr/>
           <p:nvPr/>
         </p:nvSpPr>
         <p:spPr>
           <a:xfrm>
             <a:off x="502920" y="1440000"/>
-            <a:ext cx="9021600" cy="3497400"/>
+            <a:ext cx="9020880" cy="3496680"/>
           </a:xfrm>
           <a:prstGeom prst="rect">
             <a:avLst/>
@@ -8371,7 +14148,7 @@
             <a:normAutofit/>
           </a:bodyPr>
           <a:p>
-            <a:pPr marL="432000" indent="-323640">
+            <a:pPr marL="432000" indent="-322920">
               <a:lnSpc>
                 <a:spcPct val="100000"/>
               </a:lnSpc>
@@ -8387,7 +14164,11 @@
             </a:pPr>
             <a:r>
               <a:rPr b="0" lang="de-AT" sz="2400" spc="-1" strike="noStrike">
+                <a:solidFill>
+                  <a:srgbClr val="000000"/>
+                </a:solidFill>
                 <a:latin typeface="Source Sans Pro"/>
+                <a:ea typeface="DejaVu Sans"/>
               </a:rPr>
               <a:t>Instalación de Debian GNU/Linux en una máquina virtual de virtualbox.</a:t>
             </a:r>
@@ -8396,7 +14177,7 @@
             </a:endParaRPr>
           </a:p>
           <a:p>
-            <a:pPr marL="432000" indent="-323640">
+            <a:pPr marL="432000" indent="-322920">
               <a:lnSpc>
                 <a:spcPct val="100000"/>
               </a:lnSpc>
@@ -8412,7 +14193,11 @@
             </a:pPr>
             <a:r>
               <a:rPr b="0" lang="de-AT" sz="2400" spc="-1" strike="noStrike">
+                <a:solidFill>
+                  <a:srgbClr val="000000"/>
+                </a:solidFill>
                 <a:latin typeface="Source Sans Pro"/>
+                <a:ea typeface="DejaVu Sans"/>
               </a:rPr>
               <a:t>Se necesita obtener:</a:t>
             </a:r>
@@ -8421,7 +14206,7 @@
             </a:endParaRPr>
           </a:p>
           <a:p>
-            <a:pPr marL="432000" indent="-323640">
+            <a:pPr marL="432000" indent="-322920">
               <a:lnSpc>
                 <a:spcPct val="100000"/>
               </a:lnSpc>
@@ -8437,7 +14222,11 @@
             </a:pPr>
             <a:r>
               <a:rPr b="0" lang="de-AT" sz="2400" spc="-1" strike="noStrike">
+                <a:solidFill>
+                  <a:srgbClr val="000000"/>
+                </a:solidFill>
                 <a:latin typeface="Source Sans Pro"/>
+                <a:ea typeface="DejaVu Sans"/>
               </a:rPr>
               <a:t>Aplicación Oracle Virtualbox</a:t>
             </a:r>
@@ -8446,7 +14235,7 @@
             </a:endParaRPr>
           </a:p>
           <a:p>
-            <a:pPr marL="432000" indent="-323640">
+            <a:pPr marL="432000" indent="-322920">
               <a:lnSpc>
                 <a:spcPct val="100000"/>
               </a:lnSpc>
@@ -8462,7 +14251,11 @@
             </a:pPr>
             <a:r>
               <a:rPr b="0" lang="de-AT" sz="2400" spc="-1" strike="noStrike">
+                <a:solidFill>
+                  <a:srgbClr val="000000"/>
+                </a:solidFill>
                 <a:latin typeface="Source Sans Pro"/>
+                <a:ea typeface="DejaVu Sans"/>
               </a:rPr>
               <a:t>Archivo iso para la instalación de Debian GNU/Linux</a:t>
             </a:r>
@@ -8472,6 +14265,628 @@
           </a:p>
         </p:txBody>
       </p:sp>
+    </p:spTree>
+  </p:cSld>
+  <mc:AlternateContent>
+    <mc:Choice Requires="p14">
+      <p:transition spd="slow" p14:dur="2000"/>
+    </mc:Choice>
+    <mc:Fallback>
+      <p:transition spd="slow"/>
+    </mc:Fallback>
+  </mc:AlternateContent>
+</p:sld>
+</file>
+
+<file path=ppt/slides/slide30.xml><?xml version="1.0" encoding="utf-8"?>
+<p:sld xmlns:a="http://schemas.openxmlformats.org/drawingml/2006/main" xmlns:p="http://schemas.openxmlformats.org/presentationml/2006/main" xmlns:r="http://schemas.openxmlformats.org/officeDocument/2006/relationships" xmlns:p14="http://schemas.microsoft.com/office/powerpoint/2010/main" xmlns:p15="http://schemas.microsoft.com/office/powerpoint/2012/main" xmlns:mc="http://schemas.openxmlformats.org/markup-compatibility/2006">
+  <p:cSld>
+    <p:bg>
+      <p:bgPr>
+        <a:blipFill rotWithShape="0">
+          <a:blip r:embed="rId1"/>
+          <a:stretch/>
+        </a:blipFill>
+      </p:bgPr>
+    </p:bg>
+    <p:spTree>
+      <p:nvGrpSpPr>
+        <p:cNvPr id="1" name=""/>
+        <p:cNvGrpSpPr/>
+        <p:nvPr/>
+      </p:nvGrpSpPr>
+      <p:grpSpPr>
+        <a:xfrm>
+          <a:off x="0" y="0"/>
+          <a:ext cx="0" cy="0"/>
+          <a:chOff x="0" y="0"/>
+          <a:chExt cx="0" cy="0"/>
+        </a:xfrm>
+      </p:grpSpPr>
+      <p:sp>
+        <p:nvSpPr>
+          <p:cNvPr id="318" name="CustomShape 1"/>
+          <p:cNvSpPr/>
+          <p:nvPr/>
+        </p:nvSpPr>
+        <p:spPr>
+          <a:xfrm>
+            <a:off x="376920" y="132480"/>
+            <a:ext cx="9070560" cy="945720"/>
+          </a:xfrm>
+          <a:prstGeom prst="rect">
+            <a:avLst/>
+          </a:prstGeom>
+          <a:noFill/>
+          <a:ln w="0">
+            <a:noFill/>
+          </a:ln>
+        </p:spPr>
+        <p:style>
+          <a:lnRef idx="0"/>
+          <a:fillRef idx="0"/>
+          <a:effectRef idx="0"/>
+          <a:fontRef idx="minor"/>
+        </p:style>
+        <p:txBody>
+          <a:bodyPr lIns="0" rIns="0" tIns="0" bIns="0" anchor="b">
+            <a:normAutofit fontScale="59000"/>
+          </a:bodyPr>
+          <a:p>
+            <a:pPr>
+              <a:lnSpc>
+                <a:spcPct val="100000"/>
+              </a:lnSpc>
+            </a:pPr>
+            <a:r>
+              <a:rPr b="0" lang="de-AT" sz="4500" spc="-1" strike="noStrike">
+                <a:solidFill>
+                  <a:srgbClr val="ffffff"/>
+                </a:solidFill>
+                <a:latin typeface="Source Sans Pro Light"/>
+                <a:ea typeface="DejaVu Sans"/>
+              </a:rPr>
+              <a:t>Instalación de Debian GNU/Linux</a:t>
+            </a:r>
+            <a:endParaRPr b="0" lang="es-MX" sz="4500" spc="-1" strike="noStrike">
+              <a:latin typeface="Arial"/>
+            </a:endParaRPr>
+          </a:p>
+        </p:txBody>
+      </p:sp>
+      <p:sp>
+        <p:nvSpPr>
+          <p:cNvPr id="319" name="CustomShape 2"/>
+          <p:cNvSpPr/>
+          <p:nvPr/>
+        </p:nvSpPr>
+        <p:spPr>
+          <a:xfrm>
+            <a:off x="502920" y="1440000"/>
+            <a:ext cx="9020880" cy="3496680"/>
+          </a:xfrm>
+          <a:prstGeom prst="rect">
+            <a:avLst/>
+          </a:prstGeom>
+          <a:noFill/>
+          <a:ln w="0">
+            <a:noFill/>
+          </a:ln>
+        </p:spPr>
+        <p:style>
+          <a:lnRef idx="0"/>
+          <a:fillRef idx="0"/>
+          <a:effectRef idx="0"/>
+          <a:fontRef idx="minor"/>
+        </p:style>
+        <p:txBody>
+          <a:bodyPr lIns="0" rIns="0" tIns="0" bIns="0">
+            <a:normAutofit/>
+          </a:bodyPr>
+          <a:p>
+            <a:pPr marL="432000" indent="-322920">
+              <a:lnSpc>
+                <a:spcPct val="100000"/>
+              </a:lnSpc>
+              <a:spcAft>
+                <a:spcPts val="1054"/>
+              </a:spcAft>
+              <a:buClr>
+                <a:srgbClr val="009eda"/>
+              </a:buClr>
+              <a:buSzPct val="45000"/>
+              <a:buFont typeface="Wingdings" charset="2"/>
+              <a:buChar char=""/>
+            </a:pPr>
+            <a:r>
+              <a:rPr b="0" lang="de-AT" sz="2400" spc="-1" strike="noStrike">
+                <a:solidFill>
+                  <a:srgbClr val="0000ff"/>
+                </a:solidFill>
+                <a:latin typeface="Source Sans Pro"/>
+                <a:ea typeface="DejaVu Sans"/>
+              </a:rPr>
+              <a:t> </a:t>
+            </a:r>
+            <a:endParaRPr b="0" lang="es-MX" sz="2400" spc="-1" strike="noStrike">
+              <a:latin typeface="Arial"/>
+            </a:endParaRPr>
+          </a:p>
+          <a:p>
+            <a:pPr>
+              <a:lnSpc>
+                <a:spcPct val="100000"/>
+              </a:lnSpc>
+              <a:spcAft>
+                <a:spcPts val="1054"/>
+              </a:spcAft>
+            </a:pPr>
+            <a:endParaRPr b="0" lang="es-MX" sz="2400" spc="-1" strike="noStrike">
+              <a:latin typeface="Arial"/>
+            </a:endParaRPr>
+          </a:p>
+        </p:txBody>
+      </p:sp>
+    </p:spTree>
+  </p:cSld>
+  <mc:AlternateContent>
+    <mc:Choice Requires="p14">
+      <p:transition spd="slow" p14:dur="2000"/>
+    </mc:Choice>
+    <mc:Fallback>
+      <p:transition spd="slow"/>
+    </mc:Fallback>
+  </mc:AlternateContent>
+</p:sld>
+</file>
+
+<file path=ppt/slides/slide31.xml><?xml version="1.0" encoding="utf-8"?>
+<p:sld xmlns:a="http://schemas.openxmlformats.org/drawingml/2006/main" xmlns:p="http://schemas.openxmlformats.org/presentationml/2006/main" xmlns:r="http://schemas.openxmlformats.org/officeDocument/2006/relationships" xmlns:p14="http://schemas.microsoft.com/office/powerpoint/2010/main" xmlns:p15="http://schemas.microsoft.com/office/powerpoint/2012/main" xmlns:mc="http://schemas.openxmlformats.org/markup-compatibility/2006">
+  <p:cSld>
+    <p:bg>
+      <p:bgPr>
+        <a:blipFill rotWithShape="0">
+          <a:blip r:embed="rId1"/>
+          <a:stretch/>
+        </a:blipFill>
+      </p:bgPr>
+    </p:bg>
+    <p:spTree>
+      <p:nvGrpSpPr>
+        <p:cNvPr id="1" name=""/>
+        <p:cNvGrpSpPr/>
+        <p:nvPr/>
+      </p:nvGrpSpPr>
+      <p:grpSpPr>
+        <a:xfrm>
+          <a:off x="0" y="0"/>
+          <a:ext cx="0" cy="0"/>
+          <a:chOff x="0" y="0"/>
+          <a:chExt cx="0" cy="0"/>
+        </a:xfrm>
+      </p:grpSpPr>
+      <p:sp>
+        <p:nvSpPr>
+          <p:cNvPr id="320" name="CustomShape 1"/>
+          <p:cNvSpPr/>
+          <p:nvPr/>
+        </p:nvSpPr>
+        <p:spPr>
+          <a:xfrm>
+            <a:off x="376920" y="132480"/>
+            <a:ext cx="9070560" cy="945720"/>
+          </a:xfrm>
+          <a:prstGeom prst="rect">
+            <a:avLst/>
+          </a:prstGeom>
+          <a:noFill/>
+          <a:ln w="0">
+            <a:noFill/>
+          </a:ln>
+        </p:spPr>
+        <p:style>
+          <a:lnRef idx="0"/>
+          <a:fillRef idx="0"/>
+          <a:effectRef idx="0"/>
+          <a:fontRef idx="minor"/>
+        </p:style>
+        <p:txBody>
+          <a:bodyPr lIns="0" rIns="0" tIns="0" bIns="0" anchor="b">
+            <a:normAutofit fontScale="59000"/>
+          </a:bodyPr>
+          <a:p>
+            <a:pPr>
+              <a:lnSpc>
+                <a:spcPct val="100000"/>
+              </a:lnSpc>
+            </a:pPr>
+            <a:r>
+              <a:rPr b="0" lang="de-AT" sz="4500" spc="-1" strike="noStrike">
+                <a:solidFill>
+                  <a:srgbClr val="ffffff"/>
+                </a:solidFill>
+                <a:latin typeface="Source Sans Pro Light"/>
+                <a:ea typeface="DejaVu Sans"/>
+              </a:rPr>
+              <a:t>URL de ubicación de esta presentación</a:t>
+            </a:r>
+            <a:endParaRPr b="0" lang="es-MX" sz="4500" spc="-1" strike="noStrike">
+              <a:latin typeface="Arial"/>
+            </a:endParaRPr>
+          </a:p>
+        </p:txBody>
+      </p:sp>
+      <p:sp>
+        <p:nvSpPr>
+          <p:cNvPr id="321" name="CustomShape 2"/>
+          <p:cNvSpPr/>
+          <p:nvPr/>
+        </p:nvSpPr>
+        <p:spPr>
+          <a:xfrm>
+            <a:off x="502920" y="1440000"/>
+            <a:ext cx="9020880" cy="3496680"/>
+          </a:xfrm>
+          <a:prstGeom prst="rect">
+            <a:avLst/>
+          </a:prstGeom>
+          <a:noFill/>
+          <a:ln w="0">
+            <a:noFill/>
+          </a:ln>
+        </p:spPr>
+        <p:style>
+          <a:lnRef idx="0"/>
+          <a:fillRef idx="0"/>
+          <a:effectRef idx="0"/>
+          <a:fontRef idx="minor"/>
+        </p:style>
+        <p:txBody>
+          <a:bodyPr lIns="0" rIns="0" tIns="0" bIns="0">
+            <a:normAutofit/>
+          </a:bodyPr>
+          <a:p>
+            <a:pPr>
+              <a:lnSpc>
+                <a:spcPct val="100000"/>
+              </a:lnSpc>
+              <a:spcAft>
+                <a:spcPts val="1054"/>
+              </a:spcAft>
+            </a:pPr>
+            <a:r>
+              <a:rPr b="0" lang="de-AT" sz="2400" spc="-1" strike="noStrike">
+                <a:solidFill>
+                  <a:srgbClr val="0000ff"/>
+                </a:solidFill>
+                <a:latin typeface="Source Sans Pro"/>
+                <a:ea typeface="DejaVu Sans"/>
+              </a:rPr>
+              <a:t>https://github.com/sotrteacher/dirtywork/tree/master/UNIDAD00/01_Entorno_de_Desarrollo </a:t>
+            </a:r>
+            <a:endParaRPr b="0" lang="es-MX" sz="2400" spc="-1" strike="noStrike">
+              <a:latin typeface="Arial"/>
+            </a:endParaRPr>
+          </a:p>
+          <a:p>
+            <a:pPr>
+              <a:lnSpc>
+                <a:spcPct val="100000"/>
+              </a:lnSpc>
+              <a:spcAft>
+                <a:spcPts val="1054"/>
+              </a:spcAft>
+            </a:pPr>
+            <a:endParaRPr b="0" lang="es-MX" sz="2400" spc="-1" strike="noStrike">
+              <a:latin typeface="Arial"/>
+            </a:endParaRPr>
+          </a:p>
+        </p:txBody>
+      </p:sp>
+    </p:spTree>
+  </p:cSld>
+  <mc:AlternateContent>
+    <mc:Choice Requires="p14">
+      <p:transition spd="slow" p14:dur="2000"/>
+    </mc:Choice>
+    <mc:Fallback>
+      <p:transition spd="slow"/>
+    </mc:Fallback>
+  </mc:AlternateContent>
+</p:sld>
+</file>
+
+<file path=ppt/slides/slide32.xml><?xml version="1.0" encoding="utf-8"?>
+<p:sld xmlns:a="http://schemas.openxmlformats.org/drawingml/2006/main" xmlns:p="http://schemas.openxmlformats.org/presentationml/2006/main" xmlns:r="http://schemas.openxmlformats.org/officeDocument/2006/relationships" xmlns:p14="http://schemas.microsoft.com/office/powerpoint/2010/main" xmlns:p15="http://schemas.microsoft.com/office/powerpoint/2012/main" xmlns:mc="http://schemas.openxmlformats.org/markup-compatibility/2006">
+  <p:cSld>
+    <p:spTree>
+      <p:nvGrpSpPr>
+        <p:cNvPr id="1" name=""/>
+        <p:cNvGrpSpPr/>
+        <p:nvPr/>
+      </p:nvGrpSpPr>
+      <p:grpSpPr>
+        <a:xfrm>
+          <a:off x="0" y="0"/>
+          <a:ext cx="0" cy="0"/>
+          <a:chOff x="0" y="0"/>
+          <a:chExt cx="0" cy="0"/>
+        </a:xfrm>
+      </p:grpSpPr>
+      <p:sp>
+        <p:nvSpPr>
+          <p:cNvPr id="322" name="CustomShape 1"/>
+          <p:cNvSpPr/>
+          <p:nvPr/>
+        </p:nvSpPr>
+        <p:spPr>
+          <a:xfrm>
+            <a:off x="502920" y="630720"/>
+            <a:ext cx="9070560" cy="4387680"/>
+          </a:xfrm>
+          <a:prstGeom prst="rect">
+            <a:avLst/>
+          </a:prstGeom>
+          <a:noFill/>
+          <a:ln w="0">
+            <a:noFill/>
+          </a:ln>
+        </p:spPr>
+        <p:style>
+          <a:lnRef idx="0"/>
+          <a:fillRef idx="0"/>
+          <a:effectRef idx="0"/>
+          <a:fontRef idx="minor"/>
+        </p:style>
+      </p:sp>
+      <p:sp>
+        <p:nvSpPr>
+          <p:cNvPr id="323" name="CustomShape 2"/>
+          <p:cNvSpPr/>
+          <p:nvPr/>
+        </p:nvSpPr>
+        <p:spPr>
+          <a:xfrm>
+            <a:off x="360000" y="540000"/>
+            <a:ext cx="9359640" cy="857880"/>
+          </a:xfrm>
+          <a:prstGeom prst="rect">
+            <a:avLst/>
+          </a:prstGeom>
+          <a:noFill/>
+          <a:ln w="0">
+            <a:noFill/>
+          </a:ln>
+        </p:spPr>
+        <p:style>
+          <a:lnRef idx="0"/>
+          <a:fillRef idx="0"/>
+          <a:effectRef idx="0"/>
+          <a:fontRef idx="minor"/>
+        </p:style>
+        <p:txBody>
+          <a:bodyPr lIns="90000" rIns="90000" tIns="45000" bIns="45000">
+            <a:noAutofit/>
+          </a:bodyPr>
+          <a:p>
+            <a:pPr>
+              <a:lnSpc>
+                <a:spcPct val="100000"/>
+              </a:lnSpc>
+            </a:pPr>
+            <a:r>
+              <a:rPr b="0" lang="es-MX" sz="1800" spc="-1" strike="noStrike">
+                <a:latin typeface="Arial"/>
+              </a:rPr>
+              <a:t>Link de DownGit:</a:t>
+            </a:r>
+            <a:endParaRPr b="0" lang="es-MX" sz="1800" spc="-1" strike="noStrike">
+              <a:latin typeface="Arial"/>
+            </a:endParaRPr>
+          </a:p>
+          <a:p>
+            <a:pPr>
+              <a:lnSpc>
+                <a:spcPct val="100000"/>
+              </a:lnSpc>
+            </a:pPr>
+            <a:endParaRPr b="0" lang="es-MX" sz="1800" spc="-1" strike="noStrike">
+              <a:latin typeface="Arial"/>
+            </a:endParaRPr>
+          </a:p>
+          <a:p>
+            <a:pPr>
+              <a:lnSpc>
+                <a:spcPct val="100000"/>
+              </a:lnSpc>
+            </a:pPr>
+            <a:r>
+              <a:rPr b="0" lang="es-MX" sz="1800" spc="-1" strike="noStrike">
+                <a:latin typeface="Arial"/>
+              </a:rPr>
+              <a:t>https://downgit.github.io/#/home</a:t>
+            </a:r>
+            <a:endParaRPr b="0" lang="es-MX" sz="1800" spc="-1" strike="noStrike">
+              <a:latin typeface="Arial"/>
+            </a:endParaRPr>
+          </a:p>
+        </p:txBody>
+      </p:sp>
+      <p:pic>
+        <p:nvPicPr>
+          <p:cNvPr id="324" name="" descr=""/>
+          <p:cNvPicPr/>
+          <p:nvPr/>
+        </p:nvPicPr>
+        <p:blipFill>
+          <a:blip r:embed="rId1"/>
+          <a:stretch/>
+        </p:blipFill>
+        <p:spPr>
+          <a:xfrm>
+            <a:off x="946800" y="1506960"/>
+            <a:ext cx="8402400" cy="3216240"/>
+          </a:xfrm>
+          <a:prstGeom prst="rect">
+            <a:avLst/>
+          </a:prstGeom>
+          <a:ln w="0">
+            <a:noFill/>
+          </a:ln>
+        </p:spPr>
+      </p:pic>
+    </p:spTree>
+  </p:cSld>
+  <mc:AlternateContent>
+    <mc:Choice Requires="p14">
+      <p:transition spd="slow" p14:dur="2000"/>
+    </mc:Choice>
+    <mc:Fallback>
+      <p:transition spd="slow"/>
+    </mc:Fallback>
+  </mc:AlternateContent>
+</p:sld>
+</file>
+
+<file path=ppt/slides/slide33.xml><?xml version="1.0" encoding="utf-8"?>
+<p:sld xmlns:a="http://schemas.openxmlformats.org/drawingml/2006/main" xmlns:p="http://schemas.openxmlformats.org/presentationml/2006/main" xmlns:r="http://schemas.openxmlformats.org/officeDocument/2006/relationships" xmlns:p14="http://schemas.microsoft.com/office/powerpoint/2010/main" xmlns:p15="http://schemas.microsoft.com/office/powerpoint/2012/main" xmlns:mc="http://schemas.openxmlformats.org/markup-compatibility/2006">
+  <p:cSld>
+    <p:spTree>
+      <p:nvGrpSpPr>
+        <p:cNvPr id="1" name=""/>
+        <p:cNvGrpSpPr/>
+        <p:nvPr/>
+      </p:nvGrpSpPr>
+      <p:grpSpPr>
+        <a:xfrm>
+          <a:off x="0" y="0"/>
+          <a:ext cx="0" cy="0"/>
+          <a:chOff x="0" y="0"/>
+          <a:chExt cx="0" cy="0"/>
+        </a:xfrm>
+      </p:grpSpPr>
+      <p:sp>
+        <p:nvSpPr>
+          <p:cNvPr id="325" name="CustomShape 1"/>
+          <p:cNvSpPr/>
+          <p:nvPr/>
+        </p:nvSpPr>
+        <p:spPr>
+          <a:xfrm>
+            <a:off x="502920" y="630720"/>
+            <a:ext cx="9070560" cy="4387680"/>
+          </a:xfrm>
+          <a:prstGeom prst="rect">
+            <a:avLst/>
+          </a:prstGeom>
+          <a:noFill/>
+          <a:ln w="0">
+            <a:noFill/>
+          </a:ln>
+        </p:spPr>
+        <p:style>
+          <a:lnRef idx="0"/>
+          <a:fillRef idx="0"/>
+          <a:effectRef idx="0"/>
+          <a:fontRef idx="minor"/>
+        </p:style>
+      </p:sp>
+      <p:sp>
+        <p:nvSpPr>
+          <p:cNvPr id="326" name="CustomShape 2"/>
+          <p:cNvSpPr/>
+          <p:nvPr/>
+        </p:nvSpPr>
+        <p:spPr>
+          <a:xfrm>
+            <a:off x="360000" y="540000"/>
+            <a:ext cx="9359640" cy="857880"/>
+          </a:xfrm>
+          <a:prstGeom prst="rect">
+            <a:avLst/>
+          </a:prstGeom>
+          <a:noFill/>
+          <a:ln w="0">
+            <a:noFill/>
+          </a:ln>
+        </p:spPr>
+        <p:style>
+          <a:lnRef idx="0"/>
+          <a:fillRef idx="0"/>
+          <a:effectRef idx="0"/>
+          <a:fontRef idx="minor"/>
+        </p:style>
+        <p:txBody>
+          <a:bodyPr lIns="90000" rIns="90000" tIns="45000" bIns="45000">
+            <a:noAutofit/>
+          </a:bodyPr>
+          <a:p>
+            <a:pPr>
+              <a:lnSpc>
+                <a:spcPct val="100000"/>
+              </a:lnSpc>
+            </a:pPr>
+            <a:r>
+              <a:rPr b="0" lang="es-MX" sz="1800" spc="-1" strike="noStrike">
+                <a:latin typeface="Arial"/>
+              </a:rPr>
+              <a:t>Link de video para instalación de WSL:</a:t>
+            </a:r>
+            <a:endParaRPr b="0" lang="es-MX" sz="1800" spc="-1" strike="noStrike">
+              <a:latin typeface="Arial"/>
+            </a:endParaRPr>
+          </a:p>
+          <a:p>
+            <a:pPr>
+              <a:lnSpc>
+                <a:spcPct val="100000"/>
+              </a:lnSpc>
+            </a:pPr>
+            <a:endParaRPr b="0" lang="es-MX" sz="1800" spc="-1" strike="noStrike">
+              <a:latin typeface="Arial"/>
+            </a:endParaRPr>
+          </a:p>
+          <a:p>
+            <a:pPr>
+              <a:lnSpc>
+                <a:spcPct val="100000"/>
+              </a:lnSpc>
+            </a:pPr>
+            <a:r>
+              <a:rPr b="0" lang="es-MX" sz="1800" spc="-1" strike="noStrike">
+                <a:latin typeface="Arial"/>
+              </a:rPr>
+              <a:t>https://www.youtube.com/watch?v=B7pKcdljIec</a:t>
+            </a:r>
+            <a:endParaRPr b="0" lang="es-MX" sz="1800" spc="-1" strike="noStrike">
+              <a:latin typeface="Arial"/>
+            </a:endParaRPr>
+          </a:p>
+        </p:txBody>
+      </p:sp>
+      <p:pic>
+        <p:nvPicPr>
+          <p:cNvPr id="327" name="" descr=""/>
+          <p:cNvPicPr/>
+          <p:nvPr/>
+        </p:nvPicPr>
+        <p:blipFill>
+          <a:blip r:embed="rId1"/>
+          <a:stretch/>
+        </p:blipFill>
+        <p:spPr>
+          <a:xfrm>
+            <a:off x="1814400" y="1544400"/>
+            <a:ext cx="6624720" cy="3725280"/>
+          </a:xfrm>
+          <a:prstGeom prst="rect">
+            <a:avLst/>
+          </a:prstGeom>
+          <a:ln w="0">
+            <a:noFill/>
+          </a:ln>
+        </p:spPr>
+      </p:pic>
     </p:spTree>
   </p:cSld>
   <mc:AlternateContent>
@@ -8512,14 +14927,14 @@
       </p:grpSpPr>
       <p:sp>
         <p:nvSpPr>
-          <p:cNvPr id="163" name="CustomShape 1"/>
+          <p:cNvPr id="242" name="CustomShape 1"/>
           <p:cNvSpPr/>
           <p:nvPr/>
         </p:nvSpPr>
         <p:spPr>
           <a:xfrm>
             <a:off x="502920" y="90720"/>
-            <a:ext cx="9071280" cy="946440"/>
+            <a:ext cx="9070560" cy="945720"/>
           </a:xfrm>
           <a:prstGeom prst="rect">
             <a:avLst/>
@@ -8551,6 +14966,7 @@
                   <a:srgbClr val="ffffff"/>
                 </a:solidFill>
                 <a:latin typeface="Source Sans Pro Light"/>
+                <a:ea typeface="DejaVu Sans"/>
               </a:rPr>
               <a:t>Obtención del programa de instalación de Oracle Virtualbox</a:t>
             </a:r>
@@ -8562,14 +14978,14 @@
       </p:sp>
       <p:sp>
         <p:nvSpPr>
-          <p:cNvPr id="164" name="CustomShape 2"/>
+          <p:cNvPr id="243" name="CustomShape 2"/>
           <p:cNvSpPr/>
           <p:nvPr/>
         </p:nvSpPr>
         <p:spPr>
           <a:xfrm>
             <a:off x="502920" y="1440000"/>
-            <a:ext cx="9021600" cy="3497400"/>
+            <a:ext cx="9020880" cy="3496680"/>
           </a:xfrm>
           <a:prstGeom prst="rect">
             <a:avLst/>
@@ -8590,7 +15006,7 @@
             <a:normAutofit/>
           </a:bodyPr>
           <a:p>
-            <a:pPr marL="432000" indent="-323640">
+            <a:pPr marL="432000" indent="-322920">
               <a:lnSpc>
                 <a:spcPct val="100000"/>
               </a:lnSpc>
@@ -8606,7 +15022,11 @@
             </a:pPr>
             <a:r>
               <a:rPr b="0" lang="de-AT" sz="2400" spc="-1" strike="noStrike">
+                <a:solidFill>
+                  <a:srgbClr val="000000"/>
+                </a:solidFill>
                 <a:latin typeface="Source Sans Pro"/>
+                <a:ea typeface="DejaVu Sans"/>
               </a:rPr>
               <a:t>URL para descargar programa de instalación de Oracle Virtualbox</a:t>
             </a:r>
@@ -8615,7 +15035,7 @@
             </a:endParaRPr>
           </a:p>
           <a:p>
-            <a:pPr marL="432000" indent="-323640">
+            <a:pPr marL="432000" indent="-322920">
               <a:lnSpc>
                 <a:spcPct val="100000"/>
               </a:lnSpc>
@@ -8631,7 +15051,11 @@
             </a:pPr>
             <a:r>
               <a:rPr b="0" lang="de-AT" sz="2400" spc="-1" strike="noStrike">
+                <a:solidFill>
+                  <a:srgbClr val="000000"/>
+                </a:solidFill>
                 <a:latin typeface="Source Sans Pro"/>
+                <a:ea typeface="DejaVu Sans"/>
               </a:rPr>
               <a:t>https://www.oracle.com/virtualization/technologies/vm/downloads/virtualbox-downloads.html?source=:ow:o:p:nav:mmddyyVirtualBoxHero&amp;intcmp=:ow:o:p:nav:mmddyyVirtualBoxHero</a:t>
             </a:r>
@@ -8694,14 +15118,14 @@
       </p:grpSpPr>
       <p:sp>
         <p:nvSpPr>
-          <p:cNvPr id="165" name="CustomShape 1"/>
+          <p:cNvPr id="244" name="CustomShape 1"/>
           <p:cNvSpPr/>
           <p:nvPr/>
         </p:nvSpPr>
         <p:spPr>
           <a:xfrm>
             <a:off x="502920" y="90720"/>
-            <a:ext cx="9071280" cy="946440"/>
+            <a:ext cx="9070560" cy="945720"/>
           </a:xfrm>
           <a:prstGeom prst="rect">
             <a:avLst/>
@@ -8733,6 +15157,7 @@
                   <a:srgbClr val="ffffff"/>
                 </a:solidFill>
                 <a:latin typeface="Source Sans Pro Light"/>
+                <a:ea typeface="DejaVu Sans"/>
               </a:rPr>
               <a:t>Página para descargar Oracle Virtualbox</a:t>
             </a:r>
@@ -8744,7 +15169,7 @@
       </p:sp>
       <p:pic>
         <p:nvPicPr>
-          <p:cNvPr id="166" name="" descr=""/>
+          <p:cNvPr id="245" name="" descr=""/>
           <p:cNvPicPr/>
           <p:nvPr/>
         </p:nvPicPr>
@@ -8755,7 +15180,7 @@
         <p:spPr>
           <a:xfrm>
             <a:off x="1923120" y="1050480"/>
-            <a:ext cx="6017040" cy="4015800"/>
+            <a:ext cx="6016320" cy="4015080"/>
           </a:xfrm>
           <a:prstGeom prst="rect">
             <a:avLst/>
@@ -8767,14 +15192,14 @@
       </p:pic>
       <p:sp>
         <p:nvSpPr>
-          <p:cNvPr id="167" name="CustomShape 2"/>
+          <p:cNvPr id="246" name="CustomShape 2"/>
           <p:cNvSpPr/>
           <p:nvPr/>
         </p:nvSpPr>
         <p:spPr>
           <a:xfrm>
             <a:off x="720000" y="5201640"/>
-            <a:ext cx="8819640" cy="396720"/>
+            <a:ext cx="8818920" cy="396000"/>
           </a:xfrm>
           <a:prstGeom prst="rect">
             <a:avLst/>
@@ -8802,7 +15227,11 @@
             </a:pPr>
             <a:r>
               <a:rPr b="0" lang="de-AT" sz="2200" spc="-1" strike="noStrike">
+                <a:solidFill>
+                  <a:srgbClr val="000000"/>
+                </a:solidFill>
                 <a:latin typeface="Source Sans Pro"/>
+                <a:ea typeface="DejaVu Sans"/>
               </a:rPr>
               <a:t>La url de la página se muestra en la diapositiva anterior.</a:t>
             </a:r>
@@ -8852,14 +15281,14 @@
       </p:grpSpPr>
       <p:sp>
         <p:nvSpPr>
-          <p:cNvPr id="168" name="CustomShape 1"/>
+          <p:cNvPr id="247" name="CustomShape 1"/>
           <p:cNvSpPr/>
           <p:nvPr/>
         </p:nvSpPr>
         <p:spPr>
           <a:xfrm>
             <a:off x="502920" y="90720"/>
-            <a:ext cx="9071280" cy="946440"/>
+            <a:ext cx="9070560" cy="945720"/>
           </a:xfrm>
           <a:prstGeom prst="rect">
             <a:avLst/>
@@ -8891,6 +15320,7 @@
                   <a:srgbClr val="ffffff"/>
                 </a:solidFill>
                 <a:latin typeface="Source Sans Pro Light"/>
+                <a:ea typeface="DejaVu Sans"/>
               </a:rPr>
               <a:t>Instalación de Oracle Virtualbox </a:t>
             </a:r>
@@ -8902,14 +15332,14 @@
       </p:sp>
       <p:sp>
         <p:nvSpPr>
-          <p:cNvPr id="169" name="CustomShape 2"/>
+          <p:cNvPr id="248" name="CustomShape 2"/>
           <p:cNvSpPr/>
           <p:nvPr/>
         </p:nvSpPr>
         <p:spPr>
           <a:xfrm>
             <a:off x="502920" y="1440000"/>
-            <a:ext cx="9021600" cy="3497400"/>
+            <a:ext cx="9020880" cy="3496680"/>
           </a:xfrm>
           <a:prstGeom prst="rect">
             <a:avLst/>
@@ -8930,7 +15360,7 @@
             <a:normAutofit/>
           </a:bodyPr>
           <a:p>
-            <a:pPr marL="432000" indent="-323640">
+            <a:pPr marL="432000" indent="-322920">
               <a:lnSpc>
                 <a:spcPct val="100000"/>
               </a:lnSpc>
@@ -8946,7 +15376,11 @@
             </a:pPr>
             <a:r>
               <a:rPr b="0" lang="de-AT" sz="2400" spc="-1" strike="noStrike">
+                <a:solidFill>
+                  <a:srgbClr val="000000"/>
+                </a:solidFill>
                 <a:latin typeface="Source Sans Pro"/>
+                <a:ea typeface="DejaVu Sans"/>
               </a:rPr>
               <a:t>Después de descargar el programa de instalación correspondiente, se procede a instalarlo. Una vez instalado, al ejecutarlo se observará algo similar a lo siguiente:</a:t>
             </a:r>
@@ -8958,7 +15392,7 @@
       </p:sp>
       <p:pic>
         <p:nvPicPr>
-          <p:cNvPr id="170" name="" descr=""/>
+          <p:cNvPr id="249" name="" descr=""/>
           <p:cNvPicPr/>
           <p:nvPr/>
         </p:nvPicPr>
@@ -8969,7 +15403,7 @@
         <p:spPr>
           <a:xfrm>
             <a:off x="2880000" y="2700000"/>
-            <a:ext cx="4319640" cy="2680920"/>
+            <a:ext cx="4318920" cy="2680200"/>
           </a:xfrm>
           <a:prstGeom prst="rect">
             <a:avLst/>
@@ -9019,14 +15453,14 @@
       </p:grpSpPr>
       <p:sp>
         <p:nvSpPr>
-          <p:cNvPr id="171" name="CustomShape 1"/>
+          <p:cNvPr id="250" name="CustomShape 1"/>
           <p:cNvSpPr/>
           <p:nvPr/>
         </p:nvSpPr>
         <p:spPr>
           <a:xfrm>
             <a:off x="502920" y="90720"/>
-            <a:ext cx="9071280" cy="946440"/>
+            <a:ext cx="9070560" cy="945720"/>
           </a:xfrm>
           <a:prstGeom prst="rect">
             <a:avLst/>
@@ -9058,6 +15492,7 @@
                   <a:srgbClr val="ffffff"/>
                 </a:solidFill>
                 <a:latin typeface="Source Sans Pro Light"/>
+                <a:ea typeface="DejaVu Sans"/>
               </a:rPr>
               <a:t>Creación de la máquina virtual para instalación de Debian GNU/Linux</a:t>
             </a:r>
@@ -9069,14 +15504,14 @@
       </p:sp>
       <p:sp>
         <p:nvSpPr>
-          <p:cNvPr id="172" name="CustomShape 2"/>
+          <p:cNvPr id="251" name="CustomShape 2"/>
           <p:cNvSpPr/>
           <p:nvPr/>
         </p:nvSpPr>
         <p:spPr>
           <a:xfrm>
             <a:off x="502920" y="1440000"/>
-            <a:ext cx="9021600" cy="3497400"/>
+            <a:ext cx="9020880" cy="3496680"/>
           </a:xfrm>
           <a:prstGeom prst="rect">
             <a:avLst/>
@@ -9097,7 +15532,7 @@
             <a:normAutofit/>
           </a:bodyPr>
           <a:p>
-            <a:pPr marL="432000" indent="-323640">
+            <a:pPr marL="432000" indent="-322920">
               <a:lnSpc>
                 <a:spcPct val="100000"/>
               </a:lnSpc>
@@ -9113,7 +15548,11 @@
             </a:pPr>
             <a:r>
               <a:rPr b="0" lang="de-AT" sz="2400" spc="-1" strike="noStrike">
+                <a:solidFill>
+                  <a:srgbClr val="000000"/>
+                </a:solidFill>
                 <a:latin typeface="Source Sans Pro"/>
+                <a:ea typeface="DejaVu Sans"/>
               </a:rPr>
               <a:t>Se da clic en el botón/elemento de menu “Nueva“</a:t>
             </a:r>
@@ -9125,7 +15564,7 @@
       </p:sp>
       <p:pic>
         <p:nvPicPr>
-          <p:cNvPr id="173" name="" descr=""/>
+          <p:cNvPr id="252" name="" descr=""/>
           <p:cNvPicPr/>
           <p:nvPr/>
         </p:nvPicPr>
@@ -9136,7 +15575,7 @@
         <p:spPr>
           <a:xfrm>
             <a:off x="2467440" y="1977840"/>
-            <a:ext cx="5319000" cy="3339720"/>
+            <a:ext cx="5318280" cy="3339000"/>
           </a:xfrm>
           <a:prstGeom prst="rect">
             <a:avLst/>
@@ -9186,14 +15625,14 @@
       </p:grpSpPr>
       <p:sp>
         <p:nvSpPr>
-          <p:cNvPr id="174" name="CustomShape 1"/>
+          <p:cNvPr id="253" name="CustomShape 1"/>
           <p:cNvSpPr/>
           <p:nvPr/>
         </p:nvSpPr>
         <p:spPr>
           <a:xfrm>
             <a:off x="502920" y="90720"/>
-            <a:ext cx="9071280" cy="946440"/>
+            <a:ext cx="9070560" cy="945720"/>
           </a:xfrm>
           <a:prstGeom prst="rect">
             <a:avLst/>
@@ -9225,6 +15664,7 @@
                   <a:srgbClr val="ffffff"/>
                 </a:solidFill>
                 <a:latin typeface="Source Sans Pro Light"/>
+                <a:ea typeface="DejaVu Sans"/>
               </a:rPr>
               <a:t>Crear máquina virtual</a:t>
             </a:r>
@@ -9236,14 +15676,14 @@
       </p:sp>
       <p:sp>
         <p:nvSpPr>
-          <p:cNvPr id="175" name="CustomShape 2"/>
+          <p:cNvPr id="254" name="CustomShape 2"/>
           <p:cNvSpPr/>
           <p:nvPr/>
         </p:nvSpPr>
         <p:spPr>
           <a:xfrm>
             <a:off x="502920" y="1440000"/>
-            <a:ext cx="9021600" cy="3497400"/>
+            <a:ext cx="9020880" cy="3496680"/>
           </a:xfrm>
           <a:prstGeom prst="rect">
             <a:avLst/>
@@ -9262,7 +15702,7 @@
       </p:sp>
       <p:pic>
         <p:nvPicPr>
-          <p:cNvPr id="176" name="" descr=""/>
+          <p:cNvPr id="255" name="" descr=""/>
           <p:cNvPicPr/>
           <p:nvPr/>
         </p:nvPicPr>
@@ -9273,7 +15713,7 @@
         <p:spPr>
           <a:xfrm>
             <a:off x="1620000" y="1209960"/>
-            <a:ext cx="6659640" cy="4189680"/>
+            <a:ext cx="6658920" cy="4188960"/>
           </a:xfrm>
           <a:prstGeom prst="rect">
             <a:avLst/>
@@ -9323,14 +15763,14 @@
       </p:grpSpPr>
       <p:sp>
         <p:nvSpPr>
-          <p:cNvPr id="177" name="CustomShape 1"/>
+          <p:cNvPr id="256" name="CustomShape 1"/>
           <p:cNvSpPr/>
           <p:nvPr/>
         </p:nvSpPr>
         <p:spPr>
           <a:xfrm>
             <a:off x="502920" y="90720"/>
-            <a:ext cx="9071280" cy="946440"/>
+            <a:ext cx="9070560" cy="945720"/>
           </a:xfrm>
           <a:prstGeom prst="rect">
             <a:avLst/>
@@ -9362,6 +15802,7 @@
                   <a:srgbClr val="ffffff"/>
                 </a:solidFill>
                 <a:latin typeface="Source Sans Pro Light"/>
+                <a:ea typeface="DejaVu Sans"/>
               </a:rPr>
               <a:t>Para instalar Debian 10 de 64 bits, el tamaño de memoria debe ser de al menos 2048 MB</a:t>
             </a:r>
@@ -9373,14 +15814,14 @@
       </p:sp>
       <p:sp>
         <p:nvSpPr>
-          <p:cNvPr id="178" name="CustomShape 2"/>
+          <p:cNvPr id="257" name="CustomShape 2"/>
           <p:cNvSpPr/>
           <p:nvPr/>
         </p:nvSpPr>
         <p:spPr>
           <a:xfrm>
             <a:off x="502920" y="1440000"/>
-            <a:ext cx="9021600" cy="3497400"/>
+            <a:ext cx="9020880" cy="3496680"/>
           </a:xfrm>
           <a:prstGeom prst="rect">
             <a:avLst/>
@@ -9399,7 +15840,7 @@
       </p:sp>
       <p:pic>
         <p:nvPicPr>
-          <p:cNvPr id="179" name="" descr=""/>
+          <p:cNvPr id="258" name="" descr=""/>
           <p:cNvPicPr/>
           <p:nvPr/>
         </p:nvPicPr>
@@ -9410,7 +15851,7 @@
         <p:spPr>
           <a:xfrm>
             <a:off x="1556640" y="1569600"/>
-            <a:ext cx="6308640" cy="3924000"/>
+            <a:ext cx="6307920" cy="3923280"/>
           </a:xfrm>
           <a:prstGeom prst="rect">
             <a:avLst/>
@@ -10335,4 +16776,456 @@
     </a:fmtScheme>
   </a:themeElements>
 </a:theme>
+</file>
+
+<file path=ppt/theme/theme5.xml><?xml version="1.0" encoding="utf-8"?>
+<a:theme xmlns:a="http://schemas.openxmlformats.org/drawingml/2006/main" name="Office Theme">
+  <a:themeElements>
+    <a:clrScheme name="Office">
+      <a:dk1>
+        <a:sysClr val="windowText" lastClr="000000"/>
+      </a:dk1>
+      <a:lt1>
+        <a:sysClr val="window" lastClr="FFFFFF"/>
+      </a:lt1>
+      <a:dk2>
+        <a:srgbClr val="1f497d"/>
+      </a:dk2>
+      <a:lt2>
+        <a:srgbClr val="eeece1"/>
+      </a:lt2>
+      <a:accent1>
+        <a:srgbClr val="4f81bd"/>
+      </a:accent1>
+      <a:accent2>
+        <a:srgbClr val="c0504d"/>
+      </a:accent2>
+      <a:accent3>
+        <a:srgbClr val="9bbb59"/>
+      </a:accent3>
+      <a:accent4>
+        <a:srgbClr val="8064a2"/>
+      </a:accent4>
+      <a:accent5>
+        <a:srgbClr val="4bacc6"/>
+      </a:accent5>
+      <a:accent6>
+        <a:srgbClr val="f79646"/>
+      </a:accent6>
+      <a:hlink>
+        <a:srgbClr val="0000ff"/>
+      </a:hlink>
+      <a:folHlink>
+        <a:srgbClr val="800080"/>
+      </a:folHlink>
+    </a:clrScheme>
+    <a:fontScheme name="Office">
+      <a:majorFont>
+        <a:latin typeface="Arial"/>
+        <a:ea typeface="DejaVu Sans"/>
+        <a:cs typeface="DejaVu Sans"/>
+      </a:majorFont>
+      <a:minorFont>
+        <a:latin typeface="Arial"/>
+        <a:ea typeface="DejaVu Sans"/>
+        <a:cs typeface="DejaVu Sans"/>
+      </a:minorFont>
+    </a:fontScheme>
+    <a:fmtScheme name="Office">
+      <a:fillStyleLst>
+        <a:solidFill>
+          <a:schemeClr val="phClr"/>
+        </a:solidFill>
+        <a:gradFill rotWithShape="1">
+          <a:gsLst>
+            <a:gs pos="0">
+              <a:schemeClr val="phClr">
+                <a:tint val="50000"/>
+                <a:satMod val="300000"/>
+              </a:schemeClr>
+            </a:gs>
+            <a:gs pos="35000">
+              <a:schemeClr val="phClr">
+                <a:tint val="37000"/>
+                <a:satMod val="300000"/>
+              </a:schemeClr>
+            </a:gs>
+            <a:gs pos="100000">
+              <a:schemeClr val="phClr">
+                <a:tint val="15000"/>
+                <a:satMod val="350000"/>
+              </a:schemeClr>
+            </a:gs>
+          </a:gsLst>
+          <a:lin ang="16200000" scaled="1"/>
+        </a:gradFill>
+        <a:gradFill rotWithShape="1">
+          <a:gsLst>
+            <a:gs pos="0">
+              <a:schemeClr val="phClr">
+                <a:shade val="51000"/>
+                <a:satMod val="130000"/>
+              </a:schemeClr>
+            </a:gs>
+            <a:gs pos="80000">
+              <a:schemeClr val="phClr">
+                <a:shade val="93000"/>
+                <a:satMod val="130000"/>
+              </a:schemeClr>
+            </a:gs>
+            <a:gs pos="100000">
+              <a:schemeClr val="phClr">
+                <a:shade val="94000"/>
+                <a:satMod val="135000"/>
+              </a:schemeClr>
+            </a:gs>
+          </a:gsLst>
+          <a:lin ang="16200000" scaled="0"/>
+        </a:gradFill>
+      </a:fillStyleLst>
+      <a:lnStyleLst>
+        <a:ln w="9525" cap="flat" cmpd="sng" algn="ctr">
+          <a:solidFill>
+            <a:schemeClr val="phClr">
+              <a:shade val="95000"/>
+              <a:satMod val="105000"/>
+            </a:schemeClr>
+          </a:solidFill>
+          <a:prstDash val="solid"/>
+          <a:miter/>
+        </a:ln>
+        <a:ln w="25400" cap="flat" cmpd="sng" algn="ctr">
+          <a:solidFill>
+            <a:schemeClr val="phClr"/>
+          </a:solidFill>
+          <a:prstDash val="solid"/>
+          <a:miter/>
+        </a:ln>
+        <a:ln w="38100" cap="flat" cmpd="sng" algn="ctr">
+          <a:solidFill>
+            <a:schemeClr val="phClr"/>
+          </a:solidFill>
+          <a:prstDash val="solid"/>
+          <a:miter/>
+        </a:ln>
+      </a:lnStyleLst>
+      <a:effectStyleLst>
+        <a:effectStyle>
+          <a:effectLst>
+            <a:outerShdw blurRad="40000" dist="20000" dir="5400000" rotWithShape="0">
+              <a:srgbClr val="000000">
+                <a:alpha val="38000"/>
+              </a:srgbClr>
+            </a:outerShdw>
+          </a:effectLst>
+        </a:effectStyle>
+        <a:effectStyle>
+          <a:effectLst>
+            <a:outerShdw blurRad="40000" dist="23000" dir="5400000" rotWithShape="0">
+              <a:srgbClr val="000000">
+                <a:alpha val="35000"/>
+              </a:srgbClr>
+            </a:outerShdw>
+          </a:effectLst>
+        </a:effectStyle>
+        <a:effectStyle>
+          <a:effectLst>
+            <a:outerShdw blurRad="40000" dist="23000" dir="5400000" rotWithShape="0">
+              <a:srgbClr val="000000">
+                <a:alpha val="35000"/>
+              </a:srgbClr>
+            </a:outerShdw>
+          </a:effectLst>
+          <a:scene3d>
+            <a:camera prst="orthographicFront">
+              <a:rot lat="0" lon="0" rev="0"/>
+            </a:camera>
+            <a:lightRig rig="threePt" dir="t">
+              <a:rot lat="0" lon="0" rev="1200000"/>
+            </a:lightRig>
+          </a:scene3d>
+          <a:sp3d>
+            <a:bevelT w="63500" h="25400"/>
+          </a:sp3d>
+        </a:effectStyle>
+      </a:effectStyleLst>
+      <a:bgFillStyleLst>
+        <a:solidFill>
+          <a:schemeClr val="phClr"/>
+        </a:solidFill>
+        <a:gradFill rotWithShape="1">
+          <a:gsLst>
+            <a:gs pos="0">
+              <a:schemeClr val="phClr">
+                <a:tint val="40000"/>
+                <a:satMod val="350000"/>
+              </a:schemeClr>
+            </a:gs>
+            <a:gs pos="40000">
+              <a:schemeClr val="phClr">
+                <a:tint val="45000"/>
+                <a:shade val="99000"/>
+                <a:satMod val="350000"/>
+              </a:schemeClr>
+            </a:gs>
+            <a:gs pos="100000">
+              <a:schemeClr val="phClr">
+                <a:shade val="20000"/>
+                <a:satMod val="255000"/>
+              </a:schemeClr>
+            </a:gs>
+          </a:gsLst>
+          <a:path path="circle">
+            <a:fillToRect l="50000" t="-80000" r="50000" b="180000"/>
+          </a:path>
+        </a:gradFill>
+        <a:gradFill rotWithShape="1">
+          <a:gsLst>
+            <a:gs pos="0">
+              <a:schemeClr val="phClr">
+                <a:tint val="80000"/>
+                <a:satMod val="300000"/>
+              </a:schemeClr>
+            </a:gs>
+            <a:gs pos="100000">
+              <a:schemeClr val="phClr">
+                <a:shade val="30000"/>
+                <a:satMod val="200000"/>
+              </a:schemeClr>
+            </a:gs>
+          </a:gsLst>
+          <a:path path="circle">
+            <a:fillToRect l="50000" t="50000" r="50000" b="50000"/>
+          </a:path>
+        </a:gradFill>
+      </a:bgFillStyleLst>
+    </a:fmtScheme>
+  </a:themeElements>
+</a:theme>
+</file>
+
+<file path=ppt/theme/theme6.xml><?xml version="1.0" encoding="utf-8"?>
+<a:theme xmlns:a="http://schemas.openxmlformats.org/drawingml/2006/main" name="Office Theme">
+  <a:themeElements>
+    <a:clrScheme name="Office">
+      <a:dk1>
+        <a:sysClr val="windowText" lastClr="000000"/>
+      </a:dk1>
+      <a:lt1>
+        <a:sysClr val="window" lastClr="FFFFFF"/>
+      </a:lt1>
+      <a:dk2>
+        <a:srgbClr val="1f497d"/>
+      </a:dk2>
+      <a:lt2>
+        <a:srgbClr val="eeece1"/>
+      </a:lt2>
+      <a:accent1>
+        <a:srgbClr val="4f81bd"/>
+      </a:accent1>
+      <a:accent2>
+        <a:srgbClr val="c0504d"/>
+      </a:accent2>
+      <a:accent3>
+        <a:srgbClr val="9bbb59"/>
+      </a:accent3>
+      <a:accent4>
+        <a:srgbClr val="8064a2"/>
+      </a:accent4>
+      <a:accent5>
+        <a:srgbClr val="4bacc6"/>
+      </a:accent5>
+      <a:accent6>
+        <a:srgbClr val="f79646"/>
+      </a:accent6>
+      <a:hlink>
+        <a:srgbClr val="0000ff"/>
+      </a:hlink>
+      <a:folHlink>
+        <a:srgbClr val="800080"/>
+      </a:folHlink>
+    </a:clrScheme>
+    <a:fontScheme name="Office">
+      <a:majorFont>
+        <a:latin typeface="Arial"/>
+        <a:ea typeface="DejaVu Sans"/>
+        <a:cs typeface="DejaVu Sans"/>
+      </a:majorFont>
+      <a:minorFont>
+        <a:latin typeface="Arial"/>
+        <a:ea typeface="DejaVu Sans"/>
+        <a:cs typeface="DejaVu Sans"/>
+      </a:minorFont>
+    </a:fontScheme>
+    <a:fmtScheme name="Office">
+      <a:fillStyleLst>
+        <a:solidFill>
+          <a:schemeClr val="phClr"/>
+        </a:solidFill>
+        <a:gradFill rotWithShape="1">
+          <a:gsLst>
+            <a:gs pos="0">
+              <a:schemeClr val="phClr">
+                <a:tint val="50000"/>
+                <a:satMod val="300000"/>
+              </a:schemeClr>
+            </a:gs>
+            <a:gs pos="35000">
+              <a:schemeClr val="phClr">
+                <a:tint val="37000"/>
+                <a:satMod val="300000"/>
+              </a:schemeClr>
+            </a:gs>
+            <a:gs pos="100000">
+              <a:schemeClr val="phClr">
+                <a:tint val="15000"/>
+                <a:satMod val="350000"/>
+              </a:schemeClr>
+            </a:gs>
+          </a:gsLst>
+          <a:lin ang="16200000" scaled="1"/>
+        </a:gradFill>
+        <a:gradFill rotWithShape="1">
+          <a:gsLst>
+            <a:gs pos="0">
+              <a:schemeClr val="phClr">
+                <a:shade val="51000"/>
+                <a:satMod val="130000"/>
+              </a:schemeClr>
+            </a:gs>
+            <a:gs pos="80000">
+              <a:schemeClr val="phClr">
+                <a:shade val="93000"/>
+                <a:satMod val="130000"/>
+              </a:schemeClr>
+            </a:gs>
+            <a:gs pos="100000">
+              <a:schemeClr val="phClr">
+                <a:shade val="94000"/>
+                <a:satMod val="135000"/>
+              </a:schemeClr>
+            </a:gs>
+          </a:gsLst>
+          <a:lin ang="16200000" scaled="0"/>
+        </a:gradFill>
+      </a:fillStyleLst>
+      <a:lnStyleLst>
+        <a:ln w="9525" cap="flat" cmpd="sng" algn="ctr">
+          <a:solidFill>
+            <a:schemeClr val="phClr">
+              <a:shade val="95000"/>
+              <a:satMod val="105000"/>
+            </a:schemeClr>
+          </a:solidFill>
+          <a:prstDash val="solid"/>
+          <a:miter/>
+        </a:ln>
+        <a:ln w="25400" cap="flat" cmpd="sng" algn="ctr">
+          <a:solidFill>
+            <a:schemeClr val="phClr"/>
+          </a:solidFill>
+          <a:prstDash val="solid"/>
+          <a:miter/>
+        </a:ln>
+        <a:ln w="38100" cap="flat" cmpd="sng" algn="ctr">
+          <a:solidFill>
+            <a:schemeClr val="phClr"/>
+          </a:solidFill>
+          <a:prstDash val="solid"/>
+          <a:miter/>
+        </a:ln>
+      </a:lnStyleLst>
+      <a:effectStyleLst>
+        <a:effectStyle>
+          <a:effectLst>
+            <a:outerShdw blurRad="40000" dist="20000" dir="5400000" rotWithShape="0">
+              <a:srgbClr val="000000">
+                <a:alpha val="38000"/>
+              </a:srgbClr>
+            </a:outerShdw>
+          </a:effectLst>
+        </a:effectStyle>
+        <a:effectStyle>
+          <a:effectLst>
+            <a:outerShdw blurRad="40000" dist="23000" dir="5400000" rotWithShape="0">
+              <a:srgbClr val="000000">
+                <a:alpha val="35000"/>
+              </a:srgbClr>
+            </a:outerShdw>
+          </a:effectLst>
+        </a:effectStyle>
+        <a:effectStyle>
+          <a:effectLst>
+            <a:outerShdw blurRad="40000" dist="23000" dir="5400000" rotWithShape="0">
+              <a:srgbClr val="000000">
+                <a:alpha val="35000"/>
+              </a:srgbClr>
+            </a:outerShdw>
+          </a:effectLst>
+          <a:scene3d>
+            <a:camera prst="orthographicFront">
+              <a:rot lat="0" lon="0" rev="0"/>
+            </a:camera>
+            <a:lightRig rig="threePt" dir="t">
+              <a:rot lat="0" lon="0" rev="1200000"/>
+            </a:lightRig>
+          </a:scene3d>
+          <a:sp3d>
+            <a:bevelT w="63500" h="25400"/>
+          </a:sp3d>
+        </a:effectStyle>
+      </a:effectStyleLst>
+      <a:bgFillStyleLst>
+        <a:solidFill>
+          <a:schemeClr val="phClr"/>
+        </a:solidFill>
+        <a:gradFill rotWithShape="1">
+          <a:gsLst>
+            <a:gs pos="0">
+              <a:schemeClr val="phClr">
+                <a:tint val="40000"/>
+                <a:satMod val="350000"/>
+              </a:schemeClr>
+            </a:gs>
+            <a:gs pos="40000">
+              <a:schemeClr val="phClr">
+                <a:tint val="45000"/>
+                <a:shade val="99000"/>
+                <a:satMod val="350000"/>
+              </a:schemeClr>
+            </a:gs>
+            <a:gs pos="100000">
+              <a:schemeClr val="phClr">
+                <a:shade val="20000"/>
+                <a:satMod val="255000"/>
+              </a:schemeClr>
+            </a:gs>
+          </a:gsLst>
+          <a:path path="circle">
+            <a:fillToRect l="50000" t="-80000" r="50000" b="180000"/>
+          </a:path>
+        </a:gradFill>
+        <a:gradFill rotWithShape="1">
+          <a:gsLst>
+            <a:gs pos="0">
+              <a:schemeClr val="phClr">
+                <a:tint val="80000"/>
+                <a:satMod val="300000"/>
+              </a:schemeClr>
+            </a:gs>
+            <a:gs pos="100000">
+              <a:schemeClr val="phClr">
+                <a:shade val="30000"/>
+                <a:satMod val="200000"/>
+              </a:schemeClr>
+            </a:gs>
+          </a:gsLst>
+          <a:path path="circle">
+            <a:fillToRect l="50000" t="50000" r="50000" b="50000"/>
+          </a:path>
+        </a:gradFill>
+      </a:bgFillStyleLst>
+    </a:fmtScheme>
+  </a:themeElements>
+</a:theme>
 </file>